--- a/Presentation.pptx
+++ b/Presentation.pptx
@@ -5,7 +5,7 @@
     <p:sldMasterId id="2147483648" r:id="rId1"/>
   </p:sldMasterIdLst>
   <p:notesMasterIdLst>
-    <p:notesMasterId r:id="rId12"/>
+    <p:notesMasterId r:id="rId15"/>
   </p:notesMasterIdLst>
   <p:sldIdLst>
     <p:sldId id="256" r:id="rId2"/>
@@ -14,10 +14,13 @@
     <p:sldId id="259" r:id="rId5"/>
     <p:sldId id="260" r:id="rId6"/>
     <p:sldId id="261" r:id="rId7"/>
-    <p:sldId id="262" r:id="rId8"/>
-    <p:sldId id="263" r:id="rId9"/>
-    <p:sldId id="264" r:id="rId10"/>
-    <p:sldId id="265" r:id="rId11"/>
+    <p:sldId id="266" r:id="rId8"/>
+    <p:sldId id="267" r:id="rId9"/>
+    <p:sldId id="268" r:id="rId10"/>
+    <p:sldId id="262" r:id="rId11"/>
+    <p:sldId id="263" r:id="rId12"/>
+    <p:sldId id="264" r:id="rId13"/>
+    <p:sldId id="265" r:id="rId14"/>
   </p:sldIdLst>
   <p:sldSz cx="12192000" cy="6858000"/>
   <p:notesSz cx="6858000" cy="9144000"/>
@@ -116,6 +119,14 @@
       </a:defRPr>
     </a:lvl9pPr>
   </p:defaultTextStyle>
+  <p:extLst>
+    <p:ext uri="{EFAFB233-063F-42B5-8137-9DF3F51BA10A}">
+      <p15:sldGuideLst xmlns:p15="http://schemas.microsoft.com/office/powerpoint/2012/main"/>
+    </p:ext>
+    <p:ext uri="{2D200454-40CA-4A62-9FC3-DE9A4176ACB9}">
+      <p15:notesGuideLst xmlns:p15="http://schemas.microsoft.com/office/powerpoint/2012/main"/>
+    </p:ext>
+  </p:extLst>
 </p:presentation>
 </file>
 
@@ -669,82 +680,540 @@
           <a:bodyPr/>
           <a:lstStyle/>
           <a:p>
-            <a:pPr marL="171450" indent="-171450">
-              <a:buFont typeface="Arial" panose="020B0604020202020204" pitchFamily="34" charset="0"/>
-              <a:buChar char="•"/>
+            <a:pPr marL="0" lvl="0" indent="0">
+              <a:buFont typeface="Arial" panose="020B0604020202020204" pitchFamily="34" charset="0"/>
+              <a:buNone/>
+            </a:pPr>
+            <a:r>
+              <a:rPr lang="en-US" b="1" dirty="0" smtClean="0"/>
+              <a:t>Demo – a better message sender</a:t>
+            </a:r>
+          </a:p>
+          <a:p>
+            <a:pPr marL="457200" lvl="1" indent="0">
+              <a:buFont typeface="Arial" panose="020B0604020202020204" pitchFamily="34" charset="0"/>
+              <a:buNone/>
+            </a:pPr>
+            <a:endParaRPr lang="en-US" b="1" dirty="0" smtClean="0"/>
+          </a:p>
+          <a:p>
+            <a:pPr marL="0" lvl="0" indent="0">
+              <a:buFont typeface="Arial" panose="020B0604020202020204" pitchFamily="34" charset="0"/>
+              <a:buNone/>
+            </a:pPr>
+            <a:r>
+              <a:rPr lang="en-US" b="0" dirty="0" smtClean="0"/>
+              <a:t>This</a:t>
+            </a:r>
+            <a:r>
+              <a:rPr lang="en-US" b="0" baseline="0" dirty="0" smtClean="0"/>
+              <a:t> demo will introduce generic name readers and writers which a message sender can then use to send messages to people.  We will create different types of writers and name readers and demonstrate how to use them.</a:t>
+            </a:r>
+          </a:p>
+          <a:p>
+            <a:pPr marL="457200" lvl="1" indent="0">
+              <a:buFont typeface="Arial" panose="020B0604020202020204" pitchFamily="34" charset="0"/>
+              <a:buNone/>
+            </a:pPr>
+            <a:endParaRPr lang="en-US" b="0" baseline="0" dirty="0" smtClean="0"/>
+          </a:p>
+          <a:p>
+            <a:pPr marL="171450" lvl="0" indent="-171450">
+              <a:buFont typeface="Arial" panose="020B0604020202020204" pitchFamily="34" charset="0"/>
+              <a:buChar char="•"/>
+            </a:pPr>
+            <a:r>
+              <a:rPr lang="en-US" b="0" baseline="0" dirty="0" err="1" smtClean="0"/>
+              <a:t>Program.fs</a:t>
+            </a:r>
+            <a:endParaRPr lang="en-US" b="0" baseline="0" dirty="0" smtClean="0"/>
+          </a:p>
+          <a:p>
+            <a:pPr marL="628650" lvl="1" indent="-171450">
+              <a:buFont typeface="Arial" panose="020B0604020202020204" pitchFamily="34" charset="0"/>
+              <a:buChar char="•"/>
+            </a:pPr>
+            <a:r>
+              <a:rPr lang="en-US" b="0" baseline="0" dirty="0" smtClean="0"/>
+              <a:t>As usual start at the bottom file, this is always the application entry point (root)</a:t>
+            </a:r>
+          </a:p>
+          <a:p>
+            <a:pPr marL="628650" lvl="1" indent="-171450">
+              <a:buFont typeface="Arial" panose="020B0604020202020204" pitchFamily="34" charset="0"/>
+              <a:buChar char="•"/>
+            </a:pPr>
+            <a:r>
+              <a:rPr lang="en-US" b="0" baseline="0" dirty="0" smtClean="0"/>
+              <a:t>The code now has a </a:t>
+            </a:r>
+            <a:r>
+              <a:rPr lang="en-US" b="0" baseline="0" dirty="0" err="1" smtClean="0"/>
+              <a:t>FileNameReader</a:t>
+            </a:r>
+            <a:r>
+              <a:rPr lang="en-US" b="0" baseline="0" dirty="0" smtClean="0"/>
+              <a:t> and </a:t>
+            </a:r>
+            <a:r>
+              <a:rPr lang="en-US" b="0" baseline="0" dirty="0" err="1" smtClean="0"/>
+              <a:t>MemoryNameReader</a:t>
+            </a:r>
+            <a:endParaRPr lang="en-US" b="0" baseline="0" dirty="0" smtClean="0"/>
+          </a:p>
+          <a:p>
+            <a:pPr marL="628650" lvl="1" indent="-171450">
+              <a:buFont typeface="Arial" panose="020B0604020202020204" pitchFamily="34" charset="0"/>
+              <a:buChar char="•"/>
+            </a:pPr>
+            <a:r>
+              <a:rPr lang="en-US" b="0" baseline="0" dirty="0" smtClean="0"/>
+              <a:t>The code now has a </a:t>
+            </a:r>
+            <a:r>
+              <a:rPr lang="en-US" b="0" baseline="0" dirty="0" err="1" smtClean="0"/>
+              <a:t>ConsoleWriter</a:t>
+            </a:r>
+            <a:r>
+              <a:rPr lang="en-US" b="0" baseline="0" dirty="0" smtClean="0"/>
+              <a:t> and </a:t>
+            </a:r>
+            <a:r>
+              <a:rPr lang="en-US" b="0" baseline="0" dirty="0" err="1" smtClean="0"/>
+              <a:t>DebugWriter</a:t>
+            </a:r>
+            <a:endParaRPr lang="en-US" b="0" baseline="0" dirty="0" smtClean="0"/>
+          </a:p>
+          <a:p>
+            <a:pPr marL="628650" lvl="1" indent="-171450">
+              <a:buFont typeface="Arial" panose="020B0604020202020204" pitchFamily="34" charset="0"/>
+              <a:buChar char="•"/>
+            </a:pPr>
+            <a:r>
+              <a:rPr lang="en-US" b="0" baseline="0" dirty="0" err="1" smtClean="0"/>
+              <a:t>MessageSender.sendAll</a:t>
+            </a:r>
+            <a:r>
+              <a:rPr lang="en-US" b="0" baseline="0" dirty="0" smtClean="0"/>
+              <a:t> takes either reader and either writer (type signatures)</a:t>
+            </a:r>
+          </a:p>
+          <a:p>
+            <a:pPr marL="628650" marR="0" lvl="1" indent="-171450" algn="l" defTabSz="914400" rtl="0" eaLnBrk="1" fontAlgn="auto" latinLnBrk="0" hangingPunct="1">
+              <a:lnSpc>
+                <a:spcPct val="100000"/>
+              </a:lnSpc>
+              <a:spcBef>
+                <a:spcPts val="0"/>
+              </a:spcBef>
+              <a:spcAft>
+                <a:spcPts val="0"/>
+              </a:spcAft>
+              <a:buClrTx/>
+              <a:buSzTx/>
+              <a:buFont typeface="Arial" panose="020B0604020202020204" pitchFamily="34" charset="0"/>
+              <a:buChar char="•"/>
+              <a:tabLst/>
+              <a:defRPr/>
+            </a:pPr>
+            <a:r>
+              <a:rPr lang="en-US" b="0" dirty="0" smtClean="0"/>
+              <a:t>Partial application used to make </a:t>
+            </a:r>
+            <a:r>
+              <a:rPr lang="en-US" b="0" dirty="0" err="1" smtClean="0"/>
+              <a:t>readNamesFromFile</a:t>
+            </a:r>
+            <a:r>
+              <a:rPr lang="en-US" b="0" dirty="0" smtClean="0"/>
+              <a:t> have the required</a:t>
+            </a:r>
+            <a:r>
+              <a:rPr lang="en-US" b="0" baseline="0" dirty="0" smtClean="0"/>
+              <a:t> type signature</a:t>
+            </a:r>
+          </a:p>
+          <a:p>
+            <a:pPr marL="628650" lvl="1" indent="-171450">
+              <a:buFont typeface="Arial" panose="020B0604020202020204" pitchFamily="34" charset="0"/>
+              <a:buChar char="•"/>
+            </a:pPr>
+            <a:r>
+              <a:rPr lang="en-US" b="0" baseline="0" dirty="0" smtClean="0"/>
+              <a:t>explain let </a:t>
+            </a:r>
+            <a:r>
+              <a:rPr lang="en-US" sz="1200" kern="1200" dirty="0" err="1" smtClean="0">
+                <a:solidFill>
+                  <a:schemeClr val="tx1"/>
+                </a:solidFill>
+                <a:latin typeface="+mn-lt"/>
+                <a:ea typeface="+mn-ea"/>
+                <a:cs typeface="+mn-cs"/>
+              </a:rPr>
+              <a:t>readNamesFromFile</a:t>
+            </a:r>
+            <a:r>
+              <a:rPr lang="en-US" b="0" baseline="0" dirty="0" smtClean="0"/>
+              <a:t>() = syntax </a:t>
+            </a:r>
+          </a:p>
+          <a:p>
+            <a:pPr marL="628650" lvl="1" indent="-171450">
+              <a:buFont typeface="Arial" panose="020B0604020202020204" pitchFamily="34" charset="0"/>
+              <a:buChar char="•"/>
+            </a:pPr>
+            <a:r>
+              <a:rPr lang="en-US" b="0" baseline="0" dirty="0" smtClean="0"/>
+              <a:t>Aside – demo how nulls are not allowed</a:t>
+            </a:r>
+          </a:p>
+          <a:p>
+            <a:pPr marL="628650" lvl="1" indent="-171450">
+              <a:buFont typeface="Arial" panose="020B0604020202020204" pitchFamily="34" charset="0"/>
+              <a:buChar char="•"/>
+            </a:pPr>
+            <a:r>
+              <a:rPr lang="en-US" b="0" baseline="0" dirty="0" err="1" smtClean="0"/>
+              <a:t>MessageSender.sendAll</a:t>
+            </a:r>
+            <a:r>
+              <a:rPr lang="en-US" b="0" baseline="0" dirty="0" smtClean="0"/>
+              <a:t> isn’t necessary, show last example, very simple, just write it inline</a:t>
+            </a:r>
+          </a:p>
+          <a:p>
+            <a:pPr marL="171450" lvl="0" indent="-171450">
+              <a:buFont typeface="Arial" panose="020B0604020202020204" pitchFamily="34" charset="0"/>
+              <a:buChar char="•"/>
+            </a:pPr>
+            <a:endParaRPr lang="en-US" b="0" baseline="0" dirty="0" smtClean="0"/>
+          </a:p>
+          <a:p>
+            <a:pPr marL="0" lvl="0" indent="0">
+              <a:buFont typeface="Arial" panose="020B0604020202020204" pitchFamily="34" charset="0"/>
+              <a:buNone/>
+            </a:pPr>
+            <a:r>
+              <a:rPr lang="en-US" b="0" baseline="0" dirty="0" smtClean="0"/>
+              <a:t>Demo – Run application – show console – show debug console</a:t>
+            </a:r>
+          </a:p>
+          <a:p>
+            <a:pPr marL="171450" lvl="0" indent="-171450">
+              <a:buFont typeface="Arial" panose="020B0604020202020204" pitchFamily="34" charset="0"/>
+              <a:buChar char="•"/>
+            </a:pPr>
+            <a:endParaRPr lang="en-US" b="0" baseline="0" dirty="0" smtClean="0"/>
+          </a:p>
+          <a:p>
+            <a:pPr marL="171450" lvl="0" indent="-171450">
+              <a:buFont typeface="Arial" panose="020B0604020202020204" pitchFamily="34" charset="0"/>
+              <a:buChar char="•"/>
+            </a:pPr>
+            <a:r>
+              <a:rPr lang="en-US" b="0" baseline="0" dirty="0" err="1" smtClean="0"/>
+              <a:t>MessageSender.fs</a:t>
+            </a:r>
+            <a:endParaRPr lang="en-US" b="0" baseline="0" dirty="0" smtClean="0"/>
+          </a:p>
+          <a:p>
+            <a:pPr marL="628650" lvl="1" indent="-171450">
+              <a:buFont typeface="Arial" panose="020B0604020202020204" pitchFamily="34" charset="0"/>
+              <a:buChar char="•"/>
+            </a:pPr>
+            <a:r>
+              <a:rPr lang="en-US" b="0" baseline="0" dirty="0" smtClean="0"/>
+              <a:t>So simple you could just inline rather than have this module</a:t>
+            </a:r>
+          </a:p>
+          <a:p>
+            <a:pPr marL="628650" lvl="1" indent="-171450">
+              <a:buFont typeface="Arial" panose="020B0604020202020204" pitchFamily="34" charset="0"/>
+              <a:buChar char="•"/>
+            </a:pPr>
+            <a:r>
+              <a:rPr lang="en-US" b="0" baseline="0" dirty="0" smtClean="0"/>
+              <a:t>Show type signature – generic – names don’t have to be strings – high reuse in F# out of the box</a:t>
+            </a:r>
+          </a:p>
+          <a:p>
+            <a:pPr marL="171450" lvl="0" indent="-171450">
+              <a:buFont typeface="Arial" panose="020B0604020202020204" pitchFamily="34" charset="0"/>
+              <a:buChar char="•"/>
+            </a:pPr>
+            <a:r>
+              <a:rPr lang="en-US" b="0" baseline="0" dirty="0" err="1" smtClean="0"/>
+              <a:t>Writers.fs</a:t>
+            </a:r>
+            <a:endParaRPr lang="en-US" b="0" baseline="0" dirty="0" smtClean="0"/>
+          </a:p>
+          <a:p>
+            <a:pPr marL="628650" lvl="1" indent="-171450">
+              <a:buFont typeface="Arial" panose="020B0604020202020204" pitchFamily="34" charset="0"/>
+              <a:buChar char="•"/>
+            </a:pPr>
+            <a:r>
+              <a:rPr lang="en-US" b="0" baseline="0" dirty="0" smtClean="0"/>
+              <a:t>Very simple to understand</a:t>
+            </a:r>
+          </a:p>
+          <a:p>
+            <a:pPr marL="1085850" lvl="2" indent="-171450">
+              <a:buFont typeface="Arial" panose="020B0604020202020204" pitchFamily="34" charset="0"/>
+              <a:buChar char="•"/>
+            </a:pPr>
+            <a:r>
+              <a:rPr lang="en-US" b="0" baseline="0" dirty="0" err="1" smtClean="0"/>
+              <a:t>DebugWriter</a:t>
+            </a:r>
+            <a:r>
+              <a:rPr lang="en-US" b="0" baseline="0" dirty="0" smtClean="0"/>
+              <a:t> uses back pipe, could have used forward pipe instead</a:t>
+            </a:r>
+          </a:p>
+          <a:p>
+            <a:pPr marL="628650" lvl="1" indent="-171450">
+              <a:buFont typeface="Arial" panose="020B0604020202020204" pitchFamily="34" charset="0"/>
+              <a:buChar char="•"/>
+            </a:pPr>
+            <a:r>
+              <a:rPr lang="en-US" b="0" baseline="0" dirty="0" smtClean="0"/>
+              <a:t>Explicitly declaring the type of name as string – I decided that I wanted compiler to always enforce this</a:t>
+            </a:r>
+          </a:p>
+          <a:p>
+            <a:pPr marL="628650" lvl="1" indent="-171450">
+              <a:buFont typeface="Arial" panose="020B0604020202020204" pitchFamily="34" charset="0"/>
+              <a:buChar char="•"/>
+            </a:pPr>
+            <a:r>
+              <a:rPr lang="en-US" b="0" baseline="0" dirty="0" smtClean="0"/>
+              <a:t>Typical in F# to put multiple modules in the same file.  </a:t>
+            </a:r>
+          </a:p>
+          <a:p>
+            <a:pPr marL="1085850" lvl="2" indent="-171450">
+              <a:buFont typeface="Arial" panose="020B0604020202020204" pitchFamily="34" charset="0"/>
+              <a:buChar char="•"/>
+            </a:pPr>
+            <a:r>
+              <a:rPr lang="en-US" b="0" baseline="0" dirty="0" smtClean="0"/>
+              <a:t>C# projects very quickly become bloated with many files</a:t>
+            </a:r>
+          </a:p>
+          <a:p>
+            <a:pPr marL="1543050" lvl="3" indent="-171450">
+              <a:buFont typeface="Arial" panose="020B0604020202020204" pitchFamily="34" charset="0"/>
+              <a:buChar char="•"/>
+            </a:pPr>
+            <a:r>
+              <a:rPr lang="en-US" b="0" baseline="0" dirty="0" smtClean="0"/>
+              <a:t>A file for each interface (F# doesn’t need interfaces)</a:t>
+            </a:r>
+          </a:p>
+          <a:p>
+            <a:pPr marL="1543050" lvl="3" indent="-171450">
+              <a:buFont typeface="Arial" panose="020B0604020202020204" pitchFamily="34" charset="0"/>
+              <a:buChar char="•"/>
+            </a:pPr>
+            <a:r>
+              <a:rPr lang="en-US" b="0" baseline="0" dirty="0" smtClean="0"/>
+              <a:t>A file per class</a:t>
+            </a:r>
+          </a:p>
+          <a:p>
+            <a:pPr marL="171450" lvl="0" indent="-171450">
+              <a:buFont typeface="Arial" panose="020B0604020202020204" pitchFamily="34" charset="0"/>
+              <a:buChar char="•"/>
+            </a:pPr>
+            <a:r>
+              <a:rPr lang="en-US" b="0" baseline="0" dirty="0" err="1" smtClean="0"/>
+              <a:t>NameReaders.fs</a:t>
+            </a:r>
+            <a:endParaRPr lang="en-US" b="0" baseline="0" dirty="0" smtClean="0"/>
+          </a:p>
+          <a:p>
+            <a:pPr marL="628650" lvl="1" indent="-171450">
+              <a:buFont typeface="Arial" panose="020B0604020202020204" pitchFamily="34" charset="0"/>
+              <a:buChar char="•"/>
+            </a:pPr>
+            <a:r>
+              <a:rPr lang="en-US" b="0" baseline="0" dirty="0" smtClean="0"/>
+              <a:t>Again very simple, all readers in one file, but separate modules</a:t>
+            </a:r>
+          </a:p>
+        </p:txBody>
+      </p:sp>
+      <p:sp>
+        <p:nvSpPr>
+          <p:cNvPr id="4" name="Slide Number Placeholder 3"/>
+          <p:cNvSpPr>
+            <a:spLocks noGrp="1"/>
+          </p:cNvSpPr>
+          <p:nvPr>
+            <p:ph type="sldNum" sz="quarter" idx="10"/>
+          </p:nvPr>
+        </p:nvSpPr>
+        <p:spPr/>
+        <p:txBody>
+          <a:bodyPr/>
+          <a:lstStyle/>
+          <a:p>
+            <a:fld id="{A6B04E1D-01E5-441A-B374-C529DD990BC7}" type="slidenum">
+              <a:rPr lang="en-US" smtClean="0"/>
+              <a:t>10</a:t>
+            </a:fld>
+            <a:endParaRPr lang="en-US"/>
+          </a:p>
+        </p:txBody>
+      </p:sp>
+    </p:spTree>
+    <p:extLst>
+      <p:ext uri="{BB962C8B-B14F-4D97-AF65-F5344CB8AC3E}">
+        <p14:creationId xmlns:p14="http://schemas.microsoft.com/office/powerpoint/2010/main" val="4045626386"/>
+      </p:ext>
+    </p:extLst>
+  </p:cSld>
+  <p:clrMapOvr>
+    <a:masterClrMapping/>
+  </p:clrMapOvr>
+</p:notes>
+</file>
+
+<file path=ppt/notesSlides/notesSlide11.xml><?xml version="1.0" encoding="utf-8"?>
+<p:notes xmlns:a="http://schemas.openxmlformats.org/drawingml/2006/main" xmlns:r="http://schemas.openxmlformats.org/officeDocument/2006/relationships" xmlns:p="http://schemas.openxmlformats.org/presentationml/2006/main">
+  <p:cSld>
+    <p:spTree>
+      <p:nvGrpSpPr>
+        <p:cNvPr id="1" name=""/>
+        <p:cNvGrpSpPr/>
+        <p:nvPr/>
+      </p:nvGrpSpPr>
+      <p:grpSpPr>
+        <a:xfrm>
+          <a:off x="0" y="0"/>
+          <a:ext cx="0" cy="0"/>
+          <a:chOff x="0" y="0"/>
+          <a:chExt cx="0" cy="0"/>
+        </a:xfrm>
+      </p:grpSpPr>
+      <p:sp>
+        <p:nvSpPr>
+          <p:cNvPr id="2" name="Slide Image Placeholder 1"/>
+          <p:cNvSpPr>
+            <a:spLocks noGrp="1" noRot="1" noChangeAspect="1"/>
+          </p:cNvSpPr>
+          <p:nvPr>
+            <p:ph type="sldImg"/>
+          </p:nvPr>
+        </p:nvSpPr>
+        <p:spPr/>
+      </p:sp>
+      <p:sp>
+        <p:nvSpPr>
+          <p:cNvPr id="3" name="Notes Placeholder 2"/>
+          <p:cNvSpPr>
+            <a:spLocks noGrp="1"/>
+          </p:cNvSpPr>
+          <p:nvPr>
+            <p:ph type="body" idx="1"/>
+          </p:nvPr>
+        </p:nvSpPr>
+        <p:spPr/>
+        <p:txBody>
+          <a:bodyPr/>
+          <a:lstStyle/>
+          <a:p>
+            <a:pPr marL="0" marR="0" indent="0" algn="l" defTabSz="914400" rtl="0" eaLnBrk="1" fontAlgn="auto" latinLnBrk="0" hangingPunct="1">
+              <a:lnSpc>
+                <a:spcPct val="100000"/>
+              </a:lnSpc>
+              <a:spcBef>
+                <a:spcPts val="0"/>
+              </a:spcBef>
+              <a:spcAft>
+                <a:spcPts val="0"/>
+              </a:spcAft>
+              <a:buClrTx/>
+              <a:buSzTx/>
+              <a:buFontTx/>
+              <a:buNone/>
+              <a:tabLst/>
+              <a:defRPr/>
             </a:pPr>
             <a:r>
               <a:rPr lang="en-US" dirty="0" smtClean="0"/>
-              <a:t>Explain</a:t>
+              <a:t>Created to provide simple guidance</a:t>
             </a:r>
             <a:r>
               <a:rPr lang="en-US" baseline="0" dirty="0" smtClean="0"/>
-              <a:t> what the web application does </a:t>
-            </a:r>
-          </a:p>
-          <a:p>
-            <a:pPr marL="171450" indent="-171450">
-              <a:buFont typeface="Arial" panose="020B0604020202020204" pitchFamily="34" charset="0"/>
-              <a:buChar char="•"/>
-            </a:pPr>
+              <a:t> </a:t>
+            </a:r>
+            <a:r>
+              <a:rPr lang="en-US" dirty="0" smtClean="0"/>
+              <a:t>on a set of functional patterns without mentioning terms explicitly</a:t>
+            </a:r>
             <a:r>
               <a:rPr lang="en-US" baseline="0" dirty="0" smtClean="0"/>
-              <a:t>Demo multiple browser windows receiving an emergency alert</a:t>
-            </a:r>
-          </a:p>
-          <a:p>
-            <a:pPr marL="171450" indent="-171450">
-              <a:buFont typeface="Arial" panose="020B0604020202020204" pitchFamily="34" charset="0"/>
-              <a:buChar char="•"/>
-            </a:pPr>
-            <a:r>
-              <a:rPr lang="en-US" baseline="0" dirty="0" smtClean="0"/>
-              <a:t>This is build with standard </a:t>
-            </a:r>
-            <a:r>
-              <a:rPr lang="en-US" baseline="0" dirty="0" err="1" smtClean="0"/>
-              <a:t>ASP.Net</a:t>
-            </a:r>
-            <a:r>
-              <a:rPr lang="en-US" baseline="0" dirty="0" smtClean="0"/>
-              <a:t> MVC (including Razor), </a:t>
-            </a:r>
-            <a:r>
-              <a:rPr lang="en-US" baseline="0" dirty="0" err="1" smtClean="0"/>
-              <a:t>WebApi</a:t>
-            </a:r>
-            <a:r>
-              <a:rPr lang="en-US" baseline="0" dirty="0" smtClean="0"/>
-              <a:t> and </a:t>
-            </a:r>
-            <a:r>
-              <a:rPr lang="en-US" baseline="0" dirty="0" err="1" smtClean="0"/>
-              <a:t>SignalR</a:t>
-            </a:r>
-            <a:r>
-              <a:rPr lang="en-US" baseline="0" dirty="0" smtClean="0"/>
-              <a:t> all in F#!</a:t>
-            </a:r>
-          </a:p>
-          <a:p>
-            <a:pPr marL="171450" indent="-171450">
-              <a:buFont typeface="Arial" panose="020B0604020202020204" pitchFamily="34" charset="0"/>
-              <a:buChar char="•"/>
-            </a:pPr>
-            <a:r>
-              <a:rPr lang="en-US" baseline="0" dirty="0" smtClean="0"/>
-              <a:t>This application mixes OOP and Functional-First programming</a:t>
-            </a:r>
-          </a:p>
-          <a:p>
-            <a:pPr marL="171450" indent="-171450">
-              <a:buFont typeface="Arial" panose="020B0604020202020204" pitchFamily="34" charset="0"/>
-              <a:buChar char="•"/>
-            </a:pPr>
-            <a:r>
-              <a:rPr lang="en-US" baseline="0" dirty="0" smtClean="0"/>
-              <a:t>Demo again, this time run fiddler, enter name with more than 20 characters, look at response, add number to name, look at response</a:t>
-            </a:r>
+              <a:t> </a:t>
+            </a:r>
+            <a:r>
+              <a:rPr lang="en-US" dirty="0" smtClean="0"/>
+              <a:t>such as the Either monad and </a:t>
+            </a:r>
+            <a:r>
+              <a:rPr lang="en-US" dirty="0" err="1" smtClean="0"/>
+              <a:t>Kleisli</a:t>
+            </a:r>
+            <a:r>
+              <a:rPr lang="en-US" dirty="0" smtClean="0"/>
+              <a:t> composition</a:t>
+            </a:r>
+          </a:p>
+          <a:p>
+            <a:pPr marL="0" marR="0" indent="0" algn="l" defTabSz="914400" rtl="0" eaLnBrk="1" fontAlgn="auto" latinLnBrk="0" hangingPunct="1">
+              <a:lnSpc>
+                <a:spcPct val="100000"/>
+              </a:lnSpc>
+              <a:spcBef>
+                <a:spcPts val="0"/>
+              </a:spcBef>
+              <a:spcAft>
+                <a:spcPts val="0"/>
+              </a:spcAft>
+              <a:buClrTx/>
+              <a:buSzTx/>
+              <a:buFontTx/>
+              <a:buNone/>
+              <a:tabLst/>
+              <a:defRPr/>
+            </a:pPr>
+            <a:endParaRPr lang="en-US" dirty="0" smtClean="0"/>
+          </a:p>
+          <a:p>
+            <a:pPr marL="0" marR="0" indent="0" algn="l" defTabSz="914400" rtl="0" eaLnBrk="1" fontAlgn="auto" latinLnBrk="0" hangingPunct="1">
+              <a:lnSpc>
+                <a:spcPct val="100000"/>
+              </a:lnSpc>
+              <a:spcBef>
+                <a:spcPts val="0"/>
+              </a:spcBef>
+              <a:spcAft>
+                <a:spcPts val="0"/>
+              </a:spcAft>
+              <a:buClrTx/>
+              <a:buSzTx/>
+              <a:buFontTx/>
+              <a:buNone/>
+              <a:tabLst/>
+              <a:defRPr/>
+            </a:pPr>
+            <a:r>
+              <a:rPr lang="en-US" dirty="0" err="1" smtClean="0"/>
+              <a:t>Program.fs</a:t>
+            </a:r>
+            <a:endParaRPr lang="en-US" dirty="0" smtClean="0"/>
           </a:p>
           <a:p>
             <a:pPr marL="171450" marR="0" indent="-171450" algn="l" defTabSz="914400" rtl="0" eaLnBrk="1" fontAlgn="auto" latinLnBrk="0" hangingPunct="1">
@@ -765,14 +1234,390 @@
               <a:defRPr/>
             </a:pPr>
             <a:r>
+              <a:rPr lang="en-US" dirty="0" smtClean="0"/>
+              <a:t>Walk through explain</a:t>
+            </a:r>
+            <a:r>
               <a:rPr lang="en-US" baseline="0" dirty="0" smtClean="0"/>
-              <a:t>Show a more advanced use of ROP at the bottom of </a:t>
-            </a:r>
+              <a:t> at high level</a:t>
+            </a:r>
+          </a:p>
+          <a:p>
+            <a:pPr marL="171450" marR="0" indent="-171450" algn="l" defTabSz="914400" rtl="0" eaLnBrk="1" fontAlgn="auto" latinLnBrk="0" hangingPunct="1">
+              <a:lnSpc>
+                <a:spcPct val="100000"/>
+              </a:lnSpc>
+              <a:spcBef>
+                <a:spcPts val="0"/>
+              </a:spcBef>
+              <a:spcAft>
+                <a:spcPts val="0"/>
+              </a:spcAft>
+              <a:buClrTx/>
+              <a:buSzTx/>
+              <a:buFont typeface="Arial" panose="020B0604020202020204" pitchFamily="34" charset="0"/>
+              <a:buChar char="•"/>
+              <a:tabLst/>
+              <a:defRPr/>
+            </a:pPr>
+            <a:r>
+              <a:rPr lang="en-US" baseline="0" dirty="0" smtClean="0"/>
+              <a:t>including explanation exhaustive matching</a:t>
+            </a:r>
+          </a:p>
+          <a:p>
+            <a:pPr marL="171450" marR="0" indent="-171450" algn="l" defTabSz="914400" rtl="0" eaLnBrk="1" fontAlgn="auto" latinLnBrk="0" hangingPunct="1">
+              <a:lnSpc>
+                <a:spcPct val="100000"/>
+              </a:lnSpc>
+              <a:spcBef>
+                <a:spcPts val="0"/>
+              </a:spcBef>
+              <a:spcAft>
+                <a:spcPts val="0"/>
+              </a:spcAft>
+              <a:buClrTx/>
+              <a:buSzTx/>
+              <a:buFont typeface="Arial" panose="020B0604020202020204" pitchFamily="34" charset="0"/>
+              <a:buChar char="•"/>
+              <a:tabLst/>
+              <a:defRPr/>
+            </a:pPr>
+            <a:endParaRPr lang="en-US" baseline="0" dirty="0" smtClean="0"/>
+          </a:p>
+          <a:p>
+            <a:pPr marL="0" marR="0" indent="0" algn="l" defTabSz="914400" rtl="0" eaLnBrk="1" fontAlgn="auto" latinLnBrk="0" hangingPunct="1">
+              <a:lnSpc>
+                <a:spcPct val="100000"/>
+              </a:lnSpc>
+              <a:spcBef>
+                <a:spcPts val="0"/>
+              </a:spcBef>
+              <a:spcAft>
+                <a:spcPts val="0"/>
+              </a:spcAft>
+              <a:buClrTx/>
+              <a:buSzTx/>
+              <a:buFont typeface="Arial" panose="020B0604020202020204" pitchFamily="34" charset="0"/>
+              <a:buNone/>
+              <a:tabLst/>
+              <a:defRPr/>
+            </a:pPr>
             <a:r>
               <a:rPr lang="en-US" baseline="0" dirty="0" err="1" smtClean="0"/>
-              <a:t>ApiController.fs</a:t>
+              <a:t>Rop.fs</a:t>
             </a:r>
             <a:endParaRPr lang="en-US" baseline="0" dirty="0" smtClean="0"/>
+          </a:p>
+          <a:p>
+            <a:pPr marL="171450" marR="0" indent="-171450" algn="l" defTabSz="914400" rtl="0" eaLnBrk="1" fontAlgn="auto" latinLnBrk="0" hangingPunct="1">
+              <a:lnSpc>
+                <a:spcPct val="100000"/>
+              </a:lnSpc>
+              <a:spcBef>
+                <a:spcPts val="0"/>
+              </a:spcBef>
+              <a:spcAft>
+                <a:spcPts val="0"/>
+              </a:spcAft>
+              <a:buClrTx/>
+              <a:buSzTx/>
+              <a:buFont typeface="Arial" panose="020B0604020202020204" pitchFamily="34" charset="0"/>
+              <a:buChar char="•"/>
+              <a:tabLst/>
+              <a:defRPr/>
+            </a:pPr>
+            <a:r>
+              <a:rPr lang="en-US" baseline="0" dirty="0" smtClean="0"/>
+              <a:t>Simplified version of ROP, a lot more power available</a:t>
+            </a:r>
+          </a:p>
+          <a:p>
+            <a:pPr marL="171450" marR="0" indent="-171450" algn="l" defTabSz="914400" rtl="0" eaLnBrk="1" fontAlgn="auto" latinLnBrk="0" hangingPunct="1">
+              <a:lnSpc>
+                <a:spcPct val="100000"/>
+              </a:lnSpc>
+              <a:spcBef>
+                <a:spcPts val="0"/>
+              </a:spcBef>
+              <a:spcAft>
+                <a:spcPts val="0"/>
+              </a:spcAft>
+              <a:buClrTx/>
+              <a:buSzTx/>
+              <a:buFont typeface="Arial" panose="020B0604020202020204" pitchFamily="34" charset="0"/>
+              <a:buChar char="•"/>
+              <a:tabLst/>
+              <a:defRPr/>
+            </a:pPr>
+            <a:r>
+              <a:rPr lang="en-US" baseline="0" dirty="0" smtClean="0"/>
+              <a:t>Error – </a:t>
+            </a:r>
+            <a:r>
+              <a:rPr lang="en-US" baseline="0" dirty="0" err="1" smtClean="0"/>
+              <a:t>RecordType</a:t>
+            </a:r>
+            <a:endParaRPr lang="en-US" baseline="0" dirty="0" smtClean="0"/>
+          </a:p>
+          <a:p>
+            <a:pPr marL="171450" marR="0" indent="-171450" algn="l" defTabSz="914400" rtl="0" eaLnBrk="1" fontAlgn="auto" latinLnBrk="0" hangingPunct="1">
+              <a:lnSpc>
+                <a:spcPct val="100000"/>
+              </a:lnSpc>
+              <a:spcBef>
+                <a:spcPts val="0"/>
+              </a:spcBef>
+              <a:spcAft>
+                <a:spcPts val="0"/>
+              </a:spcAft>
+              <a:buClrTx/>
+              <a:buSzTx/>
+              <a:buFont typeface="Arial" panose="020B0604020202020204" pitchFamily="34" charset="0"/>
+              <a:buChar char="•"/>
+              <a:tabLst/>
+              <a:defRPr/>
+            </a:pPr>
+            <a:r>
+              <a:rPr lang="en-US" baseline="0" dirty="0" smtClean="0"/>
+              <a:t>Result – Discriminated Union</a:t>
+            </a:r>
+          </a:p>
+          <a:p>
+            <a:pPr marL="171450" marR="0" indent="-171450" algn="l" defTabSz="914400" rtl="0" eaLnBrk="1" fontAlgn="auto" latinLnBrk="0" hangingPunct="1">
+              <a:lnSpc>
+                <a:spcPct val="100000"/>
+              </a:lnSpc>
+              <a:spcBef>
+                <a:spcPts val="0"/>
+              </a:spcBef>
+              <a:spcAft>
+                <a:spcPts val="0"/>
+              </a:spcAft>
+              <a:buClrTx/>
+              <a:buSzTx/>
+              <a:buFont typeface="Arial" panose="020B0604020202020204" pitchFamily="34" charset="0"/>
+              <a:buChar char="•"/>
+              <a:tabLst/>
+              <a:defRPr/>
+            </a:pPr>
+            <a:endParaRPr lang="en-US" baseline="0" dirty="0" smtClean="0"/>
+          </a:p>
+          <a:p>
+            <a:pPr marL="0" marR="0" indent="0" algn="l" defTabSz="914400" rtl="0" eaLnBrk="1" fontAlgn="auto" latinLnBrk="0" hangingPunct="1">
+              <a:lnSpc>
+                <a:spcPct val="100000"/>
+              </a:lnSpc>
+              <a:spcBef>
+                <a:spcPts val="0"/>
+              </a:spcBef>
+              <a:spcAft>
+                <a:spcPts val="0"/>
+              </a:spcAft>
+              <a:buClrTx/>
+              <a:buSzTx/>
+              <a:buFont typeface="Arial" panose="020B0604020202020204" pitchFamily="34" charset="0"/>
+              <a:buNone/>
+              <a:tabLst/>
+              <a:defRPr/>
+            </a:pPr>
+            <a:r>
+              <a:rPr lang="en-US" baseline="0" dirty="0" err="1" smtClean="0"/>
+              <a:t>Program.fs</a:t>
+            </a:r>
+            <a:endParaRPr lang="en-US" baseline="0" dirty="0" smtClean="0"/>
+          </a:p>
+          <a:p>
+            <a:pPr marL="171450" marR="0" indent="-171450" algn="l" defTabSz="914400" rtl="0" eaLnBrk="1" fontAlgn="auto" latinLnBrk="0" hangingPunct="1">
+              <a:lnSpc>
+                <a:spcPct val="100000"/>
+              </a:lnSpc>
+              <a:spcBef>
+                <a:spcPts val="0"/>
+              </a:spcBef>
+              <a:spcAft>
+                <a:spcPts val="0"/>
+              </a:spcAft>
+              <a:buClrTx/>
+              <a:buSzTx/>
+              <a:buFont typeface="Arial" panose="020B0604020202020204" pitchFamily="34" charset="0"/>
+              <a:buChar char="•"/>
+              <a:tabLst/>
+              <a:defRPr/>
+            </a:pPr>
+            <a:r>
+              <a:rPr lang="en-US" baseline="0" dirty="0" smtClean="0"/>
+              <a:t>Point out where the ROP functions are being used</a:t>
+            </a:r>
+          </a:p>
+          <a:p>
+            <a:pPr marL="171450" marR="0" indent="-171450" algn="l" defTabSz="914400" rtl="0" eaLnBrk="1" fontAlgn="auto" latinLnBrk="0" hangingPunct="1">
+              <a:lnSpc>
+                <a:spcPct val="100000"/>
+              </a:lnSpc>
+              <a:spcBef>
+                <a:spcPts val="0"/>
+              </a:spcBef>
+              <a:spcAft>
+                <a:spcPts val="0"/>
+              </a:spcAft>
+              <a:buClrTx/>
+              <a:buSzTx/>
+              <a:buFont typeface="Arial" panose="020B0604020202020204" pitchFamily="34" charset="0"/>
+              <a:buChar char="•"/>
+              <a:tabLst/>
+              <a:defRPr/>
+            </a:pPr>
+            <a:r>
+              <a:rPr lang="en-US" baseline="0" dirty="0" smtClean="0"/>
+              <a:t>Demo – change file path – run – show how failure path is taken in match statement</a:t>
+            </a:r>
+          </a:p>
+          <a:p>
+            <a:pPr marL="171450" marR="0" indent="-171450" algn="l" defTabSz="914400" rtl="0" eaLnBrk="1" fontAlgn="auto" latinLnBrk="0" hangingPunct="1">
+              <a:lnSpc>
+                <a:spcPct val="100000"/>
+              </a:lnSpc>
+              <a:spcBef>
+                <a:spcPts val="0"/>
+              </a:spcBef>
+              <a:spcAft>
+                <a:spcPts val="0"/>
+              </a:spcAft>
+              <a:buClrTx/>
+              <a:buSzTx/>
+              <a:buFont typeface="Arial" panose="020B0604020202020204" pitchFamily="34" charset="0"/>
+              <a:buChar char="•"/>
+              <a:tabLst/>
+              <a:defRPr/>
+            </a:pPr>
+            <a:endParaRPr lang="en-US" baseline="0" dirty="0" smtClean="0"/>
+          </a:p>
+          <a:p>
+            <a:pPr marL="0" marR="0" indent="0" algn="l" defTabSz="914400" rtl="0" eaLnBrk="1" fontAlgn="auto" latinLnBrk="0" hangingPunct="1">
+              <a:lnSpc>
+                <a:spcPct val="100000"/>
+              </a:lnSpc>
+              <a:spcBef>
+                <a:spcPts val="0"/>
+              </a:spcBef>
+              <a:spcAft>
+                <a:spcPts val="0"/>
+              </a:spcAft>
+              <a:buClrTx/>
+              <a:buSzTx/>
+              <a:buFont typeface="Arial" panose="020B0604020202020204" pitchFamily="34" charset="0"/>
+              <a:buNone/>
+              <a:tabLst/>
+              <a:defRPr/>
+            </a:pPr>
+            <a:r>
+              <a:rPr lang="en-US" baseline="0" dirty="0" err="1" smtClean="0"/>
+              <a:t>Writers.fs</a:t>
+            </a:r>
+            <a:endParaRPr lang="en-US" baseline="0" dirty="0" smtClean="0"/>
+          </a:p>
+          <a:p>
+            <a:pPr marL="171450" marR="0" indent="-171450" algn="l" defTabSz="914400" rtl="0" eaLnBrk="1" fontAlgn="auto" latinLnBrk="0" hangingPunct="1">
+              <a:lnSpc>
+                <a:spcPct val="100000"/>
+              </a:lnSpc>
+              <a:spcBef>
+                <a:spcPts val="0"/>
+              </a:spcBef>
+              <a:spcAft>
+                <a:spcPts val="0"/>
+              </a:spcAft>
+              <a:buClrTx/>
+              <a:buSzTx/>
+              <a:buFont typeface="Arial" panose="020B0604020202020204" pitchFamily="34" charset="0"/>
+              <a:buChar char="•"/>
+              <a:tabLst/>
+              <a:defRPr/>
+            </a:pPr>
+            <a:r>
+              <a:rPr lang="en-US" baseline="0" dirty="0" smtClean="0"/>
+              <a:t>Only change made - updated to return a </a:t>
+            </a:r>
+            <a:r>
+              <a:rPr lang="en-US" baseline="0" dirty="0" err="1" smtClean="0"/>
+              <a:t>Rop.Result.Success</a:t>
+            </a:r>
+            <a:r>
+              <a:rPr lang="en-US" baseline="0" dirty="0" smtClean="0"/>
+              <a:t> type (no failure path for these operations)</a:t>
+            </a:r>
+          </a:p>
+          <a:p>
+            <a:pPr marL="171450" marR="0" indent="-171450" algn="l" defTabSz="914400" rtl="0" eaLnBrk="1" fontAlgn="auto" latinLnBrk="0" hangingPunct="1">
+              <a:lnSpc>
+                <a:spcPct val="100000"/>
+              </a:lnSpc>
+              <a:spcBef>
+                <a:spcPts val="0"/>
+              </a:spcBef>
+              <a:spcAft>
+                <a:spcPts val="0"/>
+              </a:spcAft>
+              <a:buClrTx/>
+              <a:buSzTx/>
+              <a:buFont typeface="Arial" panose="020B0604020202020204" pitchFamily="34" charset="0"/>
+              <a:buChar char="•"/>
+              <a:tabLst/>
+              <a:defRPr/>
+            </a:pPr>
+            <a:endParaRPr lang="en-US" baseline="0" dirty="0" smtClean="0"/>
+          </a:p>
+          <a:p>
+            <a:pPr marL="0" marR="0" indent="0" algn="l" defTabSz="914400" rtl="0" eaLnBrk="1" fontAlgn="auto" latinLnBrk="0" hangingPunct="1">
+              <a:lnSpc>
+                <a:spcPct val="100000"/>
+              </a:lnSpc>
+              <a:spcBef>
+                <a:spcPts val="0"/>
+              </a:spcBef>
+              <a:spcAft>
+                <a:spcPts val="0"/>
+              </a:spcAft>
+              <a:buClrTx/>
+              <a:buSzTx/>
+              <a:buFont typeface="Arial" panose="020B0604020202020204" pitchFamily="34" charset="0"/>
+              <a:buNone/>
+              <a:tabLst/>
+              <a:defRPr/>
+            </a:pPr>
+            <a:r>
+              <a:rPr lang="en-US" baseline="0" dirty="0" err="1" smtClean="0"/>
+              <a:t>NameReaders.fs</a:t>
+            </a:r>
+            <a:endParaRPr lang="en-US" baseline="0" dirty="0" smtClean="0"/>
+          </a:p>
+          <a:p>
+            <a:pPr marL="171450" marR="0" indent="-171450" algn="l" defTabSz="914400" rtl="0" eaLnBrk="1" fontAlgn="auto" latinLnBrk="0" hangingPunct="1">
+              <a:lnSpc>
+                <a:spcPct val="100000"/>
+              </a:lnSpc>
+              <a:spcBef>
+                <a:spcPts val="0"/>
+              </a:spcBef>
+              <a:spcAft>
+                <a:spcPts val="0"/>
+              </a:spcAft>
+              <a:buClrTx/>
+              <a:buSzTx/>
+              <a:buFont typeface="Arial" panose="020B0604020202020204" pitchFamily="34" charset="0"/>
+              <a:buChar char="•"/>
+              <a:tabLst/>
+              <a:defRPr/>
+            </a:pPr>
+            <a:r>
+              <a:rPr lang="en-US" baseline="0" dirty="0" err="1" smtClean="0"/>
+              <a:t>readNames</a:t>
+            </a:r>
+            <a:r>
+              <a:rPr lang="en-US" baseline="0" dirty="0" smtClean="0"/>
+              <a:t> function an example of composition in ROP using bind</a:t>
+            </a:r>
           </a:p>
           <a:p>
             <a:pPr marL="628650" marR="0" lvl="1" indent="-171450" algn="l" defTabSz="914400" rtl="0" eaLnBrk="1" fontAlgn="auto" latinLnBrk="0" hangingPunct="1">
@@ -794,6 +1639,417 @@
             </a:pPr>
             <a:r>
               <a:rPr lang="en-US" baseline="0" dirty="0" smtClean="0"/>
+              <a:t>Very easy to understand at a glance</a:t>
+            </a:r>
+          </a:p>
+          <a:p>
+            <a:pPr marL="628650" marR="0" lvl="1" indent="-171450" algn="l" defTabSz="914400" rtl="0" eaLnBrk="1" fontAlgn="auto" latinLnBrk="0" hangingPunct="1">
+              <a:lnSpc>
+                <a:spcPct val="100000"/>
+              </a:lnSpc>
+              <a:spcBef>
+                <a:spcPts val="0"/>
+              </a:spcBef>
+              <a:spcAft>
+                <a:spcPts val="0"/>
+              </a:spcAft>
+              <a:buClrTx/>
+              <a:buSzTx/>
+              <a:buFont typeface="Arial" panose="020B0604020202020204" pitchFamily="34" charset="0"/>
+              <a:buChar char="•"/>
+              <a:tabLst/>
+              <a:defRPr/>
+            </a:pPr>
+            <a:r>
+              <a:rPr lang="en-US" baseline="0" dirty="0" smtClean="0"/>
+              <a:t>No more exceptions being throw!</a:t>
+            </a:r>
+          </a:p>
+          <a:p>
+            <a:pPr marL="628650" marR="0" lvl="1" indent="-171450" algn="l" defTabSz="914400" rtl="0" eaLnBrk="1" fontAlgn="auto" latinLnBrk="0" hangingPunct="1">
+              <a:lnSpc>
+                <a:spcPct val="100000"/>
+              </a:lnSpc>
+              <a:spcBef>
+                <a:spcPts val="0"/>
+              </a:spcBef>
+              <a:spcAft>
+                <a:spcPts val="0"/>
+              </a:spcAft>
+              <a:buClrTx/>
+              <a:buSzTx/>
+              <a:buFont typeface="Arial" panose="020B0604020202020204" pitchFamily="34" charset="0"/>
+              <a:buChar char="•"/>
+              <a:tabLst/>
+              <a:defRPr/>
+            </a:pPr>
+            <a:endParaRPr lang="en-US" baseline="0" dirty="0" smtClean="0"/>
+          </a:p>
+          <a:p>
+            <a:pPr marL="0" marR="0" lvl="0" indent="0" algn="l" defTabSz="914400" rtl="0" eaLnBrk="1" fontAlgn="auto" latinLnBrk="0" hangingPunct="1">
+              <a:lnSpc>
+                <a:spcPct val="100000"/>
+              </a:lnSpc>
+              <a:spcBef>
+                <a:spcPts val="0"/>
+              </a:spcBef>
+              <a:spcAft>
+                <a:spcPts val="0"/>
+              </a:spcAft>
+              <a:buClrTx/>
+              <a:buSzTx/>
+              <a:buFont typeface="Arial" panose="020B0604020202020204" pitchFamily="34" charset="0"/>
+              <a:buNone/>
+              <a:tabLst/>
+              <a:defRPr/>
+            </a:pPr>
+            <a:r>
+              <a:rPr lang="en-US" baseline="0" dirty="0" err="1" smtClean="0"/>
+              <a:t>Validation.fs</a:t>
+            </a:r>
+            <a:endParaRPr lang="en-US" baseline="0" dirty="0" smtClean="0"/>
+          </a:p>
+          <a:p>
+            <a:pPr marL="628650" marR="0" lvl="1" indent="-171450" algn="l" defTabSz="914400" rtl="0" eaLnBrk="1" fontAlgn="auto" latinLnBrk="0" hangingPunct="1">
+              <a:lnSpc>
+                <a:spcPct val="100000"/>
+              </a:lnSpc>
+              <a:spcBef>
+                <a:spcPts val="0"/>
+              </a:spcBef>
+              <a:spcAft>
+                <a:spcPts val="0"/>
+              </a:spcAft>
+              <a:buClrTx/>
+              <a:buSzTx/>
+              <a:buFont typeface="Arial" panose="020B0604020202020204" pitchFamily="34" charset="0"/>
+              <a:buChar char="•"/>
+              <a:tabLst/>
+              <a:defRPr/>
+            </a:pPr>
+            <a:r>
+              <a:rPr lang="en-US" baseline="0" dirty="0" smtClean="0"/>
+              <a:t>Generic file validation functions that could be used anywhere</a:t>
+            </a:r>
+          </a:p>
+          <a:p>
+            <a:pPr marL="628650" marR="0" lvl="1" indent="-171450" algn="l" defTabSz="914400" rtl="0" eaLnBrk="1" fontAlgn="auto" latinLnBrk="0" hangingPunct="1">
+              <a:lnSpc>
+                <a:spcPct val="100000"/>
+              </a:lnSpc>
+              <a:spcBef>
+                <a:spcPts val="0"/>
+              </a:spcBef>
+              <a:spcAft>
+                <a:spcPts val="0"/>
+              </a:spcAft>
+              <a:buClrTx/>
+              <a:buSzTx/>
+              <a:buFont typeface="Arial" panose="020B0604020202020204" pitchFamily="34" charset="0"/>
+              <a:buChar char="•"/>
+              <a:tabLst/>
+              <a:defRPr/>
+            </a:pPr>
+            <a:r>
+              <a:rPr lang="en-US" baseline="0" dirty="0" smtClean="0"/>
+              <a:t>No more exceptions being thrown!</a:t>
+            </a:r>
+            <a:endParaRPr lang="en-US" dirty="0" smtClean="0"/>
+          </a:p>
+          <a:p>
+            <a:endParaRPr lang="en-US" dirty="0"/>
+          </a:p>
+        </p:txBody>
+      </p:sp>
+      <p:sp>
+        <p:nvSpPr>
+          <p:cNvPr id="4" name="Slide Number Placeholder 3"/>
+          <p:cNvSpPr>
+            <a:spLocks noGrp="1"/>
+          </p:cNvSpPr>
+          <p:nvPr>
+            <p:ph type="sldNum" sz="quarter" idx="10"/>
+          </p:nvPr>
+        </p:nvSpPr>
+        <p:spPr/>
+        <p:txBody>
+          <a:bodyPr/>
+          <a:lstStyle/>
+          <a:p>
+            <a:fld id="{A6B04E1D-01E5-441A-B374-C529DD990BC7}" type="slidenum">
+              <a:rPr lang="en-US" smtClean="0"/>
+              <a:t>11</a:t>
+            </a:fld>
+            <a:endParaRPr lang="en-US"/>
+          </a:p>
+        </p:txBody>
+      </p:sp>
+    </p:spTree>
+    <p:extLst>
+      <p:ext uri="{BB962C8B-B14F-4D97-AF65-F5344CB8AC3E}">
+        <p14:creationId xmlns:p14="http://schemas.microsoft.com/office/powerpoint/2010/main" val="3617758789"/>
+      </p:ext>
+    </p:extLst>
+  </p:cSld>
+  <p:clrMapOvr>
+    <a:masterClrMapping/>
+  </p:clrMapOvr>
+</p:notes>
+</file>
+
+<file path=ppt/notesSlides/notesSlide12.xml><?xml version="1.0" encoding="utf-8"?>
+<p:notes xmlns:a="http://schemas.openxmlformats.org/drawingml/2006/main" xmlns:r="http://schemas.openxmlformats.org/officeDocument/2006/relationships" xmlns:p="http://schemas.openxmlformats.org/presentationml/2006/main">
+  <p:cSld>
+    <p:spTree>
+      <p:nvGrpSpPr>
+        <p:cNvPr id="1" name=""/>
+        <p:cNvGrpSpPr/>
+        <p:nvPr/>
+      </p:nvGrpSpPr>
+      <p:grpSpPr>
+        <a:xfrm>
+          <a:off x="0" y="0"/>
+          <a:ext cx="0" cy="0"/>
+          <a:chOff x="0" y="0"/>
+          <a:chExt cx="0" cy="0"/>
+        </a:xfrm>
+      </p:grpSpPr>
+      <p:sp>
+        <p:nvSpPr>
+          <p:cNvPr id="2" name="Slide Image Placeholder 1"/>
+          <p:cNvSpPr>
+            <a:spLocks noGrp="1" noRot="1" noChangeAspect="1"/>
+          </p:cNvSpPr>
+          <p:nvPr>
+            <p:ph type="sldImg"/>
+          </p:nvPr>
+        </p:nvSpPr>
+        <p:spPr/>
+      </p:sp>
+      <p:sp>
+        <p:nvSpPr>
+          <p:cNvPr id="3" name="Notes Placeholder 2"/>
+          <p:cNvSpPr>
+            <a:spLocks noGrp="1"/>
+          </p:cNvSpPr>
+          <p:nvPr>
+            <p:ph type="body" idx="1"/>
+          </p:nvPr>
+        </p:nvSpPr>
+        <p:spPr/>
+        <p:txBody>
+          <a:bodyPr/>
+          <a:lstStyle/>
+          <a:p>
+            <a:endParaRPr lang="en-US" dirty="0"/>
+          </a:p>
+        </p:txBody>
+      </p:sp>
+      <p:sp>
+        <p:nvSpPr>
+          <p:cNvPr id="4" name="Slide Number Placeholder 3"/>
+          <p:cNvSpPr>
+            <a:spLocks noGrp="1"/>
+          </p:cNvSpPr>
+          <p:nvPr>
+            <p:ph type="sldNum" sz="quarter" idx="10"/>
+          </p:nvPr>
+        </p:nvSpPr>
+        <p:spPr/>
+        <p:txBody>
+          <a:bodyPr/>
+          <a:lstStyle/>
+          <a:p>
+            <a:fld id="{A6B04E1D-01E5-441A-B374-C529DD990BC7}" type="slidenum">
+              <a:rPr lang="en-US" smtClean="0"/>
+              <a:t>12</a:t>
+            </a:fld>
+            <a:endParaRPr lang="en-US"/>
+          </a:p>
+        </p:txBody>
+      </p:sp>
+    </p:spTree>
+    <p:extLst>
+      <p:ext uri="{BB962C8B-B14F-4D97-AF65-F5344CB8AC3E}">
+        <p14:creationId xmlns:p14="http://schemas.microsoft.com/office/powerpoint/2010/main" val="2730399534"/>
+      </p:ext>
+    </p:extLst>
+  </p:cSld>
+  <p:clrMapOvr>
+    <a:masterClrMapping/>
+  </p:clrMapOvr>
+</p:notes>
+</file>
+
+<file path=ppt/notesSlides/notesSlide13.xml><?xml version="1.0" encoding="utf-8"?>
+<p:notes xmlns:a="http://schemas.openxmlformats.org/drawingml/2006/main" xmlns:r="http://schemas.openxmlformats.org/officeDocument/2006/relationships" xmlns:p="http://schemas.openxmlformats.org/presentationml/2006/main">
+  <p:cSld>
+    <p:spTree>
+      <p:nvGrpSpPr>
+        <p:cNvPr id="1" name=""/>
+        <p:cNvGrpSpPr/>
+        <p:nvPr/>
+      </p:nvGrpSpPr>
+      <p:grpSpPr>
+        <a:xfrm>
+          <a:off x="0" y="0"/>
+          <a:ext cx="0" cy="0"/>
+          <a:chOff x="0" y="0"/>
+          <a:chExt cx="0" cy="0"/>
+        </a:xfrm>
+      </p:grpSpPr>
+      <p:sp>
+        <p:nvSpPr>
+          <p:cNvPr id="2" name="Slide Image Placeholder 1"/>
+          <p:cNvSpPr>
+            <a:spLocks noGrp="1" noRot="1" noChangeAspect="1"/>
+          </p:cNvSpPr>
+          <p:nvPr>
+            <p:ph type="sldImg"/>
+          </p:nvPr>
+        </p:nvSpPr>
+        <p:spPr/>
+      </p:sp>
+      <p:sp>
+        <p:nvSpPr>
+          <p:cNvPr id="3" name="Notes Placeholder 2"/>
+          <p:cNvSpPr>
+            <a:spLocks noGrp="1"/>
+          </p:cNvSpPr>
+          <p:nvPr>
+            <p:ph type="body" idx="1"/>
+          </p:nvPr>
+        </p:nvSpPr>
+        <p:spPr/>
+        <p:txBody>
+          <a:bodyPr/>
+          <a:lstStyle/>
+          <a:p>
+            <a:pPr marL="171450" indent="-171450">
+              <a:buFont typeface="Arial" panose="020B0604020202020204" pitchFamily="34" charset="0"/>
+              <a:buChar char="•"/>
+            </a:pPr>
+            <a:r>
+              <a:rPr lang="en-US" dirty="0" smtClean="0"/>
+              <a:t>Explain</a:t>
+            </a:r>
+            <a:r>
+              <a:rPr lang="en-US" baseline="0" dirty="0" smtClean="0"/>
+              <a:t> what the web application does </a:t>
+            </a:r>
+          </a:p>
+          <a:p>
+            <a:pPr marL="171450" indent="-171450">
+              <a:buFont typeface="Arial" panose="020B0604020202020204" pitchFamily="34" charset="0"/>
+              <a:buChar char="•"/>
+            </a:pPr>
+            <a:r>
+              <a:rPr lang="en-US" baseline="0" dirty="0" smtClean="0"/>
+              <a:t>Demo multiple browser windows receiving an emergency alert</a:t>
+            </a:r>
+          </a:p>
+          <a:p>
+            <a:pPr marL="171450" indent="-171450">
+              <a:buFont typeface="Arial" panose="020B0604020202020204" pitchFamily="34" charset="0"/>
+              <a:buChar char="•"/>
+            </a:pPr>
+            <a:r>
+              <a:rPr lang="en-US" baseline="0" dirty="0" smtClean="0"/>
+              <a:t>This is build with standard </a:t>
+            </a:r>
+            <a:r>
+              <a:rPr lang="en-US" baseline="0" dirty="0" err="1" smtClean="0"/>
+              <a:t>ASP.Net</a:t>
+            </a:r>
+            <a:r>
+              <a:rPr lang="en-US" baseline="0" dirty="0" smtClean="0"/>
+              <a:t> MVC (including Razor), </a:t>
+            </a:r>
+            <a:r>
+              <a:rPr lang="en-US" baseline="0" dirty="0" err="1" smtClean="0"/>
+              <a:t>WebApi</a:t>
+            </a:r>
+            <a:r>
+              <a:rPr lang="en-US" baseline="0" dirty="0" smtClean="0"/>
+              <a:t> and </a:t>
+            </a:r>
+            <a:r>
+              <a:rPr lang="en-US" baseline="0" dirty="0" err="1" smtClean="0"/>
+              <a:t>SignalR</a:t>
+            </a:r>
+            <a:r>
+              <a:rPr lang="en-US" baseline="0" dirty="0" smtClean="0"/>
+              <a:t> all in F#!</a:t>
+            </a:r>
+          </a:p>
+          <a:p>
+            <a:pPr marL="171450" indent="-171450">
+              <a:buFont typeface="Arial" panose="020B0604020202020204" pitchFamily="34" charset="0"/>
+              <a:buChar char="•"/>
+            </a:pPr>
+            <a:r>
+              <a:rPr lang="en-US" baseline="0" dirty="0" smtClean="0"/>
+              <a:t>This application mixes OOP and Functional-First programming</a:t>
+            </a:r>
+          </a:p>
+          <a:p>
+            <a:pPr marL="171450" indent="-171450">
+              <a:buFont typeface="Arial" panose="020B0604020202020204" pitchFamily="34" charset="0"/>
+              <a:buChar char="•"/>
+            </a:pPr>
+            <a:r>
+              <a:rPr lang="en-US" baseline="0" dirty="0" smtClean="0"/>
+              <a:t>Demo again, this time run fiddler, enter name with more than 20 characters, look at response, add number to name, look at response</a:t>
+            </a:r>
+          </a:p>
+          <a:p>
+            <a:pPr marL="171450" marR="0" indent="-171450" algn="l" defTabSz="914400" rtl="0" eaLnBrk="1" fontAlgn="auto" latinLnBrk="0" hangingPunct="1">
+              <a:lnSpc>
+                <a:spcPct val="100000"/>
+              </a:lnSpc>
+              <a:spcBef>
+                <a:spcPts val="0"/>
+              </a:spcBef>
+              <a:spcAft>
+                <a:spcPts val="0"/>
+              </a:spcAft>
+              <a:buClrTx/>
+              <a:buSzTx/>
+              <a:buFont typeface="Arial" panose="020B0604020202020204" pitchFamily="34" charset="0"/>
+              <a:buChar char="•"/>
+              <a:tabLst/>
+              <a:defRPr/>
+            </a:pPr>
+            <a:r>
+              <a:rPr lang="en-US" baseline="0" dirty="0" smtClean="0"/>
+              <a:t>Show a more advanced use of ROP at the bottom of </a:t>
+            </a:r>
+            <a:r>
+              <a:rPr lang="en-US" baseline="0" dirty="0" err="1" smtClean="0"/>
+              <a:t>ApiController.fs</a:t>
+            </a:r>
+            <a:endParaRPr lang="en-US" baseline="0" dirty="0" smtClean="0"/>
+          </a:p>
+          <a:p>
+            <a:pPr marL="628650" marR="0" lvl="1" indent="-171450" algn="l" defTabSz="914400" rtl="0" eaLnBrk="1" fontAlgn="auto" latinLnBrk="0" hangingPunct="1">
+              <a:lnSpc>
+                <a:spcPct val="100000"/>
+              </a:lnSpc>
+              <a:spcBef>
+                <a:spcPts val="0"/>
+              </a:spcBef>
+              <a:spcAft>
+                <a:spcPts val="0"/>
+              </a:spcAft>
+              <a:buClrTx/>
+              <a:buSzTx/>
+              <a:buFont typeface="Arial" panose="020B0604020202020204" pitchFamily="34" charset="0"/>
+              <a:buChar char="•"/>
+              <a:tabLst/>
+              <a:defRPr/>
+            </a:pPr>
+            <a:r>
+              <a:rPr lang="en-US" baseline="0" dirty="0" smtClean="0"/>
               <a:t>Everything we saw happens in this code.  Very simple to read despite complexity.  No </a:t>
             </a:r>
             <a:r>
@@ -804,7 +2060,6 @@
               <a:rPr lang="en-US" baseline="0" dirty="0" smtClean="0"/>
               <a:t> complexity.</a:t>
             </a:r>
-            <a:endParaRPr lang="en-US" baseline="0" dirty="0" smtClean="0"/>
           </a:p>
           <a:p>
             <a:endParaRPr lang="en-US" dirty="0"/>
@@ -828,7 +2083,7 @@
           <a:p>
             <a:fld id="{A6B04E1D-01E5-441A-B374-C529DD990BC7}" type="slidenum">
               <a:rPr lang="en-US" smtClean="0"/>
-              <a:t>10</a:t>
+              <a:t>13</a:t>
             </a:fld>
             <a:endParaRPr lang="en-US"/>
           </a:p>
@@ -1008,11 +2263,15 @@
             </a:r>
             <a:r>
               <a:rPr lang="en-US" dirty="0" err="1" smtClean="0"/>
-              <a:t>Fsharp</a:t>
+              <a:t>FSharp</a:t>
             </a:r>
             <a:r>
               <a:rPr lang="en-US" dirty="0" smtClean="0"/>
-              <a:t> console application</a:t>
+              <a:t> </a:t>
+            </a:r>
+            <a:r>
+              <a:rPr lang="en-US" dirty="0" smtClean="0"/>
+              <a:t>console application</a:t>
             </a:r>
             <a:endParaRPr lang="en-US" dirty="0"/>
           </a:p>
@@ -1575,558 +2834,11 @@
             </a:r>
           </a:p>
           <a:p>
-            <a:pPr marL="171450" lvl="0" indent="-171450">
-              <a:buFont typeface="Arial" panose="020B0604020202020204" pitchFamily="34" charset="0"/>
-              <a:buChar char="•"/>
-            </a:pPr>
-            <a:endParaRPr lang="en-US" baseline="0" dirty="0" smtClean="0"/>
-          </a:p>
-          <a:p>
             <a:pPr marL="0" lvl="0" indent="0">
               <a:buFont typeface="Arial" panose="020B0604020202020204" pitchFamily="34" charset="0"/>
               <a:buNone/>
             </a:pPr>
-            <a:r>
-              <a:rPr lang="en-US" b="1" baseline="0" dirty="0" smtClean="0"/>
-              <a:t>Split the function into reading names and sending messages as in step 2 of C# example</a:t>
-            </a:r>
-          </a:p>
-          <a:p>
-            <a:pPr marL="0" lvl="0" indent="0">
-              <a:buFont typeface="Arial" panose="020B0604020202020204" pitchFamily="34" charset="0"/>
-              <a:buNone/>
-            </a:pPr>
-            <a:endParaRPr lang="en-US" baseline="0" dirty="0" smtClean="0"/>
-          </a:p>
-          <a:p>
-            <a:pPr marL="171450" lvl="0" indent="-171450">
-              <a:buFont typeface="Arial" panose="020B0604020202020204" pitchFamily="34" charset="0"/>
-              <a:buChar char="•"/>
-            </a:pPr>
-            <a:r>
-              <a:rPr lang="en-US" baseline="0" dirty="0" smtClean="0"/>
-              <a:t>runExample2</a:t>
-            </a:r>
-          </a:p>
-          <a:p>
-            <a:pPr marL="628650" lvl="1" indent="-171450">
-              <a:buFont typeface="Arial" panose="020B0604020202020204" pitchFamily="34" charset="0"/>
-              <a:buChar char="•"/>
-            </a:pPr>
-            <a:r>
-              <a:rPr lang="en-US" baseline="0" dirty="0" smtClean="0"/>
-              <a:t>Same as runExample2 changes in ConsoleMessageSender2</a:t>
-            </a:r>
-          </a:p>
-          <a:p>
-            <a:pPr marL="171450" lvl="0" indent="-171450">
-              <a:buFont typeface="Arial" panose="020B0604020202020204" pitchFamily="34" charset="0"/>
-              <a:buChar char="•"/>
-            </a:pPr>
-            <a:r>
-              <a:rPr lang="en-US" baseline="0" dirty="0" smtClean="0"/>
-              <a:t>ConsoleMessageSender2.fs</a:t>
-            </a:r>
-          </a:p>
-          <a:p>
-            <a:pPr marL="628650" lvl="1" indent="-171450">
-              <a:buFont typeface="Arial" panose="020B0604020202020204" pitchFamily="34" charset="0"/>
-              <a:buChar char="•"/>
-            </a:pPr>
-            <a:r>
-              <a:rPr lang="en-US" baseline="0" dirty="0" smtClean="0"/>
-              <a:t>Function programming is about composing functions together</a:t>
-            </a:r>
-          </a:p>
-          <a:p>
-            <a:pPr marL="628650" lvl="1" indent="-171450">
-              <a:buFont typeface="Arial" panose="020B0604020202020204" pitchFamily="34" charset="0"/>
-              <a:buChar char="•"/>
-            </a:pPr>
-            <a:r>
-              <a:rPr lang="en-US" baseline="0" dirty="0" smtClean="0"/>
-              <a:t>Split the send function into two then use forward pipe to compose the functions together</a:t>
-            </a:r>
-          </a:p>
-          <a:p>
-            <a:pPr marL="628650" lvl="1" indent="-171450">
-              <a:buFont typeface="Arial" panose="020B0604020202020204" pitchFamily="34" charset="0"/>
-              <a:buChar char="•"/>
-            </a:pPr>
-            <a:r>
-              <a:rPr lang="en-US" baseline="0" dirty="0" smtClean="0"/>
-              <a:t>Reminder no return statement, last statement is the return value e.g. </a:t>
-            </a:r>
-            <a:r>
-              <a:rPr lang="en-US" baseline="0" dirty="0" err="1" smtClean="0"/>
-              <a:t>readNames</a:t>
-            </a:r>
-            <a:r>
-              <a:rPr lang="en-US" baseline="0" dirty="0" smtClean="0"/>
-              <a:t> function</a:t>
-            </a:r>
-          </a:p>
-          <a:p>
-            <a:pPr marL="628650" lvl="1" indent="-171450">
-              <a:buFont typeface="Arial" panose="020B0604020202020204" pitchFamily="34" charset="0"/>
-              <a:buChar char="•"/>
-            </a:pPr>
-            <a:endParaRPr lang="en-US" baseline="0" dirty="0" smtClean="0"/>
-          </a:p>
-          <a:p>
-            <a:pPr marL="0" lvl="0" indent="0">
-              <a:buFont typeface="Arial" panose="020B0604020202020204" pitchFamily="34" charset="0"/>
-              <a:buNone/>
-            </a:pPr>
-            <a:r>
-              <a:rPr lang="en-US" b="1" baseline="0" dirty="0" smtClean="0"/>
-              <a:t>Move reading of names into a separate module and compose at the application root</a:t>
-            </a:r>
-          </a:p>
-          <a:p>
-            <a:pPr marL="0" lvl="0" indent="0">
-              <a:buFont typeface="Arial" panose="020B0604020202020204" pitchFamily="34" charset="0"/>
-              <a:buNone/>
-            </a:pPr>
-            <a:endParaRPr lang="en-US" b="1" baseline="0" dirty="0" smtClean="0"/>
-          </a:p>
-          <a:p>
-            <a:pPr marL="171450" lvl="0" indent="-171450">
-              <a:buFont typeface="Arial" panose="020B0604020202020204" pitchFamily="34" charset="0"/>
-              <a:buChar char="•"/>
-            </a:pPr>
-            <a:r>
-              <a:rPr lang="en-US" b="0" baseline="0" dirty="0" smtClean="0"/>
-              <a:t>runExample3</a:t>
-            </a:r>
-          </a:p>
-          <a:p>
-            <a:pPr marL="628650" lvl="1" indent="-171450">
-              <a:buFont typeface="Arial" panose="020B0604020202020204" pitchFamily="34" charset="0"/>
-              <a:buChar char="•"/>
-            </a:pPr>
-            <a:r>
-              <a:rPr lang="en-US" b="0" baseline="0" dirty="0" smtClean="0"/>
-              <a:t>Two actions, reading names and sending messages</a:t>
-            </a:r>
-          </a:p>
-          <a:p>
-            <a:pPr marL="628650" lvl="1" indent="-171450">
-              <a:buFont typeface="Arial" panose="020B0604020202020204" pitchFamily="34" charset="0"/>
-              <a:buChar char="•"/>
-            </a:pPr>
-            <a:r>
-              <a:rPr lang="en-US" b="0" baseline="0" dirty="0" smtClean="0"/>
-              <a:t>Now composed at the application root rather than in an internal module, the reason will become obvious soon</a:t>
-            </a:r>
-          </a:p>
-          <a:p>
-            <a:pPr marL="628650" lvl="1" indent="-171450">
-              <a:buFont typeface="Arial" panose="020B0604020202020204" pitchFamily="34" charset="0"/>
-              <a:buChar char="•"/>
-            </a:pPr>
-            <a:r>
-              <a:rPr lang="en-US" b="0" baseline="0" dirty="0" smtClean="0"/>
-              <a:t>In the </a:t>
-            </a:r>
-            <a:r>
-              <a:rPr lang="en-US" b="0" baseline="0" dirty="0" err="1" smtClean="0"/>
-              <a:t>Ninject</a:t>
-            </a:r>
-            <a:r>
-              <a:rPr lang="en-US" b="0" baseline="0" dirty="0" smtClean="0"/>
-              <a:t> talk we also did this, but used interfaces, here there is no need for an interface as the type signature is used instead</a:t>
-            </a:r>
-          </a:p>
-          <a:p>
-            <a:pPr marL="171450" lvl="0" indent="-171450">
-              <a:buFont typeface="Arial" panose="020B0604020202020204" pitchFamily="34" charset="0"/>
-              <a:buChar char="•"/>
-            </a:pPr>
-            <a:r>
-              <a:rPr lang="en-US" b="0" baseline="0" dirty="0" smtClean="0"/>
-              <a:t>ConsoleMessageSender3.fs</a:t>
-            </a:r>
-          </a:p>
-          <a:p>
-            <a:pPr marL="628650" lvl="1" indent="-171450">
-              <a:buFont typeface="Arial" panose="020B0604020202020204" pitchFamily="34" charset="0"/>
-              <a:buChar char="•"/>
-            </a:pPr>
-            <a:r>
-              <a:rPr lang="en-US" b="0" baseline="0" dirty="0" smtClean="0"/>
-              <a:t>Split code into two modules</a:t>
-            </a:r>
-          </a:p>
-          <a:p>
-            <a:pPr marL="628650" lvl="1" indent="-171450">
-              <a:buFont typeface="Arial" panose="020B0604020202020204" pitchFamily="34" charset="0"/>
-              <a:buChar char="•"/>
-            </a:pPr>
-            <a:r>
-              <a:rPr lang="en-US" b="0" baseline="0" dirty="0" smtClean="0"/>
-              <a:t>Instead of calling </a:t>
-            </a:r>
-            <a:r>
-              <a:rPr lang="en-US" b="0" baseline="0" dirty="0" err="1" smtClean="0"/>
-              <a:t>readNames</a:t>
-            </a:r>
-            <a:r>
-              <a:rPr lang="en-US" b="0" baseline="0" dirty="0" smtClean="0"/>
-              <a:t> directly, send can take ANY function which has the signature: unit -&gt; string []</a:t>
-            </a:r>
-          </a:p>
-          <a:p>
-            <a:pPr marL="1085850" lvl="2" indent="-171450">
-              <a:buFont typeface="Arial" panose="020B0604020202020204" pitchFamily="34" charset="0"/>
-              <a:buChar char="•"/>
-            </a:pPr>
-            <a:r>
-              <a:rPr lang="en-US" b="0" baseline="0" dirty="0" err="1" smtClean="0"/>
-              <a:t>E.g</a:t>
-            </a:r>
-            <a:r>
-              <a:rPr lang="en-US" b="0" baseline="0" dirty="0" smtClean="0"/>
-              <a:t> another function could load the names from a database and this would still work</a:t>
-            </a:r>
-          </a:p>
-          <a:p>
-            <a:pPr marL="628650" lvl="1" indent="-171450">
-              <a:buFont typeface="Arial" panose="020B0604020202020204" pitchFamily="34" charset="0"/>
-              <a:buChar char="•"/>
-            </a:pPr>
             <a:endParaRPr lang="en-US" b="0" baseline="0" dirty="0" smtClean="0"/>
-          </a:p>
-          <a:p>
-            <a:pPr marL="0" lvl="0" indent="0">
-              <a:buFont typeface="Arial" panose="020B0604020202020204" pitchFamily="34" charset="0"/>
-              <a:buNone/>
-            </a:pPr>
-            <a:r>
-              <a:rPr lang="en-US" b="1" baseline="0" dirty="0" smtClean="0"/>
-              <a:t>A more functional approach</a:t>
-            </a:r>
-          </a:p>
-          <a:p>
-            <a:pPr marL="0" lvl="0" indent="0">
-              <a:buFont typeface="Arial" panose="020B0604020202020204" pitchFamily="34" charset="0"/>
-              <a:buNone/>
-            </a:pPr>
-            <a:endParaRPr lang="en-US" b="0" baseline="0" dirty="0" smtClean="0"/>
-          </a:p>
-          <a:p>
-            <a:r>
-              <a:rPr lang="en-US" sz="1200" kern="1200" dirty="0" smtClean="0">
-                <a:solidFill>
-                  <a:schemeClr val="tx1"/>
-                </a:solidFill>
-                <a:latin typeface="+mn-lt"/>
-                <a:ea typeface="+mn-ea"/>
-                <a:cs typeface="+mn-cs"/>
-              </a:rPr>
-              <a:t>Rather than dealing with an array of names, the message sender will just handle one name at a time, moving logic for iteration to the caller.  </a:t>
-            </a:r>
-          </a:p>
-          <a:p>
-            <a:endParaRPr lang="en-US" sz="1200" kern="1200" dirty="0" smtClean="0">
-              <a:solidFill>
-                <a:schemeClr val="tx1"/>
-              </a:solidFill>
-              <a:latin typeface="+mn-lt"/>
-              <a:ea typeface="+mn-ea"/>
-              <a:cs typeface="+mn-cs"/>
-            </a:endParaRPr>
-          </a:p>
-          <a:p>
-            <a:r>
-              <a:rPr lang="en-US" sz="1200" kern="1200" dirty="0" smtClean="0">
-                <a:solidFill>
-                  <a:schemeClr val="tx1"/>
-                </a:solidFill>
-                <a:latin typeface="+mn-lt"/>
-                <a:ea typeface="+mn-ea"/>
-                <a:cs typeface="+mn-cs"/>
-              </a:rPr>
-              <a:t>This allows for more flexibility when dealing with functional collection operations like map, reduce, iterate etc.</a:t>
-            </a:r>
-            <a:r>
-              <a:rPr lang="en-US" sz="1200" kern="1200" baseline="0" dirty="0" smtClean="0">
-                <a:solidFill>
-                  <a:schemeClr val="tx1"/>
-                </a:solidFill>
-                <a:latin typeface="+mn-lt"/>
-                <a:ea typeface="+mn-ea"/>
-                <a:cs typeface="+mn-cs"/>
-              </a:rPr>
-              <a:t>  This will be explained soon.</a:t>
-            </a:r>
-            <a:endParaRPr lang="en-US" sz="1200" kern="1200" dirty="0" smtClean="0">
-              <a:solidFill>
-                <a:schemeClr val="tx1"/>
-              </a:solidFill>
-              <a:latin typeface="+mn-lt"/>
-              <a:ea typeface="+mn-ea"/>
-              <a:cs typeface="+mn-cs"/>
-            </a:endParaRPr>
-          </a:p>
-          <a:p>
-            <a:endParaRPr lang="en-US" b="0" baseline="0" dirty="0" smtClean="0"/>
-          </a:p>
-          <a:p>
-            <a:pPr marL="171450" lvl="0" indent="-171450">
-              <a:buFont typeface="Arial" panose="020B0604020202020204" pitchFamily="34" charset="0"/>
-              <a:buChar char="•"/>
-            </a:pPr>
-            <a:r>
-              <a:rPr lang="en-US" b="0" baseline="0" dirty="0" smtClean="0"/>
-              <a:t>runExample4</a:t>
-            </a:r>
-          </a:p>
-          <a:p>
-            <a:pPr marL="628650" marR="0" lvl="1" indent="-171450" algn="l" defTabSz="914400" rtl="0" eaLnBrk="1" fontAlgn="auto" latinLnBrk="0" hangingPunct="1">
-              <a:lnSpc>
-                <a:spcPct val="100000"/>
-              </a:lnSpc>
-              <a:spcBef>
-                <a:spcPts val="0"/>
-              </a:spcBef>
-              <a:spcAft>
-                <a:spcPts val="0"/>
-              </a:spcAft>
-              <a:buClrTx/>
-              <a:buSzTx/>
-              <a:buFont typeface="Arial" panose="020B0604020202020204" pitchFamily="34" charset="0"/>
-              <a:buChar char="•"/>
-              <a:tabLst/>
-              <a:defRPr/>
-            </a:pPr>
-            <a:r>
-              <a:rPr lang="en-US" b="0" baseline="0" dirty="0" smtClean="0"/>
-              <a:t>send just sends a message to a single person so iteration code is now here</a:t>
-            </a:r>
-            <a:endParaRPr lang="en-US" b="0" baseline="0" dirty="0" smtClean="0"/>
-          </a:p>
-          <a:p>
-            <a:pPr marL="628650" lvl="1" indent="-171450">
-              <a:buFont typeface="Arial" panose="020B0604020202020204" pitchFamily="34" charset="0"/>
-              <a:buChar char="•"/>
-            </a:pPr>
-            <a:r>
-              <a:rPr lang="en-US" b="0" baseline="0" dirty="0" smtClean="0"/>
-              <a:t>Use piping instead of a lambda parameter.  Requires swapping the parameters so the last one is the send function.</a:t>
-            </a:r>
-          </a:p>
-          <a:p>
-            <a:pPr marL="171450" lvl="0" indent="-171450">
-              <a:buFont typeface="Arial" panose="020B0604020202020204" pitchFamily="34" charset="0"/>
-              <a:buChar char="•"/>
-            </a:pPr>
-            <a:r>
-              <a:rPr lang="en-US" b="0" baseline="0" dirty="0" smtClean="0"/>
-              <a:t>ConsoleMessageSender4.fs</a:t>
-            </a:r>
-          </a:p>
-          <a:p>
-            <a:pPr marL="628650" lvl="1" indent="-171450">
-              <a:buFont typeface="Arial" panose="020B0604020202020204" pitchFamily="34" charset="0"/>
-              <a:buChar char="•"/>
-            </a:pPr>
-            <a:r>
-              <a:rPr lang="en-US" b="0" baseline="0" dirty="0" smtClean="0"/>
-              <a:t>No changes to NameReader4, no dependency with </a:t>
-            </a:r>
-            <a:r>
-              <a:rPr lang="en-US" b="0" baseline="0" dirty="0" err="1" smtClean="0"/>
-              <a:t>ConsoleMessageSender</a:t>
-            </a:r>
-            <a:r>
-              <a:rPr lang="en-US" b="0" baseline="0" dirty="0" smtClean="0"/>
-              <a:t>!</a:t>
-            </a:r>
-          </a:p>
-          <a:p>
-            <a:pPr marL="628650" lvl="1" indent="-171450">
-              <a:buFont typeface="Arial" panose="020B0604020202020204" pitchFamily="34" charset="0"/>
-              <a:buChar char="•"/>
-            </a:pPr>
-            <a:r>
-              <a:rPr lang="en-US" b="0" baseline="0" dirty="0" smtClean="0"/>
-              <a:t>send is now trivial and </a:t>
-            </a:r>
-            <a:r>
-              <a:rPr lang="en-US" b="0" baseline="0" dirty="0" err="1" smtClean="0"/>
-              <a:t>resuable</a:t>
-            </a:r>
-            <a:endParaRPr lang="en-US" b="0" baseline="0" dirty="0" smtClean="0"/>
-          </a:p>
-          <a:p>
-            <a:pPr marL="628650" lvl="1" indent="-171450">
-              <a:buFont typeface="Arial" panose="020B0604020202020204" pitchFamily="34" charset="0"/>
-              <a:buChar char="•"/>
-            </a:pPr>
-            <a:r>
-              <a:rPr lang="en-US" b="0" baseline="0" dirty="0" smtClean="0"/>
-              <a:t>It supports types other than strings now.  Generic.</a:t>
-            </a:r>
-          </a:p>
-          <a:p>
-            <a:pPr marL="628650" marR="0" lvl="1" indent="-171450" algn="l" defTabSz="914400" rtl="0" eaLnBrk="1" fontAlgn="auto" latinLnBrk="0" hangingPunct="1">
-              <a:lnSpc>
-                <a:spcPct val="100000"/>
-              </a:lnSpc>
-              <a:spcBef>
-                <a:spcPts val="0"/>
-              </a:spcBef>
-              <a:spcAft>
-                <a:spcPts val="0"/>
-              </a:spcAft>
-              <a:buClrTx/>
-              <a:buSzTx/>
-              <a:buFont typeface="Arial" panose="020B0604020202020204" pitchFamily="34" charset="0"/>
-              <a:buChar char="•"/>
-              <a:tabLst/>
-              <a:defRPr/>
-            </a:pPr>
-            <a:r>
-              <a:rPr lang="en-US" b="0" baseline="0" dirty="0" smtClean="0"/>
-              <a:t>Go back to runExample4 and show </a:t>
-            </a:r>
-            <a:r>
-              <a:rPr lang="en-US" b="0" baseline="0" dirty="0" smtClean="0"/>
-              <a:t>what happens when %s changed to %d.  Using F# is like using a language that automatically writes an entire class of unit tests for you at compile time.</a:t>
-            </a:r>
-          </a:p>
-          <a:p>
-            <a:pPr marL="0" marR="0" lvl="0" indent="0" algn="l" defTabSz="914400" rtl="0" eaLnBrk="1" fontAlgn="auto" latinLnBrk="0" hangingPunct="1">
-              <a:lnSpc>
-                <a:spcPct val="100000"/>
-              </a:lnSpc>
-              <a:spcBef>
-                <a:spcPts val="0"/>
-              </a:spcBef>
-              <a:spcAft>
-                <a:spcPts val="0"/>
-              </a:spcAft>
-              <a:buClrTx/>
-              <a:buSzTx/>
-              <a:buFont typeface="Arial" panose="020B0604020202020204" pitchFamily="34" charset="0"/>
-              <a:buNone/>
-              <a:tabLst/>
-              <a:defRPr/>
-            </a:pPr>
-            <a:endParaRPr lang="en-US" b="0" baseline="0" dirty="0" smtClean="0"/>
-          </a:p>
-          <a:p>
-            <a:pPr marL="0" marR="0" lvl="0" indent="0" algn="l" defTabSz="914400" rtl="0" eaLnBrk="1" fontAlgn="auto" latinLnBrk="0" hangingPunct="1">
-              <a:lnSpc>
-                <a:spcPct val="100000"/>
-              </a:lnSpc>
-              <a:spcBef>
-                <a:spcPts val="0"/>
-              </a:spcBef>
-              <a:spcAft>
-                <a:spcPts val="0"/>
-              </a:spcAft>
-              <a:buClrTx/>
-              <a:buSzTx/>
-              <a:buFont typeface="Arial" panose="020B0604020202020204" pitchFamily="34" charset="0"/>
-              <a:buNone/>
-              <a:tabLst/>
-              <a:defRPr/>
-            </a:pPr>
-            <a:r>
-              <a:rPr lang="en-US" b="1" baseline="0" dirty="0" smtClean="0"/>
-              <a:t>Dependency injection</a:t>
-            </a:r>
-          </a:p>
-          <a:p>
-            <a:pPr marL="0" marR="0" lvl="0" indent="0" algn="l" defTabSz="914400" rtl="0" eaLnBrk="1" fontAlgn="auto" latinLnBrk="0" hangingPunct="1">
-              <a:lnSpc>
-                <a:spcPct val="100000"/>
-              </a:lnSpc>
-              <a:spcBef>
-                <a:spcPts val="0"/>
-              </a:spcBef>
-              <a:spcAft>
-                <a:spcPts val="0"/>
-              </a:spcAft>
-              <a:buClrTx/>
-              <a:buSzTx/>
-              <a:buFont typeface="Arial" panose="020B0604020202020204" pitchFamily="34" charset="0"/>
-              <a:buNone/>
-              <a:tabLst/>
-              <a:defRPr/>
-            </a:pPr>
-            <a:endParaRPr lang="en-US" b="0" baseline="0" dirty="0" smtClean="0"/>
-          </a:p>
-          <a:p>
-            <a:pPr marL="171450" marR="0" lvl="0" indent="-171450" algn="l" defTabSz="914400" rtl="0" eaLnBrk="1" fontAlgn="auto" latinLnBrk="0" hangingPunct="1">
-              <a:lnSpc>
-                <a:spcPct val="100000"/>
-              </a:lnSpc>
-              <a:spcBef>
-                <a:spcPts val="0"/>
-              </a:spcBef>
-              <a:spcAft>
-                <a:spcPts val="0"/>
-              </a:spcAft>
-              <a:buClrTx/>
-              <a:buSzTx/>
-              <a:buFont typeface="Arial" panose="020B0604020202020204" pitchFamily="34" charset="0"/>
-              <a:buChar char="•"/>
-              <a:tabLst/>
-              <a:defRPr/>
-            </a:pPr>
-            <a:r>
-              <a:rPr lang="en-US" b="0" baseline="0" dirty="0" smtClean="0"/>
-              <a:t>runExample4WithFunc</a:t>
-            </a:r>
-          </a:p>
-          <a:p>
-            <a:pPr marL="628650" marR="0" lvl="1" indent="-171450" algn="l" defTabSz="914400" rtl="0" eaLnBrk="1" fontAlgn="auto" latinLnBrk="0" hangingPunct="1">
-              <a:lnSpc>
-                <a:spcPct val="100000"/>
-              </a:lnSpc>
-              <a:spcBef>
-                <a:spcPts val="0"/>
-              </a:spcBef>
-              <a:spcAft>
-                <a:spcPts val="0"/>
-              </a:spcAft>
-              <a:buClrTx/>
-              <a:buSzTx/>
-              <a:buFont typeface="Arial" panose="020B0604020202020204" pitchFamily="34" charset="0"/>
-              <a:buChar char="•"/>
-              <a:tabLst/>
-              <a:defRPr/>
-            </a:pPr>
-            <a:r>
-              <a:rPr lang="en-US" b="0" baseline="0" dirty="0" smtClean="0"/>
-              <a:t>Pass the send message function from runExample4 as a parameter so we can demonstrate DI</a:t>
-            </a:r>
-          </a:p>
-          <a:p>
-            <a:pPr marL="171450" marR="0" lvl="0" indent="-171450" algn="l" defTabSz="914400" rtl="0" eaLnBrk="1" fontAlgn="auto" latinLnBrk="0" hangingPunct="1">
-              <a:lnSpc>
-                <a:spcPct val="100000"/>
-              </a:lnSpc>
-              <a:spcBef>
-                <a:spcPts val="0"/>
-              </a:spcBef>
-              <a:spcAft>
-                <a:spcPts val="0"/>
-              </a:spcAft>
-              <a:buClrTx/>
-              <a:buSzTx/>
-              <a:buFont typeface="Arial" panose="020B0604020202020204" pitchFamily="34" charset="0"/>
-              <a:buChar char="•"/>
-              <a:tabLst/>
-              <a:defRPr/>
-            </a:pPr>
-            <a:r>
-              <a:rPr lang="en-US" b="0" baseline="0" dirty="0" smtClean="0"/>
-              <a:t>Main entry point at bottom, show use of runExample4WithFunc</a:t>
-            </a:r>
           </a:p>
           <a:p>
             <a:pPr marL="171450" marR="0" lvl="0" indent="-171450" algn="l" defTabSz="914400" rtl="0" eaLnBrk="1" fontAlgn="auto" latinLnBrk="0" hangingPunct="1">
@@ -2249,364 +2961,100 @@
               <a:buNone/>
             </a:pPr>
             <a:r>
-              <a:rPr lang="en-US" b="1" dirty="0" smtClean="0"/>
-              <a:t>Demo – a better message sender</a:t>
-            </a:r>
-          </a:p>
-          <a:p>
-            <a:pPr marL="457200" lvl="1" indent="0">
+              <a:rPr lang="en-US" b="1" baseline="0" dirty="0" smtClean="0"/>
+              <a:t>Split </a:t>
+            </a:r>
+            <a:r>
+              <a:rPr lang="en-US" b="1" baseline="0" dirty="0" smtClean="0"/>
+              <a:t>the function into reading names and sending messages as in step 2 of C# example</a:t>
+            </a:r>
+          </a:p>
+          <a:p>
+            <a:pPr marL="0" lvl="0" indent="0">
               <a:buFont typeface="Arial" panose="020B0604020202020204" pitchFamily="34" charset="0"/>
               <a:buNone/>
             </a:pPr>
-            <a:endParaRPr lang="en-US" b="1" dirty="0" smtClean="0"/>
-          </a:p>
-          <a:p>
-            <a:pPr marL="0" lvl="0" indent="0">
-              <a:buFont typeface="Arial" panose="020B0604020202020204" pitchFamily="34" charset="0"/>
-              <a:buNone/>
-            </a:pPr>
-            <a:r>
-              <a:rPr lang="en-US" b="0" dirty="0" smtClean="0"/>
-              <a:t>This</a:t>
-            </a:r>
-            <a:r>
-              <a:rPr lang="en-US" b="0" baseline="0" dirty="0" smtClean="0"/>
-              <a:t> demo will introduce generic name readers and writers which a message sender can then use to send messages to people.  We will create different types of writers and name readers and demonstrate how to use them.</a:t>
-            </a:r>
-          </a:p>
-          <a:p>
-            <a:pPr marL="457200" lvl="1" indent="0">
-              <a:buFont typeface="Arial" panose="020B0604020202020204" pitchFamily="34" charset="0"/>
-              <a:buNone/>
-            </a:pPr>
+            <a:endParaRPr lang="en-US" baseline="0" dirty="0" smtClean="0"/>
+          </a:p>
+          <a:p>
+            <a:pPr marL="171450" lvl="0" indent="-171450">
+              <a:buFont typeface="Arial" panose="020B0604020202020204" pitchFamily="34" charset="0"/>
+              <a:buChar char="•"/>
+            </a:pPr>
+            <a:r>
+              <a:rPr lang="en-US" baseline="0" dirty="0" smtClean="0"/>
+              <a:t>runExample2</a:t>
+            </a:r>
+          </a:p>
+          <a:p>
+            <a:pPr marL="628650" lvl="1" indent="-171450">
+              <a:buFont typeface="Arial" panose="020B0604020202020204" pitchFamily="34" charset="0"/>
+              <a:buChar char="•"/>
+            </a:pPr>
+            <a:r>
+              <a:rPr lang="en-US" baseline="0" dirty="0" smtClean="0"/>
+              <a:t>Same as runExample2 changes in ConsoleMessageSender2</a:t>
+            </a:r>
+          </a:p>
+          <a:p>
+            <a:pPr marL="171450" lvl="0" indent="-171450">
+              <a:buFont typeface="Arial" panose="020B0604020202020204" pitchFamily="34" charset="0"/>
+              <a:buChar char="•"/>
+            </a:pPr>
+            <a:r>
+              <a:rPr lang="en-US" baseline="0" dirty="0" smtClean="0"/>
+              <a:t>ConsoleMessageSender2.fs</a:t>
+            </a:r>
+          </a:p>
+          <a:p>
+            <a:pPr marL="628650" lvl="1" indent="-171450">
+              <a:buFont typeface="Arial" panose="020B0604020202020204" pitchFamily="34" charset="0"/>
+              <a:buChar char="•"/>
+            </a:pPr>
+            <a:r>
+              <a:rPr lang="en-US" baseline="0" dirty="0" smtClean="0"/>
+              <a:t>Function programming is about composing functions together</a:t>
+            </a:r>
+          </a:p>
+          <a:p>
+            <a:pPr marL="628650" lvl="1" indent="-171450">
+              <a:buFont typeface="Arial" panose="020B0604020202020204" pitchFamily="34" charset="0"/>
+              <a:buChar char="•"/>
+            </a:pPr>
+            <a:r>
+              <a:rPr lang="en-US" baseline="0" dirty="0" smtClean="0"/>
+              <a:t>Split the send function into two then use forward pipe to compose the functions together</a:t>
+            </a:r>
+          </a:p>
+          <a:p>
+            <a:pPr marL="628650" lvl="1" indent="-171450">
+              <a:buFont typeface="Arial" panose="020B0604020202020204" pitchFamily="34" charset="0"/>
+              <a:buChar char="•"/>
+            </a:pPr>
+            <a:r>
+              <a:rPr lang="en-US" baseline="0" dirty="0" smtClean="0"/>
+              <a:t>Reminder no return statement, last statement is the return value e.g. </a:t>
+            </a:r>
+            <a:r>
+              <a:rPr lang="en-US" baseline="0" dirty="0" err="1" smtClean="0"/>
+              <a:t>readNames</a:t>
+            </a:r>
+            <a:r>
+              <a:rPr lang="en-US" baseline="0" dirty="0" smtClean="0"/>
+              <a:t> </a:t>
+            </a:r>
+            <a:r>
+              <a:rPr lang="en-US" baseline="0" dirty="0" smtClean="0"/>
+              <a:t>function</a:t>
+            </a:r>
             <a:endParaRPr lang="en-US" b="0" baseline="0" dirty="0" smtClean="0"/>
           </a:p>
           <a:p>
-            <a:pPr marL="171450" lvl="0" indent="-171450">
-              <a:buFont typeface="Arial" panose="020B0604020202020204" pitchFamily="34" charset="0"/>
-              <a:buChar char="•"/>
-            </a:pPr>
-            <a:r>
-              <a:rPr lang="en-US" b="0" baseline="0" dirty="0" err="1" smtClean="0"/>
-              <a:t>Program.fs</a:t>
-            </a:r>
+            <a:pPr marL="628650" lvl="1" indent="-171450">
+              <a:buFont typeface="Arial" panose="020B0604020202020204" pitchFamily="34" charset="0"/>
+              <a:buChar char="•"/>
+            </a:pPr>
             <a:endParaRPr lang="en-US" b="0" baseline="0" dirty="0" smtClean="0"/>
-          </a:p>
-          <a:p>
-            <a:pPr marL="628650" lvl="1" indent="-171450">
-              <a:buFont typeface="Arial" panose="020B0604020202020204" pitchFamily="34" charset="0"/>
-              <a:buChar char="•"/>
-            </a:pPr>
-            <a:r>
-              <a:rPr lang="en-US" b="0" baseline="0" dirty="0" smtClean="0"/>
-              <a:t>As usual start at the bottom file, this is always the application entry point (root)</a:t>
-            </a:r>
-          </a:p>
-          <a:p>
-            <a:pPr marL="628650" lvl="1" indent="-171450">
-              <a:buFont typeface="Arial" panose="020B0604020202020204" pitchFamily="34" charset="0"/>
-              <a:buChar char="•"/>
-            </a:pPr>
-            <a:r>
-              <a:rPr lang="en-US" b="0" baseline="0" dirty="0" smtClean="0"/>
-              <a:t>The code now has a </a:t>
-            </a:r>
-            <a:r>
-              <a:rPr lang="en-US" b="0" baseline="0" dirty="0" err="1" smtClean="0"/>
-              <a:t>FileNameReader</a:t>
-            </a:r>
-            <a:r>
-              <a:rPr lang="en-US" b="0" baseline="0" dirty="0" smtClean="0"/>
-              <a:t> and </a:t>
-            </a:r>
-            <a:r>
-              <a:rPr lang="en-US" b="0" baseline="0" dirty="0" err="1" smtClean="0"/>
-              <a:t>MemoryNameReader</a:t>
-            </a:r>
-            <a:endParaRPr lang="en-US" b="0" baseline="0" dirty="0" smtClean="0"/>
-          </a:p>
-          <a:p>
-            <a:pPr marL="628650" lvl="1" indent="-171450">
-              <a:buFont typeface="Arial" panose="020B0604020202020204" pitchFamily="34" charset="0"/>
-              <a:buChar char="•"/>
-            </a:pPr>
-            <a:r>
-              <a:rPr lang="en-US" b="0" baseline="0" dirty="0" smtClean="0"/>
-              <a:t>The code now has a </a:t>
-            </a:r>
-            <a:r>
-              <a:rPr lang="en-US" b="0" baseline="0" dirty="0" err="1" smtClean="0"/>
-              <a:t>ConsoleWriter</a:t>
-            </a:r>
-            <a:r>
-              <a:rPr lang="en-US" b="0" baseline="0" dirty="0" smtClean="0"/>
-              <a:t> and </a:t>
-            </a:r>
-            <a:r>
-              <a:rPr lang="en-US" b="0" baseline="0" dirty="0" err="1" smtClean="0"/>
-              <a:t>DebugWriter</a:t>
-            </a:r>
-            <a:endParaRPr lang="en-US" b="0" baseline="0" dirty="0" smtClean="0"/>
-          </a:p>
-          <a:p>
-            <a:pPr marL="628650" lvl="1" indent="-171450">
-              <a:buFont typeface="Arial" panose="020B0604020202020204" pitchFamily="34" charset="0"/>
-              <a:buChar char="•"/>
-            </a:pPr>
-            <a:r>
-              <a:rPr lang="en-US" b="0" baseline="0" dirty="0" err="1" smtClean="0"/>
-              <a:t>MessageSender.sendAll</a:t>
-            </a:r>
-            <a:r>
-              <a:rPr lang="en-US" b="0" baseline="0" dirty="0" smtClean="0"/>
-              <a:t> takes either reader and either writer (type signatures)</a:t>
-            </a:r>
-          </a:p>
-          <a:p>
-            <a:pPr marL="628650" marR="0" lvl="1" indent="-171450" algn="l" defTabSz="914400" rtl="0" eaLnBrk="1" fontAlgn="auto" latinLnBrk="0" hangingPunct="1">
-              <a:lnSpc>
-                <a:spcPct val="100000"/>
-              </a:lnSpc>
-              <a:spcBef>
-                <a:spcPts val="0"/>
-              </a:spcBef>
-              <a:spcAft>
-                <a:spcPts val="0"/>
-              </a:spcAft>
-              <a:buClrTx/>
-              <a:buSzTx/>
-              <a:buFont typeface="Arial" panose="020B0604020202020204" pitchFamily="34" charset="0"/>
-              <a:buChar char="•"/>
-              <a:tabLst/>
-              <a:defRPr/>
-            </a:pPr>
-            <a:r>
-              <a:rPr lang="en-US" b="0" dirty="0" smtClean="0"/>
-              <a:t>Partial application used to make </a:t>
-            </a:r>
-            <a:r>
-              <a:rPr lang="en-US" b="0" dirty="0" err="1" smtClean="0"/>
-              <a:t>readNamesFromFile</a:t>
-            </a:r>
-            <a:r>
-              <a:rPr lang="en-US" b="0" dirty="0" smtClean="0"/>
-              <a:t> have the required</a:t>
-            </a:r>
-            <a:r>
-              <a:rPr lang="en-US" b="0" baseline="0" dirty="0" smtClean="0"/>
-              <a:t> type signature</a:t>
-            </a:r>
-            <a:endParaRPr lang="en-US" b="0" baseline="0" dirty="0" smtClean="0"/>
-          </a:p>
-          <a:p>
-            <a:pPr marL="628650" lvl="1" indent="-171450">
-              <a:buFont typeface="Arial" panose="020B0604020202020204" pitchFamily="34" charset="0"/>
-              <a:buChar char="•"/>
-            </a:pPr>
-            <a:r>
-              <a:rPr lang="en-US" b="0" baseline="0" dirty="0" smtClean="0"/>
-              <a:t>explain let </a:t>
-            </a:r>
-            <a:r>
-              <a:rPr lang="en-US" sz="1200" kern="1200" dirty="0" err="1" smtClean="0">
-                <a:solidFill>
-                  <a:schemeClr val="tx1"/>
-                </a:solidFill>
-                <a:latin typeface="+mn-lt"/>
-                <a:ea typeface="+mn-ea"/>
-                <a:cs typeface="+mn-cs"/>
-              </a:rPr>
-              <a:t>readNamesFromFile</a:t>
-            </a:r>
-            <a:r>
-              <a:rPr lang="en-US" b="0" baseline="0" dirty="0" smtClean="0"/>
-              <a:t>() = syntax </a:t>
-            </a:r>
-          </a:p>
-          <a:p>
-            <a:pPr marL="628650" lvl="1" indent="-171450">
-              <a:buFont typeface="Arial" panose="020B0604020202020204" pitchFamily="34" charset="0"/>
-              <a:buChar char="•"/>
-            </a:pPr>
-            <a:r>
-              <a:rPr lang="en-US" b="0" baseline="0" dirty="0" smtClean="0"/>
-              <a:t>Aside – demo how nulls are not allowed</a:t>
-            </a:r>
-          </a:p>
-          <a:p>
-            <a:pPr marL="628650" lvl="1" indent="-171450">
-              <a:buFont typeface="Arial" panose="020B0604020202020204" pitchFamily="34" charset="0"/>
-              <a:buChar char="•"/>
-            </a:pPr>
-            <a:r>
-              <a:rPr lang="en-US" b="0" baseline="0" dirty="0" err="1" smtClean="0"/>
-              <a:t>MessageSender.sendAll</a:t>
-            </a:r>
-            <a:r>
-              <a:rPr lang="en-US" b="0" baseline="0" dirty="0" smtClean="0"/>
-              <a:t> isn’t necessary, show last example, very simple, just write it inline</a:t>
-            </a:r>
-          </a:p>
-          <a:p>
-            <a:pPr marL="171450" lvl="0" indent="-171450">
-              <a:buFont typeface="Arial" panose="020B0604020202020204" pitchFamily="34" charset="0"/>
-              <a:buChar char="•"/>
-            </a:pPr>
-            <a:endParaRPr lang="en-US" b="0" baseline="0" dirty="0" smtClean="0"/>
-          </a:p>
-          <a:p>
-            <a:pPr marL="0" lvl="0" indent="0">
-              <a:buFont typeface="Arial" panose="020B0604020202020204" pitchFamily="34" charset="0"/>
-              <a:buNone/>
-            </a:pPr>
-            <a:r>
-              <a:rPr lang="en-US" b="0" baseline="0" dirty="0" smtClean="0"/>
-              <a:t>Demo – Run application – show console – show debug console</a:t>
-            </a:r>
-          </a:p>
-          <a:p>
-            <a:pPr marL="171450" lvl="0" indent="-171450">
-              <a:buFont typeface="Arial" panose="020B0604020202020204" pitchFamily="34" charset="0"/>
-              <a:buChar char="•"/>
-            </a:pPr>
-            <a:endParaRPr lang="en-US" b="0" baseline="0" dirty="0" smtClean="0"/>
-          </a:p>
-          <a:p>
-            <a:pPr marL="171450" lvl="0" indent="-171450">
-              <a:buFont typeface="Arial" panose="020B0604020202020204" pitchFamily="34" charset="0"/>
-              <a:buChar char="•"/>
-            </a:pPr>
-            <a:r>
-              <a:rPr lang="en-US" b="0" baseline="0" dirty="0" err="1" smtClean="0"/>
-              <a:t>MessageSender.fs</a:t>
-            </a:r>
-            <a:endParaRPr lang="en-US" b="0" baseline="0" dirty="0" smtClean="0"/>
-          </a:p>
-          <a:p>
-            <a:pPr marL="628650" lvl="1" indent="-171450">
-              <a:buFont typeface="Arial" panose="020B0604020202020204" pitchFamily="34" charset="0"/>
-              <a:buChar char="•"/>
-            </a:pPr>
-            <a:r>
-              <a:rPr lang="en-US" b="0" baseline="0" dirty="0" smtClean="0"/>
-              <a:t>So simple you could just inline rather than have this module</a:t>
-            </a:r>
-          </a:p>
-          <a:p>
-            <a:pPr marL="628650" lvl="1" indent="-171450">
-              <a:buFont typeface="Arial" panose="020B0604020202020204" pitchFamily="34" charset="0"/>
-              <a:buChar char="•"/>
-            </a:pPr>
-            <a:r>
-              <a:rPr lang="en-US" b="0" baseline="0" dirty="0" smtClean="0"/>
-              <a:t>Show type signature – generic – names don’t have to be strings – high reuse in F# out of the box</a:t>
-            </a:r>
-          </a:p>
-          <a:p>
-            <a:pPr marL="171450" lvl="0" indent="-171450">
-              <a:buFont typeface="Arial" panose="020B0604020202020204" pitchFamily="34" charset="0"/>
-              <a:buChar char="•"/>
-            </a:pPr>
-            <a:r>
-              <a:rPr lang="en-US" b="0" baseline="0" dirty="0" err="1" smtClean="0"/>
-              <a:t>Writers.fs</a:t>
-            </a:r>
-            <a:endParaRPr lang="en-US" b="0" baseline="0" dirty="0" smtClean="0"/>
-          </a:p>
-          <a:p>
-            <a:pPr marL="628650" lvl="1" indent="-171450">
-              <a:buFont typeface="Arial" panose="020B0604020202020204" pitchFamily="34" charset="0"/>
-              <a:buChar char="•"/>
-            </a:pPr>
-            <a:r>
-              <a:rPr lang="en-US" b="0" baseline="0" dirty="0" smtClean="0"/>
-              <a:t>Very simple to understand</a:t>
-            </a:r>
-          </a:p>
-          <a:p>
-            <a:pPr marL="1085850" lvl="2" indent="-171450">
-              <a:buFont typeface="Arial" panose="020B0604020202020204" pitchFamily="34" charset="0"/>
-              <a:buChar char="•"/>
-            </a:pPr>
-            <a:r>
-              <a:rPr lang="en-US" b="0" baseline="0" dirty="0" err="1" smtClean="0"/>
-              <a:t>DebugWriter</a:t>
-            </a:r>
-            <a:r>
-              <a:rPr lang="en-US" b="0" baseline="0" dirty="0" smtClean="0"/>
-              <a:t> uses back pipe, could have used forward pipe instead</a:t>
-            </a:r>
-          </a:p>
-          <a:p>
-            <a:pPr marL="628650" lvl="1" indent="-171450">
-              <a:buFont typeface="Arial" panose="020B0604020202020204" pitchFamily="34" charset="0"/>
-              <a:buChar char="•"/>
-            </a:pPr>
-            <a:r>
-              <a:rPr lang="en-US" b="0" baseline="0" dirty="0" smtClean="0"/>
-              <a:t>Explicitly declaring the type of name as string – I decided that I wanted compiler to always enforce this</a:t>
-            </a:r>
-          </a:p>
-          <a:p>
-            <a:pPr marL="628650" lvl="1" indent="-171450">
-              <a:buFont typeface="Arial" panose="020B0604020202020204" pitchFamily="34" charset="0"/>
-              <a:buChar char="•"/>
-            </a:pPr>
-            <a:r>
-              <a:rPr lang="en-US" b="0" baseline="0" dirty="0" smtClean="0"/>
-              <a:t>Typical in F# to put multiple modules in the same file.  </a:t>
-            </a:r>
-          </a:p>
-          <a:p>
-            <a:pPr marL="1085850" lvl="2" indent="-171450">
-              <a:buFont typeface="Arial" panose="020B0604020202020204" pitchFamily="34" charset="0"/>
-              <a:buChar char="•"/>
-            </a:pPr>
-            <a:r>
-              <a:rPr lang="en-US" b="0" baseline="0" dirty="0" smtClean="0"/>
-              <a:t>C# projects very quickly become bloated with many files</a:t>
-            </a:r>
-          </a:p>
-          <a:p>
-            <a:pPr marL="1543050" lvl="3" indent="-171450">
-              <a:buFont typeface="Arial" panose="020B0604020202020204" pitchFamily="34" charset="0"/>
-              <a:buChar char="•"/>
-            </a:pPr>
-            <a:r>
-              <a:rPr lang="en-US" b="0" baseline="0" dirty="0" smtClean="0"/>
-              <a:t>A file for each interface (F# doesn’t need interfaces)</a:t>
-            </a:r>
-          </a:p>
-          <a:p>
-            <a:pPr marL="1543050" lvl="3" indent="-171450">
-              <a:buFont typeface="Arial" panose="020B0604020202020204" pitchFamily="34" charset="0"/>
-              <a:buChar char="•"/>
-            </a:pPr>
-            <a:r>
-              <a:rPr lang="en-US" b="0" baseline="0" dirty="0" smtClean="0"/>
-              <a:t>A file per class</a:t>
-            </a:r>
-          </a:p>
-          <a:p>
-            <a:pPr marL="171450" lvl="0" indent="-171450">
-              <a:buFont typeface="Arial" panose="020B0604020202020204" pitchFamily="34" charset="0"/>
-              <a:buChar char="•"/>
-            </a:pPr>
-            <a:r>
-              <a:rPr lang="en-US" b="0" baseline="0" dirty="0" err="1" smtClean="0"/>
-              <a:t>NameReaders.fs</a:t>
-            </a:r>
-            <a:endParaRPr lang="en-US" b="0" baseline="0" dirty="0" smtClean="0"/>
-          </a:p>
-          <a:p>
-            <a:pPr marL="628650" lvl="1" indent="-171450">
-              <a:buFont typeface="Arial" panose="020B0604020202020204" pitchFamily="34" charset="0"/>
-              <a:buChar char="•"/>
-            </a:pPr>
-            <a:r>
-              <a:rPr lang="en-US" b="0" baseline="0" dirty="0" smtClean="0"/>
-              <a:t>Again very simple, all readers in one file, but separate modules</a:t>
-            </a:r>
           </a:p>
         </p:txBody>
       </p:sp>
@@ -2636,7 +3084,7 @@
     </p:spTree>
     <p:extLst>
       <p:ext uri="{BB962C8B-B14F-4D97-AF65-F5344CB8AC3E}">
-        <p14:creationId xmlns:p14="http://schemas.microsoft.com/office/powerpoint/2010/main" val="4045626386"/>
+        <p14:creationId xmlns:p14="http://schemas.microsoft.com/office/powerpoint/2010/main" val="2790231557"/>
       </p:ext>
     </p:extLst>
   </p:cSld>
@@ -2690,565 +3138,125 @@
           <a:bodyPr/>
           <a:lstStyle/>
           <a:p>
-            <a:pPr marL="0" marR="0" indent="0" algn="l" defTabSz="914400" rtl="0" eaLnBrk="1" fontAlgn="auto" latinLnBrk="0" hangingPunct="1">
-              <a:lnSpc>
-                <a:spcPct val="100000"/>
-              </a:lnSpc>
-              <a:spcBef>
-                <a:spcPts val="0"/>
-              </a:spcBef>
-              <a:spcAft>
-                <a:spcPts val="0"/>
-              </a:spcAft>
-              <a:buClrTx/>
-              <a:buSzTx/>
-              <a:buFontTx/>
+            <a:pPr marL="0" lvl="0" indent="0">
+              <a:buFont typeface="Arial" panose="020B0604020202020204" pitchFamily="34" charset="0"/>
               <a:buNone/>
-              <a:tabLst/>
-              <a:defRPr/>
-            </a:pPr>
-            <a:r>
-              <a:rPr lang="en-US" dirty="0" smtClean="0"/>
-              <a:t>Created to provide simple guidance</a:t>
-            </a:r>
-            <a:r>
-              <a:rPr lang="en-US" baseline="0" dirty="0" smtClean="0"/>
-              <a:t> </a:t>
-            </a:r>
-            <a:r>
-              <a:rPr lang="en-US" dirty="0" smtClean="0"/>
-              <a:t>on a set of functional patterns without mentioning terms explicitly</a:t>
-            </a:r>
-            <a:r>
-              <a:rPr lang="en-US" baseline="0" dirty="0" smtClean="0"/>
-              <a:t> </a:t>
-            </a:r>
-            <a:r>
-              <a:rPr lang="en-US" dirty="0" smtClean="0"/>
-              <a:t>such as the Either monad and </a:t>
-            </a:r>
-            <a:r>
-              <a:rPr lang="en-US" dirty="0" err="1" smtClean="0"/>
-              <a:t>Kleisli</a:t>
-            </a:r>
-            <a:r>
-              <a:rPr lang="en-US" dirty="0" smtClean="0"/>
-              <a:t> composition</a:t>
-            </a:r>
-          </a:p>
-          <a:p>
-            <a:pPr marL="0" marR="0" indent="0" algn="l" defTabSz="914400" rtl="0" eaLnBrk="1" fontAlgn="auto" latinLnBrk="0" hangingPunct="1">
-              <a:lnSpc>
-                <a:spcPct val="100000"/>
-              </a:lnSpc>
-              <a:spcBef>
-                <a:spcPts val="0"/>
-              </a:spcBef>
-              <a:spcAft>
-                <a:spcPts val="0"/>
-              </a:spcAft>
-              <a:buClrTx/>
-              <a:buSzTx/>
-              <a:buFontTx/>
+            </a:pPr>
+            <a:r>
+              <a:rPr lang="en-US" b="1" baseline="0" dirty="0" smtClean="0"/>
+              <a:t>Move </a:t>
+            </a:r>
+            <a:r>
+              <a:rPr lang="en-US" b="1" baseline="0" dirty="0" smtClean="0"/>
+              <a:t>reading of names into a separate module and compose at the application root</a:t>
+            </a:r>
+          </a:p>
+          <a:p>
+            <a:pPr marL="0" lvl="0" indent="0">
+              <a:buFont typeface="Arial" panose="020B0604020202020204" pitchFamily="34" charset="0"/>
               <a:buNone/>
-              <a:tabLst/>
-              <a:defRPr/>
-            </a:pPr>
-            <a:endParaRPr lang="en-US" dirty="0" smtClean="0"/>
-          </a:p>
-          <a:p>
-            <a:pPr marL="0" marR="0" indent="0" algn="l" defTabSz="914400" rtl="0" eaLnBrk="1" fontAlgn="auto" latinLnBrk="0" hangingPunct="1">
-              <a:lnSpc>
-                <a:spcPct val="100000"/>
-              </a:lnSpc>
-              <a:spcBef>
-                <a:spcPts val="0"/>
-              </a:spcBef>
-              <a:spcAft>
-                <a:spcPts val="0"/>
-              </a:spcAft>
-              <a:buClrTx/>
-              <a:buSzTx/>
-              <a:buFontTx/>
-              <a:buNone/>
-              <a:tabLst/>
-              <a:defRPr/>
-            </a:pPr>
-            <a:r>
-              <a:rPr lang="en-US" dirty="0" err="1" smtClean="0"/>
-              <a:t>Program.fs</a:t>
-            </a:r>
-            <a:endParaRPr lang="en-US" dirty="0" smtClean="0"/>
-          </a:p>
-          <a:p>
-            <a:pPr marL="171450" marR="0" indent="-171450" algn="l" defTabSz="914400" rtl="0" eaLnBrk="1" fontAlgn="auto" latinLnBrk="0" hangingPunct="1">
-              <a:lnSpc>
-                <a:spcPct val="100000"/>
-              </a:lnSpc>
-              <a:spcBef>
-                <a:spcPts val="0"/>
-              </a:spcBef>
-              <a:spcAft>
-                <a:spcPts val="0"/>
-              </a:spcAft>
-              <a:buClrTx/>
-              <a:buSzTx/>
-              <a:buFont typeface="Arial" panose="020B0604020202020204" pitchFamily="34" charset="0"/>
-              <a:buChar char="•"/>
-              <a:tabLst/>
-              <a:defRPr/>
-            </a:pPr>
-            <a:r>
-              <a:rPr lang="en-US" dirty="0" smtClean="0"/>
-              <a:t>Walk through explain</a:t>
-            </a:r>
-            <a:r>
-              <a:rPr lang="en-US" baseline="0" dirty="0" smtClean="0"/>
-              <a:t> at high level</a:t>
-            </a:r>
-          </a:p>
-          <a:p>
-            <a:pPr marL="171450" marR="0" indent="-171450" algn="l" defTabSz="914400" rtl="0" eaLnBrk="1" fontAlgn="auto" latinLnBrk="0" hangingPunct="1">
-              <a:lnSpc>
-                <a:spcPct val="100000"/>
-              </a:lnSpc>
-              <a:spcBef>
-                <a:spcPts val="0"/>
-              </a:spcBef>
-              <a:spcAft>
-                <a:spcPts val="0"/>
-              </a:spcAft>
-              <a:buClrTx/>
-              <a:buSzTx/>
-              <a:buFont typeface="Arial" panose="020B0604020202020204" pitchFamily="34" charset="0"/>
-              <a:buChar char="•"/>
-              <a:tabLst/>
-              <a:defRPr/>
-            </a:pPr>
-            <a:r>
-              <a:rPr lang="en-US" baseline="0" dirty="0" smtClean="0"/>
-              <a:t>including explanation exhaustive matching</a:t>
-            </a:r>
-          </a:p>
-          <a:p>
-            <a:pPr marL="171450" marR="0" indent="-171450" algn="l" defTabSz="914400" rtl="0" eaLnBrk="1" fontAlgn="auto" latinLnBrk="0" hangingPunct="1">
-              <a:lnSpc>
-                <a:spcPct val="100000"/>
-              </a:lnSpc>
-              <a:spcBef>
-                <a:spcPts val="0"/>
-              </a:spcBef>
-              <a:spcAft>
-                <a:spcPts val="0"/>
-              </a:spcAft>
-              <a:buClrTx/>
-              <a:buSzTx/>
-              <a:buFont typeface="Arial" panose="020B0604020202020204" pitchFamily="34" charset="0"/>
-              <a:buChar char="•"/>
-              <a:tabLst/>
-              <a:defRPr/>
-            </a:pPr>
-            <a:endParaRPr lang="en-US" baseline="0" dirty="0" smtClean="0"/>
-          </a:p>
-          <a:p>
-            <a:pPr marL="0" marR="0" indent="0" algn="l" defTabSz="914400" rtl="0" eaLnBrk="1" fontAlgn="auto" latinLnBrk="0" hangingPunct="1">
-              <a:lnSpc>
-                <a:spcPct val="100000"/>
-              </a:lnSpc>
-              <a:spcBef>
-                <a:spcPts val="0"/>
-              </a:spcBef>
-              <a:spcAft>
-                <a:spcPts val="0"/>
-              </a:spcAft>
-              <a:buClrTx/>
-              <a:buSzTx/>
-              <a:buFont typeface="Arial" panose="020B0604020202020204" pitchFamily="34" charset="0"/>
-              <a:buNone/>
-              <a:tabLst/>
-              <a:defRPr/>
-            </a:pPr>
-            <a:r>
-              <a:rPr lang="en-US" baseline="0" dirty="0" err="1" smtClean="0"/>
-              <a:t>Rop.fs</a:t>
-            </a:r>
-            <a:endParaRPr lang="en-US" baseline="0" dirty="0" smtClean="0"/>
-          </a:p>
-          <a:p>
-            <a:pPr marL="171450" marR="0" indent="-171450" algn="l" defTabSz="914400" rtl="0" eaLnBrk="1" fontAlgn="auto" latinLnBrk="0" hangingPunct="1">
-              <a:lnSpc>
-                <a:spcPct val="100000"/>
-              </a:lnSpc>
-              <a:spcBef>
-                <a:spcPts val="0"/>
-              </a:spcBef>
-              <a:spcAft>
-                <a:spcPts val="0"/>
-              </a:spcAft>
-              <a:buClrTx/>
-              <a:buSzTx/>
-              <a:buFont typeface="Arial" panose="020B0604020202020204" pitchFamily="34" charset="0"/>
-              <a:buChar char="•"/>
-              <a:tabLst/>
-              <a:defRPr/>
-            </a:pPr>
-            <a:r>
-              <a:rPr lang="en-US" baseline="0" dirty="0" smtClean="0"/>
-              <a:t>Simplified version of ROP, a lot more power available</a:t>
-            </a:r>
-          </a:p>
-          <a:p>
-            <a:pPr marL="171450" marR="0" indent="-171450" algn="l" defTabSz="914400" rtl="0" eaLnBrk="1" fontAlgn="auto" latinLnBrk="0" hangingPunct="1">
-              <a:lnSpc>
-                <a:spcPct val="100000"/>
-              </a:lnSpc>
-              <a:spcBef>
-                <a:spcPts val="0"/>
-              </a:spcBef>
-              <a:spcAft>
-                <a:spcPts val="0"/>
-              </a:spcAft>
-              <a:buClrTx/>
-              <a:buSzTx/>
-              <a:buFont typeface="Arial" panose="020B0604020202020204" pitchFamily="34" charset="0"/>
-              <a:buChar char="•"/>
-              <a:tabLst/>
-              <a:defRPr/>
-            </a:pPr>
-            <a:r>
-              <a:rPr lang="en-US" baseline="0" dirty="0" smtClean="0"/>
-              <a:t>Error – </a:t>
-            </a:r>
-            <a:r>
-              <a:rPr lang="en-US" baseline="0" dirty="0" err="1" smtClean="0"/>
-              <a:t>RecordType</a:t>
-            </a:r>
-            <a:endParaRPr lang="en-US" baseline="0" dirty="0" smtClean="0"/>
-          </a:p>
-          <a:p>
-            <a:pPr marL="171450" marR="0" indent="-171450" algn="l" defTabSz="914400" rtl="0" eaLnBrk="1" fontAlgn="auto" latinLnBrk="0" hangingPunct="1">
-              <a:lnSpc>
-                <a:spcPct val="100000"/>
-              </a:lnSpc>
-              <a:spcBef>
-                <a:spcPts val="0"/>
-              </a:spcBef>
-              <a:spcAft>
-                <a:spcPts val="0"/>
-              </a:spcAft>
-              <a:buClrTx/>
-              <a:buSzTx/>
-              <a:buFont typeface="Arial" panose="020B0604020202020204" pitchFamily="34" charset="0"/>
-              <a:buChar char="•"/>
-              <a:tabLst/>
-              <a:defRPr/>
-            </a:pPr>
-            <a:r>
-              <a:rPr lang="en-US" baseline="0" dirty="0" smtClean="0"/>
-              <a:t>Result – Discriminated Union</a:t>
-            </a:r>
-          </a:p>
-          <a:p>
-            <a:pPr marL="171450" marR="0" indent="-171450" algn="l" defTabSz="914400" rtl="0" eaLnBrk="1" fontAlgn="auto" latinLnBrk="0" hangingPunct="1">
-              <a:lnSpc>
-                <a:spcPct val="100000"/>
-              </a:lnSpc>
-              <a:spcBef>
-                <a:spcPts val="0"/>
-              </a:spcBef>
-              <a:spcAft>
-                <a:spcPts val="0"/>
-              </a:spcAft>
-              <a:buClrTx/>
-              <a:buSzTx/>
-              <a:buFont typeface="Arial" panose="020B0604020202020204" pitchFamily="34" charset="0"/>
-              <a:buChar char="•"/>
-              <a:tabLst/>
-              <a:defRPr/>
-            </a:pPr>
-            <a:endParaRPr lang="en-US" baseline="0" dirty="0" smtClean="0"/>
-          </a:p>
-          <a:p>
-            <a:pPr marL="0" marR="0" indent="0" algn="l" defTabSz="914400" rtl="0" eaLnBrk="1" fontAlgn="auto" latinLnBrk="0" hangingPunct="1">
-              <a:lnSpc>
-                <a:spcPct val="100000"/>
-              </a:lnSpc>
-              <a:spcBef>
-                <a:spcPts val="0"/>
-              </a:spcBef>
-              <a:spcAft>
-                <a:spcPts val="0"/>
-              </a:spcAft>
-              <a:buClrTx/>
-              <a:buSzTx/>
-              <a:buFont typeface="Arial" panose="020B0604020202020204" pitchFamily="34" charset="0"/>
-              <a:buNone/>
-              <a:tabLst/>
-              <a:defRPr/>
-            </a:pPr>
-            <a:r>
-              <a:rPr lang="en-US" baseline="0" dirty="0" err="1" smtClean="0"/>
-              <a:t>Program.fs</a:t>
-            </a:r>
-            <a:endParaRPr lang="en-US" baseline="0" dirty="0" smtClean="0"/>
-          </a:p>
-          <a:p>
-            <a:pPr marL="171450" marR="0" indent="-171450" algn="l" defTabSz="914400" rtl="0" eaLnBrk="1" fontAlgn="auto" latinLnBrk="0" hangingPunct="1">
-              <a:lnSpc>
-                <a:spcPct val="100000"/>
-              </a:lnSpc>
-              <a:spcBef>
-                <a:spcPts val="0"/>
-              </a:spcBef>
-              <a:spcAft>
-                <a:spcPts val="0"/>
-              </a:spcAft>
-              <a:buClrTx/>
-              <a:buSzTx/>
-              <a:buFont typeface="Arial" panose="020B0604020202020204" pitchFamily="34" charset="0"/>
-              <a:buChar char="•"/>
-              <a:tabLst/>
-              <a:defRPr/>
-            </a:pPr>
-            <a:r>
-              <a:rPr lang="en-US" baseline="0" dirty="0" smtClean="0"/>
-              <a:t>Point out where the ROP functions are being used</a:t>
-            </a:r>
-          </a:p>
-          <a:p>
-            <a:pPr marL="171450" marR="0" indent="-171450" algn="l" defTabSz="914400" rtl="0" eaLnBrk="1" fontAlgn="auto" latinLnBrk="0" hangingPunct="1">
-              <a:lnSpc>
-                <a:spcPct val="100000"/>
-              </a:lnSpc>
-              <a:spcBef>
-                <a:spcPts val="0"/>
-              </a:spcBef>
-              <a:spcAft>
-                <a:spcPts val="0"/>
-              </a:spcAft>
-              <a:buClrTx/>
-              <a:buSzTx/>
-              <a:buFont typeface="Arial" panose="020B0604020202020204" pitchFamily="34" charset="0"/>
-              <a:buChar char="•"/>
-              <a:tabLst/>
-              <a:defRPr/>
-            </a:pPr>
-            <a:r>
-              <a:rPr lang="en-US" baseline="0" dirty="0" smtClean="0"/>
-              <a:t>Demo – change file path – run – show how failure path is taken in match statement</a:t>
-            </a:r>
-          </a:p>
-          <a:p>
-            <a:pPr marL="171450" marR="0" indent="-171450" algn="l" defTabSz="914400" rtl="0" eaLnBrk="1" fontAlgn="auto" latinLnBrk="0" hangingPunct="1">
-              <a:lnSpc>
-                <a:spcPct val="100000"/>
-              </a:lnSpc>
-              <a:spcBef>
-                <a:spcPts val="0"/>
-              </a:spcBef>
-              <a:spcAft>
-                <a:spcPts val="0"/>
-              </a:spcAft>
-              <a:buClrTx/>
-              <a:buSzTx/>
-              <a:buFont typeface="Arial" panose="020B0604020202020204" pitchFamily="34" charset="0"/>
-              <a:buChar char="•"/>
-              <a:tabLst/>
-              <a:defRPr/>
-            </a:pPr>
-            <a:endParaRPr lang="en-US" baseline="0" dirty="0" smtClean="0"/>
-          </a:p>
-          <a:p>
-            <a:pPr marL="0" marR="0" indent="0" algn="l" defTabSz="914400" rtl="0" eaLnBrk="1" fontAlgn="auto" latinLnBrk="0" hangingPunct="1">
-              <a:lnSpc>
-                <a:spcPct val="100000"/>
-              </a:lnSpc>
-              <a:spcBef>
-                <a:spcPts val="0"/>
-              </a:spcBef>
-              <a:spcAft>
-                <a:spcPts val="0"/>
-              </a:spcAft>
-              <a:buClrTx/>
-              <a:buSzTx/>
-              <a:buFont typeface="Arial" panose="020B0604020202020204" pitchFamily="34" charset="0"/>
-              <a:buNone/>
-              <a:tabLst/>
-              <a:defRPr/>
-            </a:pPr>
-            <a:r>
-              <a:rPr lang="en-US" baseline="0" dirty="0" err="1" smtClean="0"/>
-              <a:t>Writers.fs</a:t>
-            </a:r>
-            <a:endParaRPr lang="en-US" baseline="0" dirty="0" smtClean="0"/>
-          </a:p>
-          <a:p>
-            <a:pPr marL="171450" marR="0" indent="-171450" algn="l" defTabSz="914400" rtl="0" eaLnBrk="1" fontAlgn="auto" latinLnBrk="0" hangingPunct="1">
-              <a:lnSpc>
-                <a:spcPct val="100000"/>
-              </a:lnSpc>
-              <a:spcBef>
-                <a:spcPts val="0"/>
-              </a:spcBef>
-              <a:spcAft>
-                <a:spcPts val="0"/>
-              </a:spcAft>
-              <a:buClrTx/>
-              <a:buSzTx/>
-              <a:buFont typeface="Arial" panose="020B0604020202020204" pitchFamily="34" charset="0"/>
-              <a:buChar char="•"/>
-              <a:tabLst/>
-              <a:defRPr/>
-            </a:pPr>
-            <a:r>
-              <a:rPr lang="en-US" baseline="0" dirty="0" smtClean="0"/>
-              <a:t>Only change made - updated to return a </a:t>
-            </a:r>
-            <a:r>
-              <a:rPr lang="en-US" baseline="0" dirty="0" err="1" smtClean="0"/>
-              <a:t>Rop.Result.Success</a:t>
-            </a:r>
-            <a:r>
-              <a:rPr lang="en-US" baseline="0" dirty="0" smtClean="0"/>
-              <a:t> type (no failure path for these operations)</a:t>
-            </a:r>
-          </a:p>
-          <a:p>
-            <a:pPr marL="171450" marR="0" indent="-171450" algn="l" defTabSz="914400" rtl="0" eaLnBrk="1" fontAlgn="auto" latinLnBrk="0" hangingPunct="1">
-              <a:lnSpc>
-                <a:spcPct val="100000"/>
-              </a:lnSpc>
-              <a:spcBef>
-                <a:spcPts val="0"/>
-              </a:spcBef>
-              <a:spcAft>
-                <a:spcPts val="0"/>
-              </a:spcAft>
-              <a:buClrTx/>
-              <a:buSzTx/>
-              <a:buFont typeface="Arial" panose="020B0604020202020204" pitchFamily="34" charset="0"/>
-              <a:buChar char="•"/>
-              <a:tabLst/>
-              <a:defRPr/>
-            </a:pPr>
-            <a:endParaRPr lang="en-US" baseline="0" dirty="0" smtClean="0"/>
-          </a:p>
-          <a:p>
-            <a:pPr marL="0" marR="0" indent="0" algn="l" defTabSz="914400" rtl="0" eaLnBrk="1" fontAlgn="auto" latinLnBrk="0" hangingPunct="1">
-              <a:lnSpc>
-                <a:spcPct val="100000"/>
-              </a:lnSpc>
-              <a:spcBef>
-                <a:spcPts val="0"/>
-              </a:spcBef>
-              <a:spcAft>
-                <a:spcPts val="0"/>
-              </a:spcAft>
-              <a:buClrTx/>
-              <a:buSzTx/>
-              <a:buFont typeface="Arial" panose="020B0604020202020204" pitchFamily="34" charset="0"/>
-              <a:buNone/>
-              <a:tabLst/>
-              <a:defRPr/>
-            </a:pPr>
-            <a:r>
-              <a:rPr lang="en-US" baseline="0" dirty="0" err="1" smtClean="0"/>
-              <a:t>NameReaders.fs</a:t>
-            </a:r>
-            <a:endParaRPr lang="en-US" baseline="0" dirty="0" smtClean="0"/>
-          </a:p>
-          <a:p>
-            <a:pPr marL="171450" marR="0" indent="-171450" algn="l" defTabSz="914400" rtl="0" eaLnBrk="1" fontAlgn="auto" latinLnBrk="0" hangingPunct="1">
-              <a:lnSpc>
-                <a:spcPct val="100000"/>
-              </a:lnSpc>
-              <a:spcBef>
-                <a:spcPts val="0"/>
-              </a:spcBef>
-              <a:spcAft>
-                <a:spcPts val="0"/>
-              </a:spcAft>
-              <a:buClrTx/>
-              <a:buSzTx/>
-              <a:buFont typeface="Arial" panose="020B0604020202020204" pitchFamily="34" charset="0"/>
-              <a:buChar char="•"/>
-              <a:tabLst/>
-              <a:defRPr/>
-            </a:pPr>
-            <a:r>
-              <a:rPr lang="en-US" baseline="0" dirty="0" err="1" smtClean="0"/>
+            </a:pPr>
+            <a:endParaRPr lang="en-US" b="1" baseline="0" dirty="0" smtClean="0"/>
+          </a:p>
+          <a:p>
+            <a:pPr marL="171450" lvl="0" indent="-171450">
+              <a:buFont typeface="Arial" panose="020B0604020202020204" pitchFamily="34" charset="0"/>
+              <a:buChar char="•"/>
+            </a:pPr>
+            <a:r>
+              <a:rPr lang="en-US" b="0" baseline="0" dirty="0" smtClean="0"/>
+              <a:t>runExample3</a:t>
+            </a:r>
+          </a:p>
+          <a:p>
+            <a:pPr marL="628650" lvl="1" indent="-171450">
+              <a:buFont typeface="Arial" panose="020B0604020202020204" pitchFamily="34" charset="0"/>
+              <a:buChar char="•"/>
+            </a:pPr>
+            <a:r>
+              <a:rPr lang="en-US" b="0" baseline="0" dirty="0" smtClean="0"/>
+              <a:t>Two actions, reading names and sending messages</a:t>
+            </a:r>
+          </a:p>
+          <a:p>
+            <a:pPr marL="628650" lvl="1" indent="-171450">
+              <a:buFont typeface="Arial" panose="020B0604020202020204" pitchFamily="34" charset="0"/>
+              <a:buChar char="•"/>
+            </a:pPr>
+            <a:r>
+              <a:rPr lang="en-US" b="0" baseline="0" dirty="0" smtClean="0"/>
+              <a:t>Now composed at the application root rather than in an internal module, the reason will become obvious soon</a:t>
+            </a:r>
+          </a:p>
+          <a:p>
+            <a:pPr marL="628650" lvl="1" indent="-171450">
+              <a:buFont typeface="Arial" panose="020B0604020202020204" pitchFamily="34" charset="0"/>
+              <a:buChar char="•"/>
+            </a:pPr>
+            <a:r>
+              <a:rPr lang="en-US" b="0" baseline="0" dirty="0" smtClean="0"/>
+              <a:t>In the </a:t>
+            </a:r>
+            <a:r>
+              <a:rPr lang="en-US" b="0" baseline="0" dirty="0" err="1" smtClean="0"/>
+              <a:t>Ninject</a:t>
+            </a:r>
+            <a:r>
+              <a:rPr lang="en-US" b="0" baseline="0" dirty="0" smtClean="0"/>
+              <a:t> talk we also did this, but used interfaces, here there is no need for an interface as the type signature is used instead</a:t>
+            </a:r>
+          </a:p>
+          <a:p>
+            <a:pPr marL="171450" lvl="0" indent="-171450">
+              <a:buFont typeface="Arial" panose="020B0604020202020204" pitchFamily="34" charset="0"/>
+              <a:buChar char="•"/>
+            </a:pPr>
+            <a:r>
+              <a:rPr lang="en-US" b="0" baseline="0" dirty="0" smtClean="0"/>
+              <a:t>ConsoleMessageSender3.fs</a:t>
+            </a:r>
+          </a:p>
+          <a:p>
+            <a:pPr marL="628650" lvl="1" indent="-171450">
+              <a:buFont typeface="Arial" panose="020B0604020202020204" pitchFamily="34" charset="0"/>
+              <a:buChar char="•"/>
+            </a:pPr>
+            <a:r>
+              <a:rPr lang="en-US" b="0" baseline="0" dirty="0" smtClean="0"/>
+              <a:t>Split code into two modules</a:t>
+            </a:r>
+          </a:p>
+          <a:p>
+            <a:pPr marL="628650" lvl="1" indent="-171450">
+              <a:buFont typeface="Arial" panose="020B0604020202020204" pitchFamily="34" charset="0"/>
+              <a:buChar char="•"/>
+            </a:pPr>
+            <a:r>
+              <a:rPr lang="en-US" b="0" baseline="0" dirty="0" smtClean="0"/>
+              <a:t>Instead of calling </a:t>
+            </a:r>
+            <a:r>
+              <a:rPr lang="en-US" b="0" baseline="0" dirty="0" err="1" smtClean="0"/>
               <a:t>readNames</a:t>
             </a:r>
             <a:r>
-              <a:rPr lang="en-US" baseline="0" dirty="0" smtClean="0"/>
-              <a:t> function an example of composition in ROP using bind</a:t>
-            </a:r>
-          </a:p>
-          <a:p>
-            <a:pPr marL="628650" marR="0" lvl="1" indent="-171450" algn="l" defTabSz="914400" rtl="0" eaLnBrk="1" fontAlgn="auto" latinLnBrk="0" hangingPunct="1">
-              <a:lnSpc>
-                <a:spcPct val="100000"/>
-              </a:lnSpc>
-              <a:spcBef>
-                <a:spcPts val="0"/>
-              </a:spcBef>
-              <a:spcAft>
-                <a:spcPts val="0"/>
-              </a:spcAft>
-              <a:buClrTx/>
-              <a:buSzTx/>
-              <a:buFont typeface="Arial" panose="020B0604020202020204" pitchFamily="34" charset="0"/>
-              <a:buChar char="•"/>
-              <a:tabLst/>
-              <a:defRPr/>
-            </a:pPr>
-            <a:r>
-              <a:rPr lang="en-US" baseline="0" dirty="0" smtClean="0"/>
-              <a:t>Very easy to understand at a glance</a:t>
-            </a:r>
-          </a:p>
-          <a:p>
-            <a:pPr marL="628650" marR="0" lvl="1" indent="-171450" algn="l" defTabSz="914400" rtl="0" eaLnBrk="1" fontAlgn="auto" latinLnBrk="0" hangingPunct="1">
-              <a:lnSpc>
-                <a:spcPct val="100000"/>
-              </a:lnSpc>
-              <a:spcBef>
-                <a:spcPts val="0"/>
-              </a:spcBef>
-              <a:spcAft>
-                <a:spcPts val="0"/>
-              </a:spcAft>
-              <a:buClrTx/>
-              <a:buSzTx/>
-              <a:buFont typeface="Arial" panose="020B0604020202020204" pitchFamily="34" charset="0"/>
-              <a:buChar char="•"/>
-              <a:tabLst/>
-              <a:defRPr/>
-            </a:pPr>
-            <a:r>
-              <a:rPr lang="en-US" baseline="0" dirty="0" smtClean="0"/>
-              <a:t>No more exceptions being throw!</a:t>
-            </a:r>
-          </a:p>
-          <a:p>
-            <a:pPr marL="628650" marR="0" lvl="1" indent="-171450" algn="l" defTabSz="914400" rtl="0" eaLnBrk="1" fontAlgn="auto" latinLnBrk="0" hangingPunct="1">
-              <a:lnSpc>
-                <a:spcPct val="100000"/>
-              </a:lnSpc>
-              <a:spcBef>
-                <a:spcPts val="0"/>
-              </a:spcBef>
-              <a:spcAft>
-                <a:spcPts val="0"/>
-              </a:spcAft>
-              <a:buClrTx/>
-              <a:buSzTx/>
-              <a:buFont typeface="Arial" panose="020B0604020202020204" pitchFamily="34" charset="0"/>
-              <a:buChar char="•"/>
-              <a:tabLst/>
-              <a:defRPr/>
-            </a:pPr>
-            <a:endParaRPr lang="en-US" baseline="0" dirty="0" smtClean="0"/>
+              <a:rPr lang="en-US" b="0" baseline="0" dirty="0" smtClean="0"/>
+              <a:t> directly, send can take ANY function which has the signature: unit -&gt; string []</a:t>
+            </a:r>
+          </a:p>
+          <a:p>
+            <a:pPr marL="1085850" lvl="2" indent="-171450">
+              <a:buFont typeface="Arial" panose="020B0604020202020204" pitchFamily="34" charset="0"/>
+              <a:buChar char="•"/>
+            </a:pPr>
+            <a:r>
+              <a:rPr lang="en-US" b="0" baseline="0" dirty="0" err="1" smtClean="0"/>
+              <a:t>E.g</a:t>
+            </a:r>
+            <a:r>
+              <a:rPr lang="en-US" b="0" baseline="0" dirty="0" smtClean="0"/>
+              <a:t> another function could load the names from a database and this would still work</a:t>
+            </a:r>
           </a:p>
           <a:p>
             <a:pPr marL="0" marR="0" lvl="0" indent="0" algn="l" defTabSz="914400" rtl="0" eaLnBrk="1" fontAlgn="auto" latinLnBrk="0" hangingPunct="1">
@@ -3268,61 +3276,21 @@
               <a:tabLst/>
               <a:defRPr/>
             </a:pPr>
-            <a:r>
-              <a:rPr lang="en-US" baseline="0" dirty="0" err="1" smtClean="0"/>
-              <a:t>Validation.fs</a:t>
-            </a:r>
-            <a:endParaRPr lang="en-US" baseline="0" dirty="0" smtClean="0"/>
-          </a:p>
-          <a:p>
-            <a:pPr marL="628650" marR="0" lvl="1" indent="-171450" algn="l" defTabSz="914400" rtl="0" eaLnBrk="1" fontAlgn="auto" latinLnBrk="0" hangingPunct="1">
-              <a:lnSpc>
-                <a:spcPct val="100000"/>
-              </a:lnSpc>
-              <a:spcBef>
-                <a:spcPts val="0"/>
-              </a:spcBef>
-              <a:spcAft>
-                <a:spcPts val="0"/>
-              </a:spcAft>
-              <a:buClrTx/>
-              <a:buSzTx/>
-              <a:buFont typeface="Arial" panose="020B0604020202020204" pitchFamily="34" charset="0"/>
-              <a:buChar char="•"/>
-              <a:tabLst/>
-              <a:defRPr/>
-            </a:pPr>
-            <a:r>
-              <a:rPr lang="en-US" baseline="0" dirty="0" smtClean="0"/>
-              <a:t>Generic file validation functions that could be used anywhere</a:t>
-            </a:r>
-          </a:p>
-          <a:p>
-            <a:pPr marL="628650" marR="0" lvl="1" indent="-171450" algn="l" defTabSz="914400" rtl="0" eaLnBrk="1" fontAlgn="auto" latinLnBrk="0" hangingPunct="1">
-              <a:lnSpc>
-                <a:spcPct val="100000"/>
-              </a:lnSpc>
-              <a:spcBef>
-                <a:spcPts val="0"/>
-              </a:spcBef>
-              <a:spcAft>
-                <a:spcPts val="0"/>
-              </a:spcAft>
-              <a:buClrTx/>
-              <a:buSzTx/>
-              <a:buFont typeface="Arial" panose="020B0604020202020204" pitchFamily="34" charset="0"/>
-              <a:buChar char="•"/>
-              <a:tabLst/>
-              <a:defRPr/>
-            </a:pPr>
-            <a:r>
-              <a:rPr lang="en-US" baseline="0" dirty="0" smtClean="0"/>
-              <a:t>No more exceptions being thrown!</a:t>
-            </a:r>
-            <a:endParaRPr lang="en-US" dirty="0" smtClean="0"/>
-          </a:p>
-          <a:p>
-            <a:endParaRPr lang="en-US" dirty="0"/>
+            <a:endParaRPr lang="en-US" b="0" baseline="0" dirty="0" smtClean="0"/>
+          </a:p>
+          <a:p>
+            <a:pPr marL="628650" lvl="1" indent="-171450">
+              <a:buFont typeface="Arial" panose="020B0604020202020204" pitchFamily="34" charset="0"/>
+              <a:buChar char="•"/>
+            </a:pPr>
+            <a:endParaRPr lang="en-US" b="0" baseline="0" dirty="0" smtClean="0"/>
+          </a:p>
+          <a:p>
+            <a:pPr marL="628650" lvl="1" indent="-171450">
+              <a:buFont typeface="Arial" panose="020B0604020202020204" pitchFamily="34" charset="0"/>
+              <a:buChar char="•"/>
+            </a:pPr>
+            <a:endParaRPr lang="en-US" b="0" baseline="0" dirty="0" smtClean="0"/>
           </a:p>
         </p:txBody>
       </p:sp>
@@ -3352,7 +3320,7 @@
     </p:spTree>
     <p:extLst>
       <p:ext uri="{BB962C8B-B14F-4D97-AF65-F5344CB8AC3E}">
-        <p14:creationId xmlns:p14="http://schemas.microsoft.com/office/powerpoint/2010/main" val="3617758789"/>
+        <p14:creationId xmlns:p14="http://schemas.microsoft.com/office/powerpoint/2010/main" val="419188058"/>
       </p:ext>
     </p:extLst>
   </p:cSld>
@@ -3406,7 +3374,368 @@
           <a:bodyPr/>
           <a:lstStyle/>
           <a:p>
-            <a:endParaRPr lang="en-US" dirty="0"/>
+            <a:pPr marL="0" lvl="0" indent="0">
+              <a:buFont typeface="Arial" panose="020B0604020202020204" pitchFamily="34" charset="0"/>
+              <a:buNone/>
+            </a:pPr>
+            <a:r>
+              <a:rPr lang="en-US" b="1" baseline="0" dirty="0" smtClean="0"/>
+              <a:t>A </a:t>
+            </a:r>
+            <a:r>
+              <a:rPr lang="en-US" b="1" baseline="0" dirty="0" smtClean="0"/>
+              <a:t>more functional approach</a:t>
+            </a:r>
+          </a:p>
+          <a:p>
+            <a:pPr marL="0" lvl="0" indent="0">
+              <a:buFont typeface="Arial" panose="020B0604020202020204" pitchFamily="34" charset="0"/>
+              <a:buNone/>
+            </a:pPr>
+            <a:endParaRPr lang="en-US" b="0" baseline="0" dirty="0" smtClean="0"/>
+          </a:p>
+          <a:p>
+            <a:r>
+              <a:rPr lang="en-US" sz="1200" kern="1200" dirty="0" smtClean="0">
+                <a:solidFill>
+                  <a:schemeClr val="tx1"/>
+                </a:solidFill>
+                <a:latin typeface="+mn-lt"/>
+                <a:ea typeface="+mn-ea"/>
+                <a:cs typeface="+mn-cs"/>
+              </a:rPr>
+              <a:t>Rather than dealing with an array of names, the message sender will just handle one name at a time, moving logic for iteration to the caller.  </a:t>
+            </a:r>
+          </a:p>
+          <a:p>
+            <a:endParaRPr lang="en-US" sz="1200" kern="1200" dirty="0" smtClean="0">
+              <a:solidFill>
+                <a:schemeClr val="tx1"/>
+              </a:solidFill>
+              <a:latin typeface="+mn-lt"/>
+              <a:ea typeface="+mn-ea"/>
+              <a:cs typeface="+mn-cs"/>
+            </a:endParaRPr>
+          </a:p>
+          <a:p>
+            <a:r>
+              <a:rPr lang="en-US" sz="1200" kern="1200" dirty="0" smtClean="0">
+                <a:solidFill>
+                  <a:schemeClr val="tx1"/>
+                </a:solidFill>
+                <a:latin typeface="+mn-lt"/>
+                <a:ea typeface="+mn-ea"/>
+                <a:cs typeface="+mn-cs"/>
+              </a:rPr>
+              <a:t>This allows for more flexibility when dealing with functional collection operations like map, reduce, iterate etc.</a:t>
+            </a:r>
+            <a:r>
+              <a:rPr lang="en-US" sz="1200" kern="1200" baseline="0" dirty="0" smtClean="0">
+                <a:solidFill>
+                  <a:schemeClr val="tx1"/>
+                </a:solidFill>
+                <a:latin typeface="+mn-lt"/>
+                <a:ea typeface="+mn-ea"/>
+                <a:cs typeface="+mn-cs"/>
+              </a:rPr>
+              <a:t>  This will be explained soon.</a:t>
+            </a:r>
+            <a:endParaRPr lang="en-US" sz="1200" kern="1200" dirty="0" smtClean="0">
+              <a:solidFill>
+                <a:schemeClr val="tx1"/>
+              </a:solidFill>
+              <a:latin typeface="+mn-lt"/>
+              <a:ea typeface="+mn-ea"/>
+              <a:cs typeface="+mn-cs"/>
+            </a:endParaRPr>
+          </a:p>
+          <a:p>
+            <a:endParaRPr lang="en-US" b="0" baseline="0" dirty="0" smtClean="0"/>
+          </a:p>
+          <a:p>
+            <a:pPr marL="171450" lvl="0" indent="-171450">
+              <a:buFont typeface="Arial" panose="020B0604020202020204" pitchFamily="34" charset="0"/>
+              <a:buChar char="•"/>
+            </a:pPr>
+            <a:r>
+              <a:rPr lang="en-US" b="0" baseline="0" dirty="0" smtClean="0"/>
+              <a:t>runExample4</a:t>
+            </a:r>
+          </a:p>
+          <a:p>
+            <a:pPr marL="628650" marR="0" lvl="1" indent="-171450" algn="l" defTabSz="914400" rtl="0" eaLnBrk="1" fontAlgn="auto" latinLnBrk="0" hangingPunct="1">
+              <a:lnSpc>
+                <a:spcPct val="100000"/>
+              </a:lnSpc>
+              <a:spcBef>
+                <a:spcPts val="0"/>
+              </a:spcBef>
+              <a:spcAft>
+                <a:spcPts val="0"/>
+              </a:spcAft>
+              <a:buClrTx/>
+              <a:buSzTx/>
+              <a:buFont typeface="Arial" panose="020B0604020202020204" pitchFamily="34" charset="0"/>
+              <a:buChar char="•"/>
+              <a:tabLst/>
+              <a:defRPr/>
+            </a:pPr>
+            <a:r>
+              <a:rPr lang="en-US" b="0" baseline="0" dirty="0" smtClean="0"/>
+              <a:t>send just sends a message to a single person so iteration code is now here</a:t>
+            </a:r>
+          </a:p>
+          <a:p>
+            <a:pPr marL="628650" lvl="1" indent="-171450">
+              <a:buFont typeface="Arial" panose="020B0604020202020204" pitchFamily="34" charset="0"/>
+              <a:buChar char="•"/>
+            </a:pPr>
+            <a:r>
+              <a:rPr lang="en-US" b="0" baseline="0" dirty="0" smtClean="0"/>
+              <a:t>Use piping instead of a lambda parameter.  Requires swapping the parameters so the last one is the send function.</a:t>
+            </a:r>
+          </a:p>
+          <a:p>
+            <a:pPr marL="171450" lvl="0" indent="-171450">
+              <a:buFont typeface="Arial" panose="020B0604020202020204" pitchFamily="34" charset="0"/>
+              <a:buChar char="•"/>
+            </a:pPr>
+            <a:r>
+              <a:rPr lang="en-US" b="0" baseline="0" dirty="0" smtClean="0"/>
+              <a:t>ConsoleMessageSender4.fs</a:t>
+            </a:r>
+          </a:p>
+          <a:p>
+            <a:pPr marL="628650" lvl="1" indent="-171450">
+              <a:buFont typeface="Arial" panose="020B0604020202020204" pitchFamily="34" charset="0"/>
+              <a:buChar char="•"/>
+            </a:pPr>
+            <a:r>
+              <a:rPr lang="en-US" b="0" baseline="0" dirty="0" smtClean="0"/>
+              <a:t>No changes to NameReader4, no dependency with </a:t>
+            </a:r>
+            <a:r>
+              <a:rPr lang="en-US" b="0" baseline="0" dirty="0" err="1" smtClean="0"/>
+              <a:t>ConsoleMessageSender</a:t>
+            </a:r>
+            <a:r>
+              <a:rPr lang="en-US" b="0" baseline="0" dirty="0" smtClean="0"/>
+              <a:t>!</a:t>
+            </a:r>
+          </a:p>
+          <a:p>
+            <a:pPr marL="628650" lvl="1" indent="-171450">
+              <a:buFont typeface="Arial" panose="020B0604020202020204" pitchFamily="34" charset="0"/>
+              <a:buChar char="•"/>
+            </a:pPr>
+            <a:r>
+              <a:rPr lang="en-US" b="0" baseline="0" dirty="0" smtClean="0"/>
+              <a:t>send is now trivial and </a:t>
+            </a:r>
+            <a:r>
+              <a:rPr lang="en-US" b="0" baseline="0" dirty="0" err="1" smtClean="0"/>
+              <a:t>resuable</a:t>
+            </a:r>
+            <a:endParaRPr lang="en-US" b="0" baseline="0" dirty="0" smtClean="0"/>
+          </a:p>
+          <a:p>
+            <a:pPr marL="628650" lvl="1" indent="-171450">
+              <a:buFont typeface="Arial" panose="020B0604020202020204" pitchFamily="34" charset="0"/>
+              <a:buChar char="•"/>
+            </a:pPr>
+            <a:r>
+              <a:rPr lang="en-US" b="0" baseline="0" dirty="0" smtClean="0"/>
+              <a:t>It supports types other than strings now.  Generic.</a:t>
+            </a:r>
+          </a:p>
+          <a:p>
+            <a:pPr marL="628650" marR="0" lvl="1" indent="-171450" algn="l" defTabSz="914400" rtl="0" eaLnBrk="1" fontAlgn="auto" latinLnBrk="0" hangingPunct="1">
+              <a:lnSpc>
+                <a:spcPct val="100000"/>
+              </a:lnSpc>
+              <a:spcBef>
+                <a:spcPts val="0"/>
+              </a:spcBef>
+              <a:spcAft>
+                <a:spcPts val="0"/>
+              </a:spcAft>
+              <a:buClrTx/>
+              <a:buSzTx/>
+              <a:buFont typeface="Arial" panose="020B0604020202020204" pitchFamily="34" charset="0"/>
+              <a:buChar char="•"/>
+              <a:tabLst/>
+              <a:defRPr/>
+            </a:pPr>
+            <a:r>
+              <a:rPr lang="en-US" b="0" baseline="0" dirty="0" smtClean="0"/>
+              <a:t>Go back to runExample4 and show what happens when %s changed to %d.  Using F# is like using a language that automatically writes an entire class of unit tests for you at compile time.</a:t>
+            </a:r>
+          </a:p>
+          <a:p>
+            <a:pPr marL="0" marR="0" lvl="0" indent="0" algn="l" defTabSz="914400" rtl="0" eaLnBrk="1" fontAlgn="auto" latinLnBrk="0" hangingPunct="1">
+              <a:lnSpc>
+                <a:spcPct val="100000"/>
+              </a:lnSpc>
+              <a:spcBef>
+                <a:spcPts val="0"/>
+              </a:spcBef>
+              <a:spcAft>
+                <a:spcPts val="0"/>
+              </a:spcAft>
+              <a:buClrTx/>
+              <a:buSzTx/>
+              <a:buFont typeface="Arial" panose="020B0604020202020204" pitchFamily="34" charset="0"/>
+              <a:buNone/>
+              <a:tabLst/>
+              <a:defRPr/>
+            </a:pPr>
+            <a:endParaRPr lang="en-US" b="0" baseline="0" dirty="0" smtClean="0"/>
+          </a:p>
+          <a:p>
+            <a:pPr marL="0" marR="0" lvl="0" indent="0" algn="l" defTabSz="914400" rtl="0" eaLnBrk="1" fontAlgn="auto" latinLnBrk="0" hangingPunct="1">
+              <a:lnSpc>
+                <a:spcPct val="100000"/>
+              </a:lnSpc>
+              <a:spcBef>
+                <a:spcPts val="0"/>
+              </a:spcBef>
+              <a:spcAft>
+                <a:spcPts val="0"/>
+              </a:spcAft>
+              <a:buClrTx/>
+              <a:buSzTx/>
+              <a:buFont typeface="Arial" panose="020B0604020202020204" pitchFamily="34" charset="0"/>
+              <a:buNone/>
+              <a:tabLst/>
+              <a:defRPr/>
+            </a:pPr>
+            <a:r>
+              <a:rPr lang="en-US" b="1" baseline="0" dirty="0" smtClean="0"/>
+              <a:t>Dependency injection</a:t>
+            </a:r>
+          </a:p>
+          <a:p>
+            <a:pPr marL="0" marR="0" lvl="0" indent="0" algn="l" defTabSz="914400" rtl="0" eaLnBrk="1" fontAlgn="auto" latinLnBrk="0" hangingPunct="1">
+              <a:lnSpc>
+                <a:spcPct val="100000"/>
+              </a:lnSpc>
+              <a:spcBef>
+                <a:spcPts val="0"/>
+              </a:spcBef>
+              <a:spcAft>
+                <a:spcPts val="0"/>
+              </a:spcAft>
+              <a:buClrTx/>
+              <a:buSzTx/>
+              <a:buFont typeface="Arial" panose="020B0604020202020204" pitchFamily="34" charset="0"/>
+              <a:buNone/>
+              <a:tabLst/>
+              <a:defRPr/>
+            </a:pPr>
+            <a:endParaRPr lang="en-US" b="0" baseline="0" dirty="0" smtClean="0"/>
+          </a:p>
+          <a:p>
+            <a:pPr marL="171450" marR="0" lvl="0" indent="-171450" algn="l" defTabSz="914400" rtl="0" eaLnBrk="1" fontAlgn="auto" latinLnBrk="0" hangingPunct="1">
+              <a:lnSpc>
+                <a:spcPct val="100000"/>
+              </a:lnSpc>
+              <a:spcBef>
+                <a:spcPts val="0"/>
+              </a:spcBef>
+              <a:spcAft>
+                <a:spcPts val="0"/>
+              </a:spcAft>
+              <a:buClrTx/>
+              <a:buSzTx/>
+              <a:buFont typeface="Arial" panose="020B0604020202020204" pitchFamily="34" charset="0"/>
+              <a:buChar char="•"/>
+              <a:tabLst/>
+              <a:defRPr/>
+            </a:pPr>
+            <a:r>
+              <a:rPr lang="en-US" b="0" baseline="0" dirty="0" smtClean="0"/>
+              <a:t>runExample4WithFunc</a:t>
+            </a:r>
+          </a:p>
+          <a:p>
+            <a:pPr marL="628650" marR="0" lvl="1" indent="-171450" algn="l" defTabSz="914400" rtl="0" eaLnBrk="1" fontAlgn="auto" latinLnBrk="0" hangingPunct="1">
+              <a:lnSpc>
+                <a:spcPct val="100000"/>
+              </a:lnSpc>
+              <a:spcBef>
+                <a:spcPts val="0"/>
+              </a:spcBef>
+              <a:spcAft>
+                <a:spcPts val="0"/>
+              </a:spcAft>
+              <a:buClrTx/>
+              <a:buSzTx/>
+              <a:buFont typeface="Arial" panose="020B0604020202020204" pitchFamily="34" charset="0"/>
+              <a:buChar char="•"/>
+              <a:tabLst/>
+              <a:defRPr/>
+            </a:pPr>
+            <a:r>
+              <a:rPr lang="en-US" b="0" baseline="0" dirty="0" smtClean="0"/>
+              <a:t>Pass the send message function from runExample4 as a parameter so we can demonstrate DI</a:t>
+            </a:r>
+          </a:p>
+          <a:p>
+            <a:pPr marL="171450" marR="0" lvl="0" indent="-171450" algn="l" defTabSz="914400" rtl="0" eaLnBrk="1" fontAlgn="auto" latinLnBrk="0" hangingPunct="1">
+              <a:lnSpc>
+                <a:spcPct val="100000"/>
+              </a:lnSpc>
+              <a:spcBef>
+                <a:spcPts val="0"/>
+              </a:spcBef>
+              <a:spcAft>
+                <a:spcPts val="0"/>
+              </a:spcAft>
+              <a:buClrTx/>
+              <a:buSzTx/>
+              <a:buFont typeface="Arial" panose="020B0604020202020204" pitchFamily="34" charset="0"/>
+              <a:buChar char="•"/>
+              <a:tabLst/>
+              <a:defRPr/>
+            </a:pPr>
+            <a:r>
+              <a:rPr lang="en-US" b="0" baseline="0" dirty="0" smtClean="0"/>
+              <a:t>Main entry point at bottom, show use of runExample4WithFunc</a:t>
+            </a:r>
+          </a:p>
+          <a:p>
+            <a:pPr marL="171450" marR="0" lvl="0" indent="-171450" algn="l" defTabSz="914400" rtl="0" eaLnBrk="1" fontAlgn="auto" latinLnBrk="0" hangingPunct="1">
+              <a:lnSpc>
+                <a:spcPct val="100000"/>
+              </a:lnSpc>
+              <a:spcBef>
+                <a:spcPts val="0"/>
+              </a:spcBef>
+              <a:spcAft>
+                <a:spcPts val="0"/>
+              </a:spcAft>
+              <a:buClrTx/>
+              <a:buSzTx/>
+              <a:buFont typeface="Arial" panose="020B0604020202020204" pitchFamily="34" charset="0"/>
+              <a:buChar char="•"/>
+              <a:tabLst/>
+              <a:defRPr/>
+            </a:pPr>
+            <a:endParaRPr lang="en-US" b="0" baseline="0" dirty="0" smtClean="0"/>
+          </a:p>
+          <a:p>
+            <a:pPr marL="628650" lvl="1" indent="-171450">
+              <a:buFont typeface="Arial" panose="020B0604020202020204" pitchFamily="34" charset="0"/>
+              <a:buChar char="•"/>
+            </a:pPr>
+            <a:endParaRPr lang="en-US" b="0" baseline="0" dirty="0" smtClean="0"/>
+          </a:p>
+          <a:p>
+            <a:pPr marL="628650" lvl="1" indent="-171450">
+              <a:buFont typeface="Arial" panose="020B0604020202020204" pitchFamily="34" charset="0"/>
+              <a:buChar char="•"/>
+            </a:pPr>
+            <a:endParaRPr lang="en-US" b="0" baseline="0" dirty="0" smtClean="0"/>
           </a:p>
         </p:txBody>
       </p:sp>
@@ -3436,7 +3765,7 @@
     </p:spTree>
     <p:extLst>
       <p:ext uri="{BB962C8B-B14F-4D97-AF65-F5344CB8AC3E}">
-        <p14:creationId xmlns:p14="http://schemas.microsoft.com/office/powerpoint/2010/main" val="2730399534"/>
+        <p14:creationId xmlns:p14="http://schemas.microsoft.com/office/powerpoint/2010/main" val="2016749179"/>
       </p:ext>
     </p:extLst>
   </p:cSld>
@@ -6390,1948 +6719,6 @@
 </file>
 
 <file path=ppt/slides/slide10.xml><?xml version="1.0" encoding="utf-8"?>
-<p:sld xmlns:a="http://schemas.openxmlformats.org/drawingml/2006/main" xmlns:r="http://schemas.openxmlformats.org/officeDocument/2006/relationships" xmlns:p="http://schemas.openxmlformats.org/presentationml/2006/main">
-  <p:cSld>
-    <p:spTree>
-      <p:nvGrpSpPr>
-        <p:cNvPr id="1" name=""/>
-        <p:cNvGrpSpPr/>
-        <p:nvPr/>
-      </p:nvGrpSpPr>
-      <p:grpSpPr>
-        <a:xfrm>
-          <a:off x="0" y="0"/>
-          <a:ext cx="0" cy="0"/>
-          <a:chOff x="0" y="0"/>
-          <a:chExt cx="0" cy="0"/>
-        </a:xfrm>
-      </p:grpSpPr>
-      <p:sp>
-        <p:nvSpPr>
-          <p:cNvPr id="2" name="Title 1"/>
-          <p:cNvSpPr>
-            <a:spLocks noGrp="1"/>
-          </p:cNvSpPr>
-          <p:nvPr>
-            <p:ph type="title"/>
-          </p:nvPr>
-        </p:nvSpPr>
-        <p:spPr/>
-        <p:txBody>
-          <a:bodyPr/>
-          <a:lstStyle/>
-          <a:p>
-            <a:r>
-              <a:rPr lang="en-US" dirty="0" smtClean="0"/>
-              <a:t>BONUS!  Sneak Peek…</a:t>
-            </a:r>
-            <a:endParaRPr lang="en-US" dirty="0"/>
-          </a:p>
-        </p:txBody>
-      </p:sp>
-      <p:sp>
-        <p:nvSpPr>
-          <p:cNvPr id="3" name="Content Placeholder 2"/>
-          <p:cNvSpPr>
-            <a:spLocks noGrp="1"/>
-          </p:cNvSpPr>
-          <p:nvPr>
-            <p:ph idx="1"/>
-          </p:nvPr>
-        </p:nvSpPr>
-        <p:spPr/>
-        <p:txBody>
-          <a:bodyPr/>
-          <a:lstStyle/>
-          <a:p>
-            <a:r>
-              <a:rPr lang="en-US" dirty="0" smtClean="0"/>
-              <a:t>Real-world Web Applications using F#</a:t>
-            </a:r>
-          </a:p>
-          <a:p>
-            <a:r>
-              <a:rPr lang="en-US" dirty="0" smtClean="0"/>
-              <a:t>F# is stable, fully supported by Microsoft, and ready for production use</a:t>
-            </a:r>
-          </a:p>
-        </p:txBody>
-      </p:sp>
-    </p:spTree>
-    <p:extLst>
-      <p:ext uri="{BB962C8B-B14F-4D97-AF65-F5344CB8AC3E}">
-        <p14:creationId xmlns:p14="http://schemas.microsoft.com/office/powerpoint/2010/main" val="2375470387"/>
-      </p:ext>
-    </p:extLst>
-  </p:cSld>
-  <p:clrMapOvr>
-    <a:masterClrMapping/>
-  </p:clrMapOvr>
-  <p:timing>
-    <p:tnLst>
-      <p:par>
-        <p:cTn id="1" dur="indefinite" restart="never" nodeType="tmRoot"/>
-      </p:par>
-    </p:tnLst>
-  </p:timing>
-</p:sld>
-</file>
-
-<file path=ppt/slides/slide2.xml><?xml version="1.0" encoding="utf-8"?>
-<p:sld xmlns:a="http://schemas.openxmlformats.org/drawingml/2006/main" xmlns:r="http://schemas.openxmlformats.org/officeDocument/2006/relationships" xmlns:p="http://schemas.openxmlformats.org/presentationml/2006/main">
-  <p:cSld>
-    <p:spTree>
-      <p:nvGrpSpPr>
-        <p:cNvPr id="1" name=""/>
-        <p:cNvGrpSpPr/>
-        <p:nvPr/>
-      </p:nvGrpSpPr>
-      <p:grpSpPr>
-        <a:xfrm>
-          <a:off x="0" y="0"/>
-          <a:ext cx="0" cy="0"/>
-          <a:chOff x="0" y="0"/>
-          <a:chExt cx="0" cy="0"/>
-        </a:xfrm>
-      </p:grpSpPr>
-      <p:sp>
-        <p:nvSpPr>
-          <p:cNvPr id="2" name="Title 1"/>
-          <p:cNvSpPr>
-            <a:spLocks noGrp="1"/>
-          </p:cNvSpPr>
-          <p:nvPr>
-            <p:ph type="ctrTitle"/>
-          </p:nvPr>
-        </p:nvSpPr>
-        <p:spPr/>
-        <p:txBody>
-          <a:bodyPr/>
-          <a:lstStyle/>
-          <a:p>
-            <a:r>
-              <a:rPr lang="en-US" dirty="0" smtClean="0"/>
-              <a:t>What is F#?</a:t>
-            </a:r>
-            <a:endParaRPr lang="en-US" dirty="0"/>
-          </a:p>
-        </p:txBody>
-      </p:sp>
-      <p:sp>
-        <p:nvSpPr>
-          <p:cNvPr id="3" name="Subtitle 2"/>
-          <p:cNvSpPr>
-            <a:spLocks noGrp="1"/>
-          </p:cNvSpPr>
-          <p:nvPr>
-            <p:ph type="subTitle" idx="1"/>
-          </p:nvPr>
-        </p:nvSpPr>
-        <p:spPr/>
-        <p:txBody>
-          <a:bodyPr/>
-          <a:lstStyle/>
-          <a:p>
-            <a:r>
-              <a:rPr lang="en-US" dirty="0" smtClean="0"/>
-              <a:t>F# is a mature, open source, cross-platform, functional-first programming language. It empowers users and organizations to tackle complex computing problems with simple, maintainable and robust code.</a:t>
-            </a:r>
-            <a:endParaRPr lang="en-US" dirty="0"/>
-          </a:p>
-        </p:txBody>
-      </p:sp>
-      <p:sp>
-        <p:nvSpPr>
-          <p:cNvPr id="4" name="TextBox 3"/>
-          <p:cNvSpPr txBox="1"/>
-          <p:nvPr/>
-        </p:nvSpPr>
-        <p:spPr>
-          <a:xfrm>
-            <a:off x="5123688" y="1303703"/>
-            <a:ext cx="1944624" cy="369332"/>
-          </a:xfrm>
-          <a:prstGeom prst="rect">
-            <a:avLst/>
-          </a:prstGeom>
-          <a:noFill/>
-        </p:spPr>
-        <p:txBody>
-          <a:bodyPr wrap="square" rtlCol="0">
-            <a:spAutoFit/>
-          </a:bodyPr>
-          <a:lstStyle/>
-          <a:p>
-            <a:r>
-              <a:rPr lang="en-US" dirty="0" smtClean="0">
-                <a:hlinkClick r:id="rId3"/>
-              </a:rPr>
-              <a:t>http://fsharp.org/</a:t>
-            </a:r>
-            <a:r>
-              <a:rPr lang="en-US" dirty="0" smtClean="0"/>
-              <a:t> </a:t>
-            </a:r>
-            <a:endParaRPr lang="en-US" dirty="0"/>
-          </a:p>
-        </p:txBody>
-      </p:sp>
-    </p:spTree>
-    <p:extLst>
-      <p:ext uri="{BB962C8B-B14F-4D97-AF65-F5344CB8AC3E}">
-        <p14:creationId xmlns:p14="http://schemas.microsoft.com/office/powerpoint/2010/main" val="2403277700"/>
-      </p:ext>
-    </p:extLst>
-  </p:cSld>
-  <p:clrMapOvr>
-    <a:masterClrMapping/>
-  </p:clrMapOvr>
-  <p:timing>
-    <p:tnLst>
-      <p:par>
-        <p:cTn id="1" dur="indefinite" restart="never" nodeType="tmRoot"/>
-      </p:par>
-    </p:tnLst>
-  </p:timing>
-</p:sld>
-</file>
-
-<file path=ppt/slides/slide3.xml><?xml version="1.0" encoding="utf-8"?>
-<p:sld xmlns:a="http://schemas.openxmlformats.org/drawingml/2006/main" xmlns:r="http://schemas.openxmlformats.org/officeDocument/2006/relationships" xmlns:p="http://schemas.openxmlformats.org/presentationml/2006/main">
-  <p:cSld>
-    <p:spTree>
-      <p:nvGrpSpPr>
-        <p:cNvPr id="1" name=""/>
-        <p:cNvGrpSpPr/>
-        <p:nvPr/>
-      </p:nvGrpSpPr>
-      <p:grpSpPr>
-        <a:xfrm>
-          <a:off x="0" y="0"/>
-          <a:ext cx="0" cy="0"/>
-          <a:chOff x="0" y="0"/>
-          <a:chExt cx="0" cy="0"/>
-        </a:xfrm>
-      </p:grpSpPr>
-      <p:sp>
-        <p:nvSpPr>
-          <p:cNvPr id="2" name="Title 1"/>
-          <p:cNvSpPr>
-            <a:spLocks noGrp="1"/>
-          </p:cNvSpPr>
-          <p:nvPr>
-            <p:ph type="ctrTitle"/>
-          </p:nvPr>
-        </p:nvSpPr>
-        <p:spPr/>
-        <p:txBody>
-          <a:bodyPr/>
-          <a:lstStyle/>
-          <a:p>
-            <a:r>
-              <a:rPr lang="en-US" dirty="0" smtClean="0"/>
-              <a:t>Demo</a:t>
-            </a:r>
-            <a:endParaRPr lang="en-US" dirty="0"/>
-          </a:p>
-        </p:txBody>
-      </p:sp>
-      <p:sp>
-        <p:nvSpPr>
-          <p:cNvPr id="3" name="Subtitle 2"/>
-          <p:cNvSpPr>
-            <a:spLocks noGrp="1"/>
-          </p:cNvSpPr>
-          <p:nvPr>
-            <p:ph type="subTitle" idx="1"/>
-          </p:nvPr>
-        </p:nvSpPr>
-        <p:spPr/>
-        <p:txBody>
-          <a:bodyPr/>
-          <a:lstStyle/>
-          <a:p>
-            <a:r>
-              <a:rPr lang="en-US" dirty="0" smtClean="0"/>
-              <a:t>What does F# look like?</a:t>
-            </a:r>
-            <a:endParaRPr lang="en-US" dirty="0"/>
-          </a:p>
-        </p:txBody>
-      </p:sp>
-    </p:spTree>
-    <p:extLst>
-      <p:ext uri="{BB962C8B-B14F-4D97-AF65-F5344CB8AC3E}">
-        <p14:creationId xmlns:p14="http://schemas.microsoft.com/office/powerpoint/2010/main" val="3072843111"/>
-      </p:ext>
-    </p:extLst>
-  </p:cSld>
-  <p:clrMapOvr>
-    <a:masterClrMapping/>
-  </p:clrMapOvr>
-  <p:timing>
-    <p:tnLst>
-      <p:par>
-        <p:cTn id="1" dur="indefinite" restart="never" nodeType="tmRoot"/>
-      </p:par>
-    </p:tnLst>
-  </p:timing>
-</p:sld>
-</file>
-
-<file path=ppt/slides/slide4.xml><?xml version="1.0" encoding="utf-8"?>
-<p:sld xmlns:a="http://schemas.openxmlformats.org/drawingml/2006/main" xmlns:r="http://schemas.openxmlformats.org/officeDocument/2006/relationships" xmlns:p="http://schemas.openxmlformats.org/presentationml/2006/main">
-  <p:cSld>
-    <p:spTree>
-      <p:nvGrpSpPr>
-        <p:cNvPr id="1" name=""/>
-        <p:cNvGrpSpPr/>
-        <p:nvPr/>
-      </p:nvGrpSpPr>
-      <p:grpSpPr>
-        <a:xfrm>
-          <a:off x="0" y="0"/>
-          <a:ext cx="0" cy="0"/>
-          <a:chOff x="0" y="0"/>
-          <a:chExt cx="0" cy="0"/>
-        </a:xfrm>
-      </p:grpSpPr>
-      <p:sp>
-        <p:nvSpPr>
-          <p:cNvPr id="2" name="Title 1"/>
-          <p:cNvSpPr>
-            <a:spLocks noGrp="1"/>
-          </p:cNvSpPr>
-          <p:nvPr>
-            <p:ph type="ctrTitle"/>
-          </p:nvPr>
-        </p:nvSpPr>
-        <p:spPr/>
-        <p:txBody>
-          <a:bodyPr/>
-          <a:lstStyle/>
-          <a:p>
-            <a:r>
-              <a:rPr lang="en-US" dirty="0" smtClean="0"/>
-              <a:t>Demo</a:t>
-            </a:r>
-            <a:endParaRPr lang="en-US" dirty="0"/>
-          </a:p>
-        </p:txBody>
-      </p:sp>
-      <p:sp>
-        <p:nvSpPr>
-          <p:cNvPr id="3" name="Subtitle 2"/>
-          <p:cNvSpPr>
-            <a:spLocks noGrp="1"/>
-          </p:cNvSpPr>
-          <p:nvPr>
-            <p:ph type="subTitle" idx="1"/>
-          </p:nvPr>
-        </p:nvSpPr>
-        <p:spPr/>
-        <p:txBody>
-          <a:bodyPr/>
-          <a:lstStyle/>
-          <a:p>
-            <a:r>
-              <a:rPr lang="en-US" dirty="0" smtClean="0"/>
-              <a:t>A simple application to send messages to people.  Names are loaded from a file, then a message is output to the console for each name.  Same application used in the C# </a:t>
-            </a:r>
-            <a:r>
-              <a:rPr lang="en-US" dirty="0" err="1" smtClean="0"/>
-              <a:t>Ninject</a:t>
-            </a:r>
-            <a:r>
-              <a:rPr lang="en-US" dirty="0" smtClean="0"/>
-              <a:t> talk.</a:t>
-            </a:r>
-            <a:endParaRPr lang="en-US" dirty="0"/>
-          </a:p>
-        </p:txBody>
-      </p:sp>
-    </p:spTree>
-    <p:extLst>
-      <p:ext uri="{BB962C8B-B14F-4D97-AF65-F5344CB8AC3E}">
-        <p14:creationId xmlns:p14="http://schemas.microsoft.com/office/powerpoint/2010/main" val="698164954"/>
-      </p:ext>
-    </p:extLst>
-  </p:cSld>
-  <p:clrMapOvr>
-    <a:masterClrMapping/>
-  </p:clrMapOvr>
-  <p:timing>
-    <p:tnLst>
-      <p:par>
-        <p:cTn id="1" dur="indefinite" restart="never" nodeType="tmRoot"/>
-      </p:par>
-    </p:tnLst>
-  </p:timing>
-</p:sld>
-</file>
-
-<file path=ppt/slides/slide5.xml><?xml version="1.0" encoding="utf-8"?>
-<p:sld xmlns:a="http://schemas.openxmlformats.org/drawingml/2006/main" xmlns:r="http://schemas.openxmlformats.org/officeDocument/2006/relationships" xmlns:p="http://schemas.openxmlformats.org/presentationml/2006/main">
-  <p:cSld>
-    <p:spTree>
-      <p:nvGrpSpPr>
-        <p:cNvPr id="1" name=""/>
-        <p:cNvGrpSpPr/>
-        <p:nvPr/>
-      </p:nvGrpSpPr>
-      <p:grpSpPr>
-        <a:xfrm>
-          <a:off x="0" y="0"/>
-          <a:ext cx="0" cy="0"/>
-          <a:chOff x="0" y="0"/>
-          <a:chExt cx="0" cy="0"/>
-        </a:xfrm>
-      </p:grpSpPr>
-      <p:sp>
-        <p:nvSpPr>
-          <p:cNvPr id="2" name="Title 1"/>
-          <p:cNvSpPr>
-            <a:spLocks noGrp="1"/>
-          </p:cNvSpPr>
-          <p:nvPr>
-            <p:ph type="title"/>
-          </p:nvPr>
-        </p:nvSpPr>
-        <p:spPr/>
-        <p:txBody>
-          <a:bodyPr/>
-          <a:lstStyle/>
-          <a:p>
-            <a:r>
-              <a:rPr lang="en-US" dirty="0" smtClean="0"/>
-              <a:t>Step 1 – Translate C# directly into F#</a:t>
-            </a:r>
-            <a:endParaRPr lang="en-US" dirty="0"/>
-          </a:p>
-        </p:txBody>
-      </p:sp>
-      <p:sp>
-        <p:nvSpPr>
-          <p:cNvPr id="3" name="Content Placeholder 2"/>
-          <p:cNvSpPr>
-            <a:spLocks noGrp="1"/>
-          </p:cNvSpPr>
-          <p:nvPr>
-            <p:ph idx="1"/>
-          </p:nvPr>
-        </p:nvSpPr>
-        <p:spPr/>
-        <p:txBody>
-          <a:bodyPr/>
-          <a:lstStyle/>
-          <a:p>
-            <a:r>
-              <a:rPr lang="en-US" dirty="0" smtClean="0"/>
-              <a:t>Translate Step 1 of the C# code into F# using OOP</a:t>
-            </a:r>
-          </a:p>
-          <a:p>
-            <a:pPr marL="0" indent="0">
-              <a:buNone/>
-            </a:pPr>
-            <a:endParaRPr lang="en-US" dirty="0" smtClean="0"/>
-          </a:p>
-          <a:p>
-            <a:r>
-              <a:rPr lang="en-US" dirty="0" smtClean="0"/>
-              <a:t>Compare F# code to C#</a:t>
-            </a:r>
-          </a:p>
-          <a:p>
-            <a:pPr lvl="1"/>
-            <a:r>
-              <a:rPr lang="en-US" dirty="0" smtClean="0"/>
-              <a:t>Less ceremony</a:t>
-            </a:r>
-          </a:p>
-          <a:p>
-            <a:pPr lvl="1"/>
-            <a:r>
-              <a:rPr lang="en-US" dirty="0" smtClean="0"/>
-              <a:t>Very terse in comparison</a:t>
-            </a:r>
-            <a:endParaRPr lang="en-US" dirty="0"/>
-          </a:p>
-        </p:txBody>
-      </p:sp>
-    </p:spTree>
-    <p:extLst>
-      <p:ext uri="{BB962C8B-B14F-4D97-AF65-F5344CB8AC3E}">
-        <p14:creationId xmlns:p14="http://schemas.microsoft.com/office/powerpoint/2010/main" val="587640384"/>
-      </p:ext>
-    </p:extLst>
-  </p:cSld>
-  <p:clrMapOvr>
-    <a:masterClrMapping/>
-  </p:clrMapOvr>
-  <p:timing>
-    <p:tnLst>
-      <p:par>
-        <p:cTn id="1" dur="indefinite" restart="never" nodeType="tmRoot">
-          <p:childTnLst>
-            <p:seq concurrent="1" nextAc="seek">
-              <p:cTn id="2" dur="indefinite" nodeType="mainSeq">
-                <p:childTnLst>
-                  <p:par>
-                    <p:cTn id="3" fill="hold">
-                      <p:stCondLst>
-                        <p:cond delay="indefinite"/>
-                      </p:stCondLst>
-                      <p:childTnLst>
-                        <p:par>
-                          <p:cTn id="4" fill="hold">
-                            <p:stCondLst>
-                              <p:cond delay="0"/>
-                            </p:stCondLst>
-                            <p:childTnLst>
-                              <p:par>
-                                <p:cTn id="5" presetID="1" presetClass="entr" presetSubtype="0" fill="hold" nodeType="clickEffect">
-                                  <p:stCondLst>
-                                    <p:cond delay="0"/>
-                                  </p:stCondLst>
-                                  <p:childTnLst>
-                                    <p:set>
-                                      <p:cBhvr>
-                                        <p:cTn id="6" dur="1" fill="hold">
-                                          <p:stCondLst>
-                                            <p:cond delay="0"/>
-                                          </p:stCondLst>
-                                        </p:cTn>
-                                        <p:tgtEl>
-                                          <p:spTgt spid="3">
-                                            <p:txEl>
-                                              <p:pRg st="0" end="0"/>
-                                            </p:txEl>
-                                          </p:spTgt>
-                                        </p:tgtEl>
-                                        <p:attrNameLst>
-                                          <p:attrName>style.visibility</p:attrName>
-                                        </p:attrNameLst>
-                                      </p:cBhvr>
-                                      <p:to>
-                                        <p:strVal val="visible"/>
-                                      </p:to>
-                                    </p:set>
-                                  </p:childTnLst>
-                                </p:cTn>
-                              </p:par>
-                            </p:childTnLst>
-                          </p:cTn>
-                        </p:par>
-                      </p:childTnLst>
-                    </p:cTn>
-                  </p:par>
-                  <p:par>
-                    <p:cTn id="7" fill="hold">
-                      <p:stCondLst>
-                        <p:cond delay="indefinite"/>
-                      </p:stCondLst>
-                      <p:childTnLst>
-                        <p:par>
-                          <p:cTn id="8" fill="hold">
-                            <p:stCondLst>
-                              <p:cond delay="0"/>
-                            </p:stCondLst>
-                            <p:childTnLst>
-                              <p:par>
-                                <p:cTn id="9" presetID="2" presetClass="entr" presetSubtype="4" fill="hold" nodeType="clickEffect">
-                                  <p:stCondLst>
-                                    <p:cond delay="0"/>
-                                  </p:stCondLst>
-                                  <p:childTnLst>
-                                    <p:set>
-                                      <p:cBhvr>
-                                        <p:cTn id="10" dur="1" fill="hold">
-                                          <p:stCondLst>
-                                            <p:cond delay="0"/>
-                                          </p:stCondLst>
-                                        </p:cTn>
-                                        <p:tgtEl>
-                                          <p:spTgt spid="3">
-                                            <p:txEl>
-                                              <p:pRg st="2" end="2"/>
-                                            </p:txEl>
-                                          </p:spTgt>
-                                        </p:tgtEl>
-                                        <p:attrNameLst>
-                                          <p:attrName>style.visibility</p:attrName>
-                                        </p:attrNameLst>
-                                      </p:cBhvr>
-                                      <p:to>
-                                        <p:strVal val="visible"/>
-                                      </p:to>
-                                    </p:set>
-                                    <p:anim calcmode="lin" valueType="num">
-                                      <p:cBhvr additive="base">
-                                        <p:cTn id="11" dur="500" fill="hold"/>
-                                        <p:tgtEl>
-                                          <p:spTgt spid="3">
-                                            <p:txEl>
-                                              <p:pRg st="2" end="2"/>
-                                            </p:txEl>
-                                          </p:spTgt>
-                                        </p:tgtEl>
-                                        <p:attrNameLst>
-                                          <p:attrName>ppt_x</p:attrName>
-                                        </p:attrNameLst>
-                                      </p:cBhvr>
-                                      <p:tavLst>
-                                        <p:tav tm="0">
-                                          <p:val>
-                                            <p:strVal val="#ppt_x"/>
-                                          </p:val>
-                                        </p:tav>
-                                        <p:tav tm="100000">
-                                          <p:val>
-                                            <p:strVal val="#ppt_x"/>
-                                          </p:val>
-                                        </p:tav>
-                                      </p:tavLst>
-                                    </p:anim>
-                                    <p:anim calcmode="lin" valueType="num">
-                                      <p:cBhvr additive="base">
-                                        <p:cTn id="12" dur="500" fill="hold"/>
-                                        <p:tgtEl>
-                                          <p:spTgt spid="3">
-                                            <p:txEl>
-                                              <p:pRg st="2" end="2"/>
-                                            </p:txEl>
-                                          </p:spTgt>
-                                        </p:tgtEl>
-                                        <p:attrNameLst>
-                                          <p:attrName>ppt_y</p:attrName>
-                                        </p:attrNameLst>
-                                      </p:cBhvr>
-                                      <p:tavLst>
-                                        <p:tav tm="0">
-                                          <p:val>
-                                            <p:strVal val="1+#ppt_h/2"/>
-                                          </p:val>
-                                        </p:tav>
-                                        <p:tav tm="100000">
-                                          <p:val>
-                                            <p:strVal val="#ppt_y"/>
-                                          </p:val>
-                                        </p:tav>
-                                      </p:tavLst>
-                                    </p:anim>
-                                  </p:childTnLst>
-                                </p:cTn>
-                              </p:par>
-                              <p:par>
-                                <p:cTn id="13" presetID="2" presetClass="entr" presetSubtype="4" fill="hold" nodeType="withEffect">
-                                  <p:stCondLst>
-                                    <p:cond delay="0"/>
-                                  </p:stCondLst>
-                                  <p:childTnLst>
-                                    <p:set>
-                                      <p:cBhvr>
-                                        <p:cTn id="14" dur="1" fill="hold">
-                                          <p:stCondLst>
-                                            <p:cond delay="0"/>
-                                          </p:stCondLst>
-                                        </p:cTn>
-                                        <p:tgtEl>
-                                          <p:spTgt spid="3">
-                                            <p:txEl>
-                                              <p:pRg st="3" end="3"/>
-                                            </p:txEl>
-                                          </p:spTgt>
-                                        </p:tgtEl>
-                                        <p:attrNameLst>
-                                          <p:attrName>style.visibility</p:attrName>
-                                        </p:attrNameLst>
-                                      </p:cBhvr>
-                                      <p:to>
-                                        <p:strVal val="visible"/>
-                                      </p:to>
-                                    </p:set>
-                                    <p:anim calcmode="lin" valueType="num">
-                                      <p:cBhvr additive="base">
-                                        <p:cTn id="15" dur="500" fill="hold"/>
-                                        <p:tgtEl>
-                                          <p:spTgt spid="3">
-                                            <p:txEl>
-                                              <p:pRg st="3" end="3"/>
-                                            </p:txEl>
-                                          </p:spTgt>
-                                        </p:tgtEl>
-                                        <p:attrNameLst>
-                                          <p:attrName>ppt_x</p:attrName>
-                                        </p:attrNameLst>
-                                      </p:cBhvr>
-                                      <p:tavLst>
-                                        <p:tav tm="0">
-                                          <p:val>
-                                            <p:strVal val="#ppt_x"/>
-                                          </p:val>
-                                        </p:tav>
-                                        <p:tav tm="100000">
-                                          <p:val>
-                                            <p:strVal val="#ppt_x"/>
-                                          </p:val>
-                                        </p:tav>
-                                      </p:tavLst>
-                                    </p:anim>
-                                    <p:anim calcmode="lin" valueType="num">
-                                      <p:cBhvr additive="base">
-                                        <p:cTn id="16" dur="500" fill="hold"/>
-                                        <p:tgtEl>
-                                          <p:spTgt spid="3">
-                                            <p:txEl>
-                                              <p:pRg st="3" end="3"/>
-                                            </p:txEl>
-                                          </p:spTgt>
-                                        </p:tgtEl>
-                                        <p:attrNameLst>
-                                          <p:attrName>ppt_y</p:attrName>
-                                        </p:attrNameLst>
-                                      </p:cBhvr>
-                                      <p:tavLst>
-                                        <p:tav tm="0">
-                                          <p:val>
-                                            <p:strVal val="1+#ppt_h/2"/>
-                                          </p:val>
-                                        </p:tav>
-                                        <p:tav tm="100000">
-                                          <p:val>
-                                            <p:strVal val="#ppt_y"/>
-                                          </p:val>
-                                        </p:tav>
-                                      </p:tavLst>
-                                    </p:anim>
-                                  </p:childTnLst>
-                                </p:cTn>
-                              </p:par>
-                              <p:par>
-                                <p:cTn id="17" presetID="2" presetClass="entr" presetSubtype="4" fill="hold" nodeType="withEffect">
-                                  <p:stCondLst>
-                                    <p:cond delay="0"/>
-                                  </p:stCondLst>
-                                  <p:childTnLst>
-                                    <p:set>
-                                      <p:cBhvr>
-                                        <p:cTn id="18" dur="1" fill="hold">
-                                          <p:stCondLst>
-                                            <p:cond delay="0"/>
-                                          </p:stCondLst>
-                                        </p:cTn>
-                                        <p:tgtEl>
-                                          <p:spTgt spid="3">
-                                            <p:txEl>
-                                              <p:pRg st="4" end="4"/>
-                                            </p:txEl>
-                                          </p:spTgt>
-                                        </p:tgtEl>
-                                        <p:attrNameLst>
-                                          <p:attrName>style.visibility</p:attrName>
-                                        </p:attrNameLst>
-                                      </p:cBhvr>
-                                      <p:to>
-                                        <p:strVal val="visible"/>
-                                      </p:to>
-                                    </p:set>
-                                    <p:anim calcmode="lin" valueType="num">
-                                      <p:cBhvr additive="base">
-                                        <p:cTn id="19" dur="500" fill="hold"/>
-                                        <p:tgtEl>
-                                          <p:spTgt spid="3">
-                                            <p:txEl>
-                                              <p:pRg st="4" end="4"/>
-                                            </p:txEl>
-                                          </p:spTgt>
-                                        </p:tgtEl>
-                                        <p:attrNameLst>
-                                          <p:attrName>ppt_x</p:attrName>
-                                        </p:attrNameLst>
-                                      </p:cBhvr>
-                                      <p:tavLst>
-                                        <p:tav tm="0">
-                                          <p:val>
-                                            <p:strVal val="#ppt_x"/>
-                                          </p:val>
-                                        </p:tav>
-                                        <p:tav tm="100000">
-                                          <p:val>
-                                            <p:strVal val="#ppt_x"/>
-                                          </p:val>
-                                        </p:tav>
-                                      </p:tavLst>
-                                    </p:anim>
-                                    <p:anim calcmode="lin" valueType="num">
-                                      <p:cBhvr additive="base">
-                                        <p:cTn id="20" dur="500" fill="hold"/>
-                                        <p:tgtEl>
-                                          <p:spTgt spid="3">
-                                            <p:txEl>
-                                              <p:pRg st="4" end="4"/>
-                                            </p:txEl>
-                                          </p:spTgt>
-                                        </p:tgtEl>
-                                        <p:attrNameLst>
-                                          <p:attrName>ppt_y</p:attrName>
-                                        </p:attrNameLst>
-                                      </p:cBhvr>
-                                      <p:tavLst>
-                                        <p:tav tm="0">
-                                          <p:val>
-                                            <p:strVal val="1+#ppt_h/2"/>
-                                          </p:val>
-                                        </p:tav>
-                                        <p:tav tm="100000">
-                                          <p:val>
-                                            <p:strVal val="#ppt_y"/>
-                                          </p:val>
-                                        </p:tav>
-                                      </p:tavLst>
-                                    </p:anim>
-                                  </p:childTnLst>
-                                </p:cTn>
-                              </p:par>
-                            </p:childTnLst>
-                          </p:cTn>
-                        </p:par>
-                      </p:childTnLst>
-                    </p:cTn>
-                  </p:par>
-                </p:childTnLst>
-              </p:cTn>
-              <p:prevCondLst>
-                <p:cond evt="onPrev" delay="0">
-                  <p:tgtEl>
-                    <p:sldTgt/>
-                  </p:tgtEl>
-                </p:cond>
-              </p:prevCondLst>
-              <p:nextCondLst>
-                <p:cond evt="onNext" delay="0">
-                  <p:tgtEl>
-                    <p:sldTgt/>
-                  </p:tgtEl>
-                </p:cond>
-              </p:nextCondLst>
-            </p:seq>
-          </p:childTnLst>
-        </p:cTn>
-      </p:par>
-    </p:tnLst>
-  </p:timing>
-</p:sld>
-</file>
-
-<file path=ppt/slides/slide6.xml><?xml version="1.0" encoding="utf-8"?>
-<p:sld xmlns:a="http://schemas.openxmlformats.org/drawingml/2006/main" xmlns:r="http://schemas.openxmlformats.org/officeDocument/2006/relationships" xmlns:p="http://schemas.openxmlformats.org/presentationml/2006/main">
-  <p:cSld>
-    <p:spTree>
-      <p:nvGrpSpPr>
-        <p:cNvPr id="1" name=""/>
-        <p:cNvGrpSpPr/>
-        <p:nvPr/>
-      </p:nvGrpSpPr>
-      <p:grpSpPr>
-        <a:xfrm>
-          <a:off x="0" y="0"/>
-          <a:ext cx="0" cy="0"/>
-          <a:chOff x="0" y="0"/>
-          <a:chExt cx="0" cy="0"/>
-        </a:xfrm>
-      </p:grpSpPr>
-      <p:sp>
-        <p:nvSpPr>
-          <p:cNvPr id="2" name="Title 1"/>
-          <p:cNvSpPr>
-            <a:spLocks noGrp="1"/>
-          </p:cNvSpPr>
-          <p:nvPr>
-            <p:ph type="title"/>
-          </p:nvPr>
-        </p:nvSpPr>
-        <p:spPr/>
-        <p:txBody>
-          <a:bodyPr/>
-          <a:lstStyle/>
-          <a:p>
-            <a:r>
-              <a:rPr lang="en-US" dirty="0" smtClean="0"/>
-              <a:t>Step 2 – Translate OO to functional style</a:t>
-            </a:r>
-            <a:endParaRPr lang="en-US" dirty="0"/>
-          </a:p>
-        </p:txBody>
-      </p:sp>
-      <p:sp>
-        <p:nvSpPr>
-          <p:cNvPr id="3" name="Content Placeholder 2"/>
-          <p:cNvSpPr>
-            <a:spLocks noGrp="1"/>
-          </p:cNvSpPr>
-          <p:nvPr>
-            <p:ph idx="1"/>
-          </p:nvPr>
-        </p:nvSpPr>
-        <p:spPr/>
-        <p:txBody>
-          <a:bodyPr>
-            <a:normAutofit lnSpcReduction="10000"/>
-          </a:bodyPr>
-          <a:lstStyle/>
-          <a:p>
-            <a:r>
-              <a:rPr lang="en-US" dirty="0" smtClean="0"/>
-              <a:t>Demo – Remove the class</a:t>
-            </a:r>
-          </a:p>
-          <a:p>
-            <a:pPr lvl="1"/>
-            <a:r>
-              <a:rPr lang="en-US" dirty="0" smtClean="0"/>
-              <a:t>Modules provide encapsulation instead of classes</a:t>
-            </a:r>
-          </a:p>
-          <a:p>
-            <a:r>
-              <a:rPr lang="en-US" dirty="0" smtClean="0"/>
-              <a:t>Demo – Introduce composition</a:t>
-            </a:r>
-          </a:p>
-          <a:p>
-            <a:pPr lvl="1"/>
-            <a:r>
-              <a:rPr lang="en-US" dirty="0" smtClean="0"/>
-              <a:t>Compose small functions together to build complex functionality</a:t>
-            </a:r>
-          </a:p>
-          <a:p>
-            <a:r>
-              <a:rPr lang="en-US" dirty="0" smtClean="0"/>
-              <a:t>Demo – Move composition up to the application root</a:t>
-            </a:r>
-          </a:p>
-          <a:p>
-            <a:pPr lvl="1"/>
-            <a:r>
-              <a:rPr lang="en-US" dirty="0" smtClean="0"/>
-              <a:t>Type signatures instead of interfaces</a:t>
-            </a:r>
-          </a:p>
-          <a:p>
-            <a:r>
-              <a:rPr lang="en-US" dirty="0" smtClean="0"/>
-              <a:t>Demo – A more functional approach</a:t>
-            </a:r>
-          </a:p>
-          <a:p>
-            <a:pPr lvl="1"/>
-            <a:r>
-              <a:rPr lang="en-US" dirty="0" smtClean="0"/>
-              <a:t>Parameter order matters in your functions as it dictates composability</a:t>
-            </a:r>
-          </a:p>
-          <a:p>
-            <a:pPr lvl="1"/>
-            <a:r>
-              <a:rPr lang="en-US" dirty="0" smtClean="0"/>
-              <a:t>Small composable functions are more reusable</a:t>
-            </a:r>
-          </a:p>
-          <a:p>
-            <a:pPr lvl="1"/>
-            <a:r>
-              <a:rPr lang="en-US" dirty="0" smtClean="0"/>
-              <a:t>Dependency Injection via partial application</a:t>
-            </a:r>
-          </a:p>
-          <a:p>
-            <a:endParaRPr lang="en-US" dirty="0"/>
-          </a:p>
-        </p:txBody>
-      </p:sp>
-    </p:spTree>
-    <p:extLst>
-      <p:ext uri="{BB962C8B-B14F-4D97-AF65-F5344CB8AC3E}">
-        <p14:creationId xmlns:p14="http://schemas.microsoft.com/office/powerpoint/2010/main" val="1436788765"/>
-      </p:ext>
-    </p:extLst>
-  </p:cSld>
-  <p:clrMapOvr>
-    <a:masterClrMapping/>
-  </p:clrMapOvr>
-  <mc:AlternateContent xmlns:mc="http://schemas.openxmlformats.org/markup-compatibility/2006">
-    <mc:Choice xmlns:p14="http://schemas.microsoft.com/office/powerpoint/2010/main" Requires="p14">
-      <p:transition spd="med" p14:dur="700">
-        <p:fade/>
-      </p:transition>
-    </mc:Choice>
-    <mc:Fallback>
-      <p:transition spd="med">
-        <p:fade/>
-      </p:transition>
-    </mc:Fallback>
-  </mc:AlternateContent>
-  <p:timing>
-    <p:tnLst>
-      <p:par>
-        <p:cTn id="1" dur="indefinite" restart="never" nodeType="tmRoot">
-          <p:childTnLst>
-            <p:seq concurrent="1" nextAc="seek">
-              <p:cTn id="2" dur="indefinite" nodeType="mainSeq">
-                <p:childTnLst>
-                  <p:par>
-                    <p:cTn id="3" fill="hold">
-                      <p:stCondLst>
-                        <p:cond delay="indefinite"/>
-                      </p:stCondLst>
-                      <p:childTnLst>
-                        <p:par>
-                          <p:cTn id="4" fill="hold">
-                            <p:stCondLst>
-                              <p:cond delay="0"/>
-                            </p:stCondLst>
-                            <p:childTnLst>
-                              <p:par>
-                                <p:cTn id="5" presetID="2" presetClass="entr" presetSubtype="4" fill="hold" grpId="0" nodeType="clickEffect">
-                                  <p:stCondLst>
-                                    <p:cond delay="0"/>
-                                  </p:stCondLst>
-                                  <p:childTnLst>
-                                    <p:set>
-                                      <p:cBhvr>
-                                        <p:cTn id="6" dur="1" fill="hold">
-                                          <p:stCondLst>
-                                            <p:cond delay="0"/>
-                                          </p:stCondLst>
-                                        </p:cTn>
-                                        <p:tgtEl>
-                                          <p:spTgt spid="3">
-                                            <p:txEl>
-                                              <p:pRg st="0" end="0"/>
-                                            </p:txEl>
-                                          </p:spTgt>
-                                        </p:tgtEl>
-                                        <p:attrNameLst>
-                                          <p:attrName>style.visibility</p:attrName>
-                                        </p:attrNameLst>
-                                      </p:cBhvr>
-                                      <p:to>
-                                        <p:strVal val="visible"/>
-                                      </p:to>
-                                    </p:set>
-                                    <p:anim calcmode="lin" valueType="num">
-                                      <p:cBhvr additive="base">
-                                        <p:cTn id="7" dur="500" fill="hold"/>
-                                        <p:tgtEl>
-                                          <p:spTgt spid="3">
-                                            <p:txEl>
-                                              <p:pRg st="0" end="0"/>
-                                            </p:txEl>
-                                          </p:spTgt>
-                                        </p:tgtEl>
-                                        <p:attrNameLst>
-                                          <p:attrName>ppt_x</p:attrName>
-                                        </p:attrNameLst>
-                                      </p:cBhvr>
-                                      <p:tavLst>
-                                        <p:tav tm="0">
-                                          <p:val>
-                                            <p:strVal val="#ppt_x"/>
-                                          </p:val>
-                                        </p:tav>
-                                        <p:tav tm="100000">
-                                          <p:val>
-                                            <p:strVal val="#ppt_x"/>
-                                          </p:val>
-                                        </p:tav>
-                                      </p:tavLst>
-                                    </p:anim>
-                                    <p:anim calcmode="lin" valueType="num">
-                                      <p:cBhvr additive="base">
-                                        <p:cTn id="8" dur="500" fill="hold"/>
-                                        <p:tgtEl>
-                                          <p:spTgt spid="3">
-                                            <p:txEl>
-                                              <p:pRg st="0" end="0"/>
-                                            </p:txEl>
-                                          </p:spTgt>
-                                        </p:tgtEl>
-                                        <p:attrNameLst>
-                                          <p:attrName>ppt_y</p:attrName>
-                                        </p:attrNameLst>
-                                      </p:cBhvr>
-                                      <p:tavLst>
-                                        <p:tav tm="0">
-                                          <p:val>
-                                            <p:strVal val="1+#ppt_h/2"/>
-                                          </p:val>
-                                        </p:tav>
-                                        <p:tav tm="100000">
-                                          <p:val>
-                                            <p:strVal val="#ppt_y"/>
-                                          </p:val>
-                                        </p:tav>
-                                      </p:tavLst>
-                                    </p:anim>
-                                  </p:childTnLst>
-                                </p:cTn>
-                              </p:par>
-                              <p:par>
-                                <p:cTn id="9" presetID="2" presetClass="entr" presetSubtype="4" fill="hold" grpId="0" nodeType="withEffect">
-                                  <p:stCondLst>
-                                    <p:cond delay="0"/>
-                                  </p:stCondLst>
-                                  <p:childTnLst>
-                                    <p:set>
-                                      <p:cBhvr>
-                                        <p:cTn id="10" dur="1" fill="hold">
-                                          <p:stCondLst>
-                                            <p:cond delay="0"/>
-                                          </p:stCondLst>
-                                        </p:cTn>
-                                        <p:tgtEl>
-                                          <p:spTgt spid="3">
-                                            <p:txEl>
-                                              <p:pRg st="1" end="1"/>
-                                            </p:txEl>
-                                          </p:spTgt>
-                                        </p:tgtEl>
-                                        <p:attrNameLst>
-                                          <p:attrName>style.visibility</p:attrName>
-                                        </p:attrNameLst>
-                                      </p:cBhvr>
-                                      <p:to>
-                                        <p:strVal val="visible"/>
-                                      </p:to>
-                                    </p:set>
-                                    <p:anim calcmode="lin" valueType="num">
-                                      <p:cBhvr additive="base">
-                                        <p:cTn id="11" dur="500" fill="hold"/>
-                                        <p:tgtEl>
-                                          <p:spTgt spid="3">
-                                            <p:txEl>
-                                              <p:pRg st="1" end="1"/>
-                                            </p:txEl>
-                                          </p:spTgt>
-                                        </p:tgtEl>
-                                        <p:attrNameLst>
-                                          <p:attrName>ppt_x</p:attrName>
-                                        </p:attrNameLst>
-                                      </p:cBhvr>
-                                      <p:tavLst>
-                                        <p:tav tm="0">
-                                          <p:val>
-                                            <p:strVal val="#ppt_x"/>
-                                          </p:val>
-                                        </p:tav>
-                                        <p:tav tm="100000">
-                                          <p:val>
-                                            <p:strVal val="#ppt_x"/>
-                                          </p:val>
-                                        </p:tav>
-                                      </p:tavLst>
-                                    </p:anim>
-                                    <p:anim calcmode="lin" valueType="num">
-                                      <p:cBhvr additive="base">
-                                        <p:cTn id="12" dur="500" fill="hold"/>
-                                        <p:tgtEl>
-                                          <p:spTgt spid="3">
-                                            <p:txEl>
-                                              <p:pRg st="1" end="1"/>
-                                            </p:txEl>
-                                          </p:spTgt>
-                                        </p:tgtEl>
-                                        <p:attrNameLst>
-                                          <p:attrName>ppt_y</p:attrName>
-                                        </p:attrNameLst>
-                                      </p:cBhvr>
-                                      <p:tavLst>
-                                        <p:tav tm="0">
-                                          <p:val>
-                                            <p:strVal val="1+#ppt_h/2"/>
-                                          </p:val>
-                                        </p:tav>
-                                        <p:tav tm="100000">
-                                          <p:val>
-                                            <p:strVal val="#ppt_y"/>
-                                          </p:val>
-                                        </p:tav>
-                                      </p:tavLst>
-                                    </p:anim>
-                                  </p:childTnLst>
-                                </p:cTn>
-                              </p:par>
-                            </p:childTnLst>
-                          </p:cTn>
-                        </p:par>
-                      </p:childTnLst>
-                    </p:cTn>
-                  </p:par>
-                  <p:par>
-                    <p:cTn id="13" fill="hold">
-                      <p:stCondLst>
-                        <p:cond delay="indefinite"/>
-                      </p:stCondLst>
-                      <p:childTnLst>
-                        <p:par>
-                          <p:cTn id="14" fill="hold">
-                            <p:stCondLst>
-                              <p:cond delay="0"/>
-                            </p:stCondLst>
-                            <p:childTnLst>
-                              <p:par>
-                                <p:cTn id="15" presetID="2" presetClass="entr" presetSubtype="4" fill="hold" grpId="0" nodeType="clickEffect">
-                                  <p:stCondLst>
-                                    <p:cond delay="0"/>
-                                  </p:stCondLst>
-                                  <p:childTnLst>
-                                    <p:set>
-                                      <p:cBhvr>
-                                        <p:cTn id="16" dur="1" fill="hold">
-                                          <p:stCondLst>
-                                            <p:cond delay="0"/>
-                                          </p:stCondLst>
-                                        </p:cTn>
-                                        <p:tgtEl>
-                                          <p:spTgt spid="3">
-                                            <p:txEl>
-                                              <p:pRg st="2" end="2"/>
-                                            </p:txEl>
-                                          </p:spTgt>
-                                        </p:tgtEl>
-                                        <p:attrNameLst>
-                                          <p:attrName>style.visibility</p:attrName>
-                                        </p:attrNameLst>
-                                      </p:cBhvr>
-                                      <p:to>
-                                        <p:strVal val="visible"/>
-                                      </p:to>
-                                    </p:set>
-                                    <p:anim calcmode="lin" valueType="num">
-                                      <p:cBhvr additive="base">
-                                        <p:cTn id="17" dur="500" fill="hold"/>
-                                        <p:tgtEl>
-                                          <p:spTgt spid="3">
-                                            <p:txEl>
-                                              <p:pRg st="2" end="2"/>
-                                            </p:txEl>
-                                          </p:spTgt>
-                                        </p:tgtEl>
-                                        <p:attrNameLst>
-                                          <p:attrName>ppt_x</p:attrName>
-                                        </p:attrNameLst>
-                                      </p:cBhvr>
-                                      <p:tavLst>
-                                        <p:tav tm="0">
-                                          <p:val>
-                                            <p:strVal val="#ppt_x"/>
-                                          </p:val>
-                                        </p:tav>
-                                        <p:tav tm="100000">
-                                          <p:val>
-                                            <p:strVal val="#ppt_x"/>
-                                          </p:val>
-                                        </p:tav>
-                                      </p:tavLst>
-                                    </p:anim>
-                                    <p:anim calcmode="lin" valueType="num">
-                                      <p:cBhvr additive="base">
-                                        <p:cTn id="18" dur="500" fill="hold"/>
-                                        <p:tgtEl>
-                                          <p:spTgt spid="3">
-                                            <p:txEl>
-                                              <p:pRg st="2" end="2"/>
-                                            </p:txEl>
-                                          </p:spTgt>
-                                        </p:tgtEl>
-                                        <p:attrNameLst>
-                                          <p:attrName>ppt_y</p:attrName>
-                                        </p:attrNameLst>
-                                      </p:cBhvr>
-                                      <p:tavLst>
-                                        <p:tav tm="0">
-                                          <p:val>
-                                            <p:strVal val="1+#ppt_h/2"/>
-                                          </p:val>
-                                        </p:tav>
-                                        <p:tav tm="100000">
-                                          <p:val>
-                                            <p:strVal val="#ppt_y"/>
-                                          </p:val>
-                                        </p:tav>
-                                      </p:tavLst>
-                                    </p:anim>
-                                  </p:childTnLst>
-                                </p:cTn>
-                              </p:par>
-                              <p:par>
-                                <p:cTn id="19" presetID="2" presetClass="entr" presetSubtype="4" fill="hold" grpId="0" nodeType="withEffect">
-                                  <p:stCondLst>
-                                    <p:cond delay="0"/>
-                                  </p:stCondLst>
-                                  <p:childTnLst>
-                                    <p:set>
-                                      <p:cBhvr>
-                                        <p:cTn id="20" dur="1" fill="hold">
-                                          <p:stCondLst>
-                                            <p:cond delay="0"/>
-                                          </p:stCondLst>
-                                        </p:cTn>
-                                        <p:tgtEl>
-                                          <p:spTgt spid="3">
-                                            <p:txEl>
-                                              <p:pRg st="3" end="3"/>
-                                            </p:txEl>
-                                          </p:spTgt>
-                                        </p:tgtEl>
-                                        <p:attrNameLst>
-                                          <p:attrName>style.visibility</p:attrName>
-                                        </p:attrNameLst>
-                                      </p:cBhvr>
-                                      <p:to>
-                                        <p:strVal val="visible"/>
-                                      </p:to>
-                                    </p:set>
-                                    <p:anim calcmode="lin" valueType="num">
-                                      <p:cBhvr additive="base">
-                                        <p:cTn id="21" dur="500" fill="hold"/>
-                                        <p:tgtEl>
-                                          <p:spTgt spid="3">
-                                            <p:txEl>
-                                              <p:pRg st="3" end="3"/>
-                                            </p:txEl>
-                                          </p:spTgt>
-                                        </p:tgtEl>
-                                        <p:attrNameLst>
-                                          <p:attrName>ppt_x</p:attrName>
-                                        </p:attrNameLst>
-                                      </p:cBhvr>
-                                      <p:tavLst>
-                                        <p:tav tm="0">
-                                          <p:val>
-                                            <p:strVal val="#ppt_x"/>
-                                          </p:val>
-                                        </p:tav>
-                                        <p:tav tm="100000">
-                                          <p:val>
-                                            <p:strVal val="#ppt_x"/>
-                                          </p:val>
-                                        </p:tav>
-                                      </p:tavLst>
-                                    </p:anim>
-                                    <p:anim calcmode="lin" valueType="num">
-                                      <p:cBhvr additive="base">
-                                        <p:cTn id="22" dur="500" fill="hold"/>
-                                        <p:tgtEl>
-                                          <p:spTgt spid="3">
-                                            <p:txEl>
-                                              <p:pRg st="3" end="3"/>
-                                            </p:txEl>
-                                          </p:spTgt>
-                                        </p:tgtEl>
-                                        <p:attrNameLst>
-                                          <p:attrName>ppt_y</p:attrName>
-                                        </p:attrNameLst>
-                                      </p:cBhvr>
-                                      <p:tavLst>
-                                        <p:tav tm="0">
-                                          <p:val>
-                                            <p:strVal val="1+#ppt_h/2"/>
-                                          </p:val>
-                                        </p:tav>
-                                        <p:tav tm="100000">
-                                          <p:val>
-                                            <p:strVal val="#ppt_y"/>
-                                          </p:val>
-                                        </p:tav>
-                                      </p:tavLst>
-                                    </p:anim>
-                                  </p:childTnLst>
-                                </p:cTn>
-                              </p:par>
-                            </p:childTnLst>
-                          </p:cTn>
-                        </p:par>
-                      </p:childTnLst>
-                    </p:cTn>
-                  </p:par>
-                  <p:par>
-                    <p:cTn id="23" fill="hold">
-                      <p:stCondLst>
-                        <p:cond delay="indefinite"/>
-                      </p:stCondLst>
-                      <p:childTnLst>
-                        <p:par>
-                          <p:cTn id="24" fill="hold">
-                            <p:stCondLst>
-                              <p:cond delay="0"/>
-                            </p:stCondLst>
-                            <p:childTnLst>
-                              <p:par>
-                                <p:cTn id="25" presetID="2" presetClass="entr" presetSubtype="4" fill="hold" grpId="0" nodeType="clickEffect">
-                                  <p:stCondLst>
-                                    <p:cond delay="0"/>
-                                  </p:stCondLst>
-                                  <p:childTnLst>
-                                    <p:set>
-                                      <p:cBhvr>
-                                        <p:cTn id="26" dur="1" fill="hold">
-                                          <p:stCondLst>
-                                            <p:cond delay="0"/>
-                                          </p:stCondLst>
-                                        </p:cTn>
-                                        <p:tgtEl>
-                                          <p:spTgt spid="3">
-                                            <p:txEl>
-                                              <p:pRg st="4" end="4"/>
-                                            </p:txEl>
-                                          </p:spTgt>
-                                        </p:tgtEl>
-                                        <p:attrNameLst>
-                                          <p:attrName>style.visibility</p:attrName>
-                                        </p:attrNameLst>
-                                      </p:cBhvr>
-                                      <p:to>
-                                        <p:strVal val="visible"/>
-                                      </p:to>
-                                    </p:set>
-                                    <p:anim calcmode="lin" valueType="num">
-                                      <p:cBhvr additive="base">
-                                        <p:cTn id="27" dur="500" fill="hold"/>
-                                        <p:tgtEl>
-                                          <p:spTgt spid="3">
-                                            <p:txEl>
-                                              <p:pRg st="4" end="4"/>
-                                            </p:txEl>
-                                          </p:spTgt>
-                                        </p:tgtEl>
-                                        <p:attrNameLst>
-                                          <p:attrName>ppt_x</p:attrName>
-                                        </p:attrNameLst>
-                                      </p:cBhvr>
-                                      <p:tavLst>
-                                        <p:tav tm="0">
-                                          <p:val>
-                                            <p:strVal val="#ppt_x"/>
-                                          </p:val>
-                                        </p:tav>
-                                        <p:tav tm="100000">
-                                          <p:val>
-                                            <p:strVal val="#ppt_x"/>
-                                          </p:val>
-                                        </p:tav>
-                                      </p:tavLst>
-                                    </p:anim>
-                                    <p:anim calcmode="lin" valueType="num">
-                                      <p:cBhvr additive="base">
-                                        <p:cTn id="28" dur="500" fill="hold"/>
-                                        <p:tgtEl>
-                                          <p:spTgt spid="3">
-                                            <p:txEl>
-                                              <p:pRg st="4" end="4"/>
-                                            </p:txEl>
-                                          </p:spTgt>
-                                        </p:tgtEl>
-                                        <p:attrNameLst>
-                                          <p:attrName>ppt_y</p:attrName>
-                                        </p:attrNameLst>
-                                      </p:cBhvr>
-                                      <p:tavLst>
-                                        <p:tav tm="0">
-                                          <p:val>
-                                            <p:strVal val="1+#ppt_h/2"/>
-                                          </p:val>
-                                        </p:tav>
-                                        <p:tav tm="100000">
-                                          <p:val>
-                                            <p:strVal val="#ppt_y"/>
-                                          </p:val>
-                                        </p:tav>
-                                      </p:tavLst>
-                                    </p:anim>
-                                  </p:childTnLst>
-                                </p:cTn>
-                              </p:par>
-                              <p:par>
-                                <p:cTn id="29" presetID="2" presetClass="entr" presetSubtype="4" fill="hold" grpId="0" nodeType="withEffect">
-                                  <p:stCondLst>
-                                    <p:cond delay="0"/>
-                                  </p:stCondLst>
-                                  <p:childTnLst>
-                                    <p:set>
-                                      <p:cBhvr>
-                                        <p:cTn id="30" dur="1" fill="hold">
-                                          <p:stCondLst>
-                                            <p:cond delay="0"/>
-                                          </p:stCondLst>
-                                        </p:cTn>
-                                        <p:tgtEl>
-                                          <p:spTgt spid="3">
-                                            <p:txEl>
-                                              <p:pRg st="5" end="5"/>
-                                            </p:txEl>
-                                          </p:spTgt>
-                                        </p:tgtEl>
-                                        <p:attrNameLst>
-                                          <p:attrName>style.visibility</p:attrName>
-                                        </p:attrNameLst>
-                                      </p:cBhvr>
-                                      <p:to>
-                                        <p:strVal val="visible"/>
-                                      </p:to>
-                                    </p:set>
-                                    <p:anim calcmode="lin" valueType="num">
-                                      <p:cBhvr additive="base">
-                                        <p:cTn id="31" dur="500" fill="hold"/>
-                                        <p:tgtEl>
-                                          <p:spTgt spid="3">
-                                            <p:txEl>
-                                              <p:pRg st="5" end="5"/>
-                                            </p:txEl>
-                                          </p:spTgt>
-                                        </p:tgtEl>
-                                        <p:attrNameLst>
-                                          <p:attrName>ppt_x</p:attrName>
-                                        </p:attrNameLst>
-                                      </p:cBhvr>
-                                      <p:tavLst>
-                                        <p:tav tm="0">
-                                          <p:val>
-                                            <p:strVal val="#ppt_x"/>
-                                          </p:val>
-                                        </p:tav>
-                                        <p:tav tm="100000">
-                                          <p:val>
-                                            <p:strVal val="#ppt_x"/>
-                                          </p:val>
-                                        </p:tav>
-                                      </p:tavLst>
-                                    </p:anim>
-                                    <p:anim calcmode="lin" valueType="num">
-                                      <p:cBhvr additive="base">
-                                        <p:cTn id="32" dur="500" fill="hold"/>
-                                        <p:tgtEl>
-                                          <p:spTgt spid="3">
-                                            <p:txEl>
-                                              <p:pRg st="5" end="5"/>
-                                            </p:txEl>
-                                          </p:spTgt>
-                                        </p:tgtEl>
-                                        <p:attrNameLst>
-                                          <p:attrName>ppt_y</p:attrName>
-                                        </p:attrNameLst>
-                                      </p:cBhvr>
-                                      <p:tavLst>
-                                        <p:tav tm="0">
-                                          <p:val>
-                                            <p:strVal val="1+#ppt_h/2"/>
-                                          </p:val>
-                                        </p:tav>
-                                        <p:tav tm="100000">
-                                          <p:val>
-                                            <p:strVal val="#ppt_y"/>
-                                          </p:val>
-                                        </p:tav>
-                                      </p:tavLst>
-                                    </p:anim>
-                                  </p:childTnLst>
-                                </p:cTn>
-                              </p:par>
-                            </p:childTnLst>
-                          </p:cTn>
-                        </p:par>
-                      </p:childTnLst>
-                    </p:cTn>
-                  </p:par>
-                  <p:par>
-                    <p:cTn id="33" fill="hold">
-                      <p:stCondLst>
-                        <p:cond delay="indefinite"/>
-                      </p:stCondLst>
-                      <p:childTnLst>
-                        <p:par>
-                          <p:cTn id="34" fill="hold">
-                            <p:stCondLst>
-                              <p:cond delay="0"/>
-                            </p:stCondLst>
-                            <p:childTnLst>
-                              <p:par>
-                                <p:cTn id="35" presetID="2" presetClass="entr" presetSubtype="4" fill="hold" grpId="0" nodeType="clickEffect">
-                                  <p:stCondLst>
-                                    <p:cond delay="0"/>
-                                  </p:stCondLst>
-                                  <p:childTnLst>
-                                    <p:set>
-                                      <p:cBhvr>
-                                        <p:cTn id="36" dur="1" fill="hold">
-                                          <p:stCondLst>
-                                            <p:cond delay="0"/>
-                                          </p:stCondLst>
-                                        </p:cTn>
-                                        <p:tgtEl>
-                                          <p:spTgt spid="3">
-                                            <p:txEl>
-                                              <p:pRg st="6" end="6"/>
-                                            </p:txEl>
-                                          </p:spTgt>
-                                        </p:tgtEl>
-                                        <p:attrNameLst>
-                                          <p:attrName>style.visibility</p:attrName>
-                                        </p:attrNameLst>
-                                      </p:cBhvr>
-                                      <p:to>
-                                        <p:strVal val="visible"/>
-                                      </p:to>
-                                    </p:set>
-                                    <p:anim calcmode="lin" valueType="num">
-                                      <p:cBhvr additive="base">
-                                        <p:cTn id="37" dur="500" fill="hold"/>
-                                        <p:tgtEl>
-                                          <p:spTgt spid="3">
-                                            <p:txEl>
-                                              <p:pRg st="6" end="6"/>
-                                            </p:txEl>
-                                          </p:spTgt>
-                                        </p:tgtEl>
-                                        <p:attrNameLst>
-                                          <p:attrName>ppt_x</p:attrName>
-                                        </p:attrNameLst>
-                                      </p:cBhvr>
-                                      <p:tavLst>
-                                        <p:tav tm="0">
-                                          <p:val>
-                                            <p:strVal val="#ppt_x"/>
-                                          </p:val>
-                                        </p:tav>
-                                        <p:tav tm="100000">
-                                          <p:val>
-                                            <p:strVal val="#ppt_x"/>
-                                          </p:val>
-                                        </p:tav>
-                                      </p:tavLst>
-                                    </p:anim>
-                                    <p:anim calcmode="lin" valueType="num">
-                                      <p:cBhvr additive="base">
-                                        <p:cTn id="38" dur="500" fill="hold"/>
-                                        <p:tgtEl>
-                                          <p:spTgt spid="3">
-                                            <p:txEl>
-                                              <p:pRg st="6" end="6"/>
-                                            </p:txEl>
-                                          </p:spTgt>
-                                        </p:tgtEl>
-                                        <p:attrNameLst>
-                                          <p:attrName>ppt_y</p:attrName>
-                                        </p:attrNameLst>
-                                      </p:cBhvr>
-                                      <p:tavLst>
-                                        <p:tav tm="0">
-                                          <p:val>
-                                            <p:strVal val="1+#ppt_h/2"/>
-                                          </p:val>
-                                        </p:tav>
-                                        <p:tav tm="100000">
-                                          <p:val>
-                                            <p:strVal val="#ppt_y"/>
-                                          </p:val>
-                                        </p:tav>
-                                      </p:tavLst>
-                                    </p:anim>
-                                  </p:childTnLst>
-                                </p:cTn>
-                              </p:par>
-                              <p:par>
-                                <p:cTn id="39" presetID="2" presetClass="entr" presetSubtype="4" fill="hold" grpId="0" nodeType="withEffect">
-                                  <p:stCondLst>
-                                    <p:cond delay="0"/>
-                                  </p:stCondLst>
-                                  <p:childTnLst>
-                                    <p:set>
-                                      <p:cBhvr>
-                                        <p:cTn id="40" dur="1" fill="hold">
-                                          <p:stCondLst>
-                                            <p:cond delay="0"/>
-                                          </p:stCondLst>
-                                        </p:cTn>
-                                        <p:tgtEl>
-                                          <p:spTgt spid="3">
-                                            <p:txEl>
-                                              <p:pRg st="7" end="7"/>
-                                            </p:txEl>
-                                          </p:spTgt>
-                                        </p:tgtEl>
-                                        <p:attrNameLst>
-                                          <p:attrName>style.visibility</p:attrName>
-                                        </p:attrNameLst>
-                                      </p:cBhvr>
-                                      <p:to>
-                                        <p:strVal val="visible"/>
-                                      </p:to>
-                                    </p:set>
-                                    <p:anim calcmode="lin" valueType="num">
-                                      <p:cBhvr additive="base">
-                                        <p:cTn id="41" dur="500" fill="hold"/>
-                                        <p:tgtEl>
-                                          <p:spTgt spid="3">
-                                            <p:txEl>
-                                              <p:pRg st="7" end="7"/>
-                                            </p:txEl>
-                                          </p:spTgt>
-                                        </p:tgtEl>
-                                        <p:attrNameLst>
-                                          <p:attrName>ppt_x</p:attrName>
-                                        </p:attrNameLst>
-                                      </p:cBhvr>
-                                      <p:tavLst>
-                                        <p:tav tm="0">
-                                          <p:val>
-                                            <p:strVal val="#ppt_x"/>
-                                          </p:val>
-                                        </p:tav>
-                                        <p:tav tm="100000">
-                                          <p:val>
-                                            <p:strVal val="#ppt_x"/>
-                                          </p:val>
-                                        </p:tav>
-                                      </p:tavLst>
-                                    </p:anim>
-                                    <p:anim calcmode="lin" valueType="num">
-                                      <p:cBhvr additive="base">
-                                        <p:cTn id="42" dur="500" fill="hold"/>
-                                        <p:tgtEl>
-                                          <p:spTgt spid="3">
-                                            <p:txEl>
-                                              <p:pRg st="7" end="7"/>
-                                            </p:txEl>
-                                          </p:spTgt>
-                                        </p:tgtEl>
-                                        <p:attrNameLst>
-                                          <p:attrName>ppt_y</p:attrName>
-                                        </p:attrNameLst>
-                                      </p:cBhvr>
-                                      <p:tavLst>
-                                        <p:tav tm="0">
-                                          <p:val>
-                                            <p:strVal val="1+#ppt_h/2"/>
-                                          </p:val>
-                                        </p:tav>
-                                        <p:tav tm="100000">
-                                          <p:val>
-                                            <p:strVal val="#ppt_y"/>
-                                          </p:val>
-                                        </p:tav>
-                                      </p:tavLst>
-                                    </p:anim>
-                                  </p:childTnLst>
-                                </p:cTn>
-                              </p:par>
-                              <p:par>
-                                <p:cTn id="43" presetID="2" presetClass="entr" presetSubtype="4" fill="hold" grpId="0" nodeType="withEffect">
-                                  <p:stCondLst>
-                                    <p:cond delay="0"/>
-                                  </p:stCondLst>
-                                  <p:childTnLst>
-                                    <p:set>
-                                      <p:cBhvr>
-                                        <p:cTn id="44" dur="1" fill="hold">
-                                          <p:stCondLst>
-                                            <p:cond delay="0"/>
-                                          </p:stCondLst>
-                                        </p:cTn>
-                                        <p:tgtEl>
-                                          <p:spTgt spid="3">
-                                            <p:txEl>
-                                              <p:pRg st="8" end="8"/>
-                                            </p:txEl>
-                                          </p:spTgt>
-                                        </p:tgtEl>
-                                        <p:attrNameLst>
-                                          <p:attrName>style.visibility</p:attrName>
-                                        </p:attrNameLst>
-                                      </p:cBhvr>
-                                      <p:to>
-                                        <p:strVal val="visible"/>
-                                      </p:to>
-                                    </p:set>
-                                    <p:anim calcmode="lin" valueType="num">
-                                      <p:cBhvr additive="base">
-                                        <p:cTn id="45" dur="500" fill="hold"/>
-                                        <p:tgtEl>
-                                          <p:spTgt spid="3">
-                                            <p:txEl>
-                                              <p:pRg st="8" end="8"/>
-                                            </p:txEl>
-                                          </p:spTgt>
-                                        </p:tgtEl>
-                                        <p:attrNameLst>
-                                          <p:attrName>ppt_x</p:attrName>
-                                        </p:attrNameLst>
-                                      </p:cBhvr>
-                                      <p:tavLst>
-                                        <p:tav tm="0">
-                                          <p:val>
-                                            <p:strVal val="#ppt_x"/>
-                                          </p:val>
-                                        </p:tav>
-                                        <p:tav tm="100000">
-                                          <p:val>
-                                            <p:strVal val="#ppt_x"/>
-                                          </p:val>
-                                        </p:tav>
-                                      </p:tavLst>
-                                    </p:anim>
-                                    <p:anim calcmode="lin" valueType="num">
-                                      <p:cBhvr additive="base">
-                                        <p:cTn id="46" dur="500" fill="hold"/>
-                                        <p:tgtEl>
-                                          <p:spTgt spid="3">
-                                            <p:txEl>
-                                              <p:pRg st="8" end="8"/>
-                                            </p:txEl>
-                                          </p:spTgt>
-                                        </p:tgtEl>
-                                        <p:attrNameLst>
-                                          <p:attrName>ppt_y</p:attrName>
-                                        </p:attrNameLst>
-                                      </p:cBhvr>
-                                      <p:tavLst>
-                                        <p:tav tm="0">
-                                          <p:val>
-                                            <p:strVal val="1+#ppt_h/2"/>
-                                          </p:val>
-                                        </p:tav>
-                                        <p:tav tm="100000">
-                                          <p:val>
-                                            <p:strVal val="#ppt_y"/>
-                                          </p:val>
-                                        </p:tav>
-                                      </p:tavLst>
-                                    </p:anim>
-                                  </p:childTnLst>
-                                </p:cTn>
-                              </p:par>
-                              <p:par>
-                                <p:cTn id="47" presetID="2" presetClass="entr" presetSubtype="4" fill="hold" grpId="0" nodeType="withEffect">
-                                  <p:stCondLst>
-                                    <p:cond delay="0"/>
-                                  </p:stCondLst>
-                                  <p:childTnLst>
-                                    <p:set>
-                                      <p:cBhvr>
-                                        <p:cTn id="48" dur="1" fill="hold">
-                                          <p:stCondLst>
-                                            <p:cond delay="0"/>
-                                          </p:stCondLst>
-                                        </p:cTn>
-                                        <p:tgtEl>
-                                          <p:spTgt spid="3">
-                                            <p:txEl>
-                                              <p:pRg st="9" end="9"/>
-                                            </p:txEl>
-                                          </p:spTgt>
-                                        </p:tgtEl>
-                                        <p:attrNameLst>
-                                          <p:attrName>style.visibility</p:attrName>
-                                        </p:attrNameLst>
-                                      </p:cBhvr>
-                                      <p:to>
-                                        <p:strVal val="visible"/>
-                                      </p:to>
-                                    </p:set>
-                                    <p:anim calcmode="lin" valueType="num">
-                                      <p:cBhvr additive="base">
-                                        <p:cTn id="49" dur="500" fill="hold"/>
-                                        <p:tgtEl>
-                                          <p:spTgt spid="3">
-                                            <p:txEl>
-                                              <p:pRg st="9" end="9"/>
-                                            </p:txEl>
-                                          </p:spTgt>
-                                        </p:tgtEl>
-                                        <p:attrNameLst>
-                                          <p:attrName>ppt_x</p:attrName>
-                                        </p:attrNameLst>
-                                      </p:cBhvr>
-                                      <p:tavLst>
-                                        <p:tav tm="0">
-                                          <p:val>
-                                            <p:strVal val="#ppt_x"/>
-                                          </p:val>
-                                        </p:tav>
-                                        <p:tav tm="100000">
-                                          <p:val>
-                                            <p:strVal val="#ppt_x"/>
-                                          </p:val>
-                                        </p:tav>
-                                      </p:tavLst>
-                                    </p:anim>
-                                    <p:anim calcmode="lin" valueType="num">
-                                      <p:cBhvr additive="base">
-                                        <p:cTn id="50" dur="500" fill="hold"/>
-                                        <p:tgtEl>
-                                          <p:spTgt spid="3">
-                                            <p:txEl>
-                                              <p:pRg st="9" end="9"/>
-                                            </p:txEl>
-                                          </p:spTgt>
-                                        </p:tgtEl>
-                                        <p:attrNameLst>
-                                          <p:attrName>ppt_y</p:attrName>
-                                        </p:attrNameLst>
-                                      </p:cBhvr>
-                                      <p:tavLst>
-                                        <p:tav tm="0">
-                                          <p:val>
-                                            <p:strVal val="1+#ppt_h/2"/>
-                                          </p:val>
-                                        </p:tav>
-                                        <p:tav tm="100000">
-                                          <p:val>
-                                            <p:strVal val="#ppt_y"/>
-                                          </p:val>
-                                        </p:tav>
-                                      </p:tavLst>
-                                    </p:anim>
-                                  </p:childTnLst>
-                                </p:cTn>
-                              </p:par>
-                            </p:childTnLst>
-                          </p:cTn>
-                        </p:par>
-                      </p:childTnLst>
-                    </p:cTn>
-                  </p:par>
-                </p:childTnLst>
-              </p:cTn>
-              <p:prevCondLst>
-                <p:cond evt="onPrev" delay="0">
-                  <p:tgtEl>
-                    <p:sldTgt/>
-                  </p:tgtEl>
-                </p:cond>
-              </p:prevCondLst>
-              <p:nextCondLst>
-                <p:cond evt="onNext" delay="0">
-                  <p:tgtEl>
-                    <p:sldTgt/>
-                  </p:tgtEl>
-                </p:cond>
-              </p:nextCondLst>
-            </p:seq>
-          </p:childTnLst>
-        </p:cTn>
-      </p:par>
-    </p:tnLst>
-    <p:bldLst>
-      <p:bldP spid="3" grpId="0" build="p"/>
-    </p:bldLst>
-  </p:timing>
-</p:sld>
-</file>
-
-<file path=ppt/slides/slide7.xml><?xml version="1.0" encoding="utf-8"?>
 <p:sld xmlns:a="http://schemas.openxmlformats.org/drawingml/2006/main" xmlns:r="http://schemas.openxmlformats.org/officeDocument/2006/relationships" xmlns:p="http://schemas.openxmlformats.org/presentationml/2006/main">
   <p:cSld>
     <p:spTree>
@@ -9103,6 +7490,1826 @@
 </p:sld>
 </file>
 
+<file path=ppt/slides/slide11.xml><?xml version="1.0" encoding="utf-8"?>
+<p:sld xmlns:a="http://schemas.openxmlformats.org/drawingml/2006/main" xmlns:r="http://schemas.openxmlformats.org/officeDocument/2006/relationships" xmlns:p="http://schemas.openxmlformats.org/presentationml/2006/main">
+  <p:cSld>
+    <p:spTree>
+      <p:nvGrpSpPr>
+        <p:cNvPr id="1" name=""/>
+        <p:cNvGrpSpPr/>
+        <p:nvPr/>
+      </p:nvGrpSpPr>
+      <p:grpSpPr>
+        <a:xfrm>
+          <a:off x="0" y="0"/>
+          <a:ext cx="0" cy="0"/>
+          <a:chOff x="0" y="0"/>
+          <a:chExt cx="0" cy="0"/>
+        </a:xfrm>
+      </p:grpSpPr>
+      <p:sp>
+        <p:nvSpPr>
+          <p:cNvPr id="2" name="Title 1"/>
+          <p:cNvSpPr>
+            <a:spLocks noGrp="1"/>
+          </p:cNvSpPr>
+          <p:nvPr>
+            <p:ph type="title"/>
+          </p:nvPr>
+        </p:nvSpPr>
+        <p:spPr/>
+        <p:txBody>
+          <a:bodyPr/>
+          <a:lstStyle/>
+          <a:p>
+            <a:r>
+              <a:rPr lang="en-US" dirty="0" smtClean="0"/>
+              <a:t>Step 4 - ROP</a:t>
+            </a:r>
+            <a:endParaRPr lang="en-US" dirty="0"/>
+          </a:p>
+        </p:txBody>
+      </p:sp>
+      <p:sp>
+        <p:nvSpPr>
+          <p:cNvPr id="3" name="Content Placeholder 2"/>
+          <p:cNvSpPr>
+            <a:spLocks noGrp="1"/>
+          </p:cNvSpPr>
+          <p:nvPr>
+            <p:ph idx="1"/>
+          </p:nvPr>
+        </p:nvSpPr>
+        <p:spPr/>
+        <p:txBody>
+          <a:bodyPr/>
+          <a:lstStyle/>
+          <a:p>
+            <a:r>
+              <a:rPr lang="en-US" dirty="0" smtClean="0"/>
+              <a:t>Very simple to make a DSL in F#, ROP is an example</a:t>
+            </a:r>
+          </a:p>
+          <a:p>
+            <a:r>
+              <a:rPr lang="en-US" dirty="0" smtClean="0"/>
+              <a:t>Railway Orientated Programing is a Design Pattern coined by Scott </a:t>
+            </a:r>
+            <a:r>
+              <a:rPr lang="en-US" dirty="0" err="1" smtClean="0"/>
+              <a:t>Wlashchin</a:t>
+            </a:r>
+            <a:r>
+              <a:rPr lang="en-US" dirty="0" smtClean="0"/>
+              <a:t> </a:t>
+            </a:r>
+            <a:r>
+              <a:rPr lang="en-US" dirty="0" smtClean="0">
+                <a:hlinkClick r:id="rId3"/>
+              </a:rPr>
+              <a:t>http://fsharpforfunandprofit.com/</a:t>
+            </a:r>
+            <a:r>
+              <a:rPr lang="en-US" dirty="0" smtClean="0"/>
+              <a:t> </a:t>
+            </a:r>
+          </a:p>
+          <a:p>
+            <a:r>
+              <a:rPr lang="en-US" dirty="0" smtClean="0"/>
+              <a:t>Helps with things like validation, logging, and errors</a:t>
+            </a:r>
+          </a:p>
+          <a:p>
+            <a:r>
+              <a:rPr lang="en-US" dirty="0" smtClean="0"/>
+              <a:t>Very approachable</a:t>
+            </a:r>
+          </a:p>
+          <a:p>
+            <a:r>
+              <a:rPr lang="en-US" dirty="0" smtClean="0"/>
+              <a:t>This example is very simple, ROP is much more powerful than described here</a:t>
+            </a:r>
+          </a:p>
+        </p:txBody>
+      </p:sp>
+    </p:spTree>
+    <p:extLst>
+      <p:ext uri="{BB962C8B-B14F-4D97-AF65-F5344CB8AC3E}">
+        <p14:creationId xmlns:p14="http://schemas.microsoft.com/office/powerpoint/2010/main" val="2351686128"/>
+      </p:ext>
+    </p:extLst>
+  </p:cSld>
+  <p:clrMapOvr>
+    <a:masterClrMapping/>
+  </p:clrMapOvr>
+  <p:timing>
+    <p:tnLst>
+      <p:par>
+        <p:cTn id="1" dur="indefinite" restart="never" nodeType="tmRoot"/>
+      </p:par>
+    </p:tnLst>
+  </p:timing>
+</p:sld>
+</file>
+
+<file path=ppt/slides/slide12.xml><?xml version="1.0" encoding="utf-8"?>
+<p:sld xmlns:a="http://schemas.openxmlformats.org/drawingml/2006/main" xmlns:r="http://schemas.openxmlformats.org/officeDocument/2006/relationships" xmlns:p="http://schemas.openxmlformats.org/presentationml/2006/main">
+  <p:cSld>
+    <p:spTree>
+      <p:nvGrpSpPr>
+        <p:cNvPr id="1" name=""/>
+        <p:cNvGrpSpPr/>
+        <p:nvPr/>
+      </p:nvGrpSpPr>
+      <p:grpSpPr>
+        <a:xfrm>
+          <a:off x="0" y="0"/>
+          <a:ext cx="0" cy="0"/>
+          <a:chOff x="0" y="0"/>
+          <a:chExt cx="0" cy="0"/>
+        </a:xfrm>
+      </p:grpSpPr>
+      <p:sp>
+        <p:nvSpPr>
+          <p:cNvPr id="2" name="Title 1"/>
+          <p:cNvSpPr>
+            <a:spLocks noGrp="1"/>
+          </p:cNvSpPr>
+          <p:nvPr>
+            <p:ph type="title"/>
+          </p:nvPr>
+        </p:nvSpPr>
+        <p:spPr/>
+        <p:txBody>
+          <a:bodyPr/>
+          <a:lstStyle/>
+          <a:p>
+            <a:r>
+              <a:rPr lang="en-US" dirty="0" smtClean="0"/>
+              <a:t>Some Highlights</a:t>
+            </a:r>
+            <a:endParaRPr lang="en-US" dirty="0"/>
+          </a:p>
+        </p:txBody>
+      </p:sp>
+      <p:sp>
+        <p:nvSpPr>
+          <p:cNvPr id="3" name="Content Placeholder 2"/>
+          <p:cNvSpPr>
+            <a:spLocks noGrp="1"/>
+          </p:cNvSpPr>
+          <p:nvPr>
+            <p:ph idx="1"/>
+          </p:nvPr>
+        </p:nvSpPr>
+        <p:spPr/>
+        <p:txBody>
+          <a:bodyPr>
+            <a:normAutofit fontScale="92500"/>
+          </a:bodyPr>
+          <a:lstStyle/>
+          <a:p>
+            <a:r>
+              <a:rPr lang="en-US" dirty="0" smtClean="0"/>
+              <a:t>Type signatures instead of interfaces</a:t>
+            </a:r>
+          </a:p>
+          <a:p>
+            <a:r>
+              <a:rPr lang="en-US" dirty="0" smtClean="0"/>
+              <a:t>Much less code which is generic by default and highly reusable</a:t>
+            </a:r>
+          </a:p>
+          <a:p>
+            <a:r>
+              <a:rPr lang="en-US" dirty="0" smtClean="0"/>
+              <a:t>Composition is very powerful, core use cases become trivial to understand</a:t>
+            </a:r>
+          </a:p>
+          <a:p>
+            <a:r>
+              <a:rPr lang="en-US" dirty="0" smtClean="0"/>
+              <a:t>F# is a hybrid language.  Very good at OOP or Functional programming.  They can be and often are combined.</a:t>
+            </a:r>
+          </a:p>
+          <a:p>
+            <a:r>
+              <a:rPr lang="en-US" dirty="0" smtClean="0"/>
+              <a:t>ROP is a good place to start when looking for best practices</a:t>
+            </a:r>
+          </a:p>
+          <a:p>
+            <a:r>
+              <a:rPr lang="en-US" dirty="0" smtClean="0">
+                <a:hlinkClick r:id="rId3"/>
+              </a:rPr>
+              <a:t>http://fsharpforfunandprofit.com/</a:t>
+            </a:r>
+            <a:endParaRPr lang="en-US" dirty="0" smtClean="0"/>
+          </a:p>
+          <a:p>
+            <a:r>
+              <a:rPr lang="en-US" dirty="0" smtClean="0">
+                <a:hlinkClick r:id="rId4"/>
+              </a:rPr>
+              <a:t>http://fsharp.org</a:t>
+            </a:r>
+            <a:r>
+              <a:rPr lang="en-US" dirty="0" smtClean="0">
+                <a:hlinkClick r:id="rId4"/>
+              </a:rPr>
+              <a:t>/</a:t>
+            </a:r>
+            <a:endParaRPr lang="en-US" dirty="0" smtClean="0"/>
+          </a:p>
+          <a:p>
+            <a:r>
+              <a:rPr lang="en-US" dirty="0">
+                <a:hlinkClick r:id="rId5"/>
+              </a:rPr>
+              <a:t>https://</a:t>
+            </a:r>
+            <a:r>
+              <a:rPr lang="en-US" dirty="0" smtClean="0">
+                <a:hlinkClick r:id="rId5"/>
+              </a:rPr>
+              <a:t>github.com/kiwicayne</a:t>
+            </a:r>
+            <a:r>
+              <a:rPr lang="en-US" dirty="0" smtClean="0"/>
+              <a:t> </a:t>
+            </a:r>
+            <a:endParaRPr lang="en-US" dirty="0" smtClean="0"/>
+          </a:p>
+        </p:txBody>
+      </p:sp>
+    </p:spTree>
+    <p:extLst>
+      <p:ext uri="{BB962C8B-B14F-4D97-AF65-F5344CB8AC3E}">
+        <p14:creationId xmlns:p14="http://schemas.microsoft.com/office/powerpoint/2010/main" val="884966732"/>
+      </p:ext>
+    </p:extLst>
+  </p:cSld>
+  <p:clrMapOvr>
+    <a:masterClrMapping/>
+  </p:clrMapOvr>
+  <p:timing>
+    <p:tnLst>
+      <p:par>
+        <p:cTn id="1" dur="indefinite" restart="never" nodeType="tmRoot"/>
+      </p:par>
+    </p:tnLst>
+  </p:timing>
+</p:sld>
+</file>
+
+<file path=ppt/slides/slide13.xml><?xml version="1.0" encoding="utf-8"?>
+<p:sld xmlns:a="http://schemas.openxmlformats.org/drawingml/2006/main" xmlns:r="http://schemas.openxmlformats.org/officeDocument/2006/relationships" xmlns:p="http://schemas.openxmlformats.org/presentationml/2006/main">
+  <p:cSld>
+    <p:spTree>
+      <p:nvGrpSpPr>
+        <p:cNvPr id="1" name=""/>
+        <p:cNvGrpSpPr/>
+        <p:nvPr/>
+      </p:nvGrpSpPr>
+      <p:grpSpPr>
+        <a:xfrm>
+          <a:off x="0" y="0"/>
+          <a:ext cx="0" cy="0"/>
+          <a:chOff x="0" y="0"/>
+          <a:chExt cx="0" cy="0"/>
+        </a:xfrm>
+      </p:grpSpPr>
+      <p:sp>
+        <p:nvSpPr>
+          <p:cNvPr id="2" name="Title 1"/>
+          <p:cNvSpPr>
+            <a:spLocks noGrp="1"/>
+          </p:cNvSpPr>
+          <p:nvPr>
+            <p:ph type="title"/>
+          </p:nvPr>
+        </p:nvSpPr>
+        <p:spPr/>
+        <p:txBody>
+          <a:bodyPr/>
+          <a:lstStyle/>
+          <a:p>
+            <a:r>
+              <a:rPr lang="en-US" dirty="0" smtClean="0"/>
+              <a:t>BONUS!  Sneak Peek…</a:t>
+            </a:r>
+            <a:endParaRPr lang="en-US" dirty="0"/>
+          </a:p>
+        </p:txBody>
+      </p:sp>
+      <p:sp>
+        <p:nvSpPr>
+          <p:cNvPr id="3" name="Content Placeholder 2"/>
+          <p:cNvSpPr>
+            <a:spLocks noGrp="1"/>
+          </p:cNvSpPr>
+          <p:nvPr>
+            <p:ph idx="1"/>
+          </p:nvPr>
+        </p:nvSpPr>
+        <p:spPr/>
+        <p:txBody>
+          <a:bodyPr/>
+          <a:lstStyle/>
+          <a:p>
+            <a:r>
+              <a:rPr lang="en-US" dirty="0" smtClean="0"/>
+              <a:t>Real-world Web Applications using F#</a:t>
+            </a:r>
+          </a:p>
+          <a:p>
+            <a:r>
+              <a:rPr lang="en-US" dirty="0" smtClean="0"/>
+              <a:t>F# is stable, fully supported by Microsoft, and ready for production use</a:t>
+            </a:r>
+          </a:p>
+        </p:txBody>
+      </p:sp>
+    </p:spTree>
+    <p:extLst>
+      <p:ext uri="{BB962C8B-B14F-4D97-AF65-F5344CB8AC3E}">
+        <p14:creationId xmlns:p14="http://schemas.microsoft.com/office/powerpoint/2010/main" val="2375470387"/>
+      </p:ext>
+    </p:extLst>
+  </p:cSld>
+  <p:clrMapOvr>
+    <a:masterClrMapping/>
+  </p:clrMapOvr>
+  <p:timing>
+    <p:tnLst>
+      <p:par>
+        <p:cTn id="1" dur="indefinite" restart="never" nodeType="tmRoot">
+          <p:childTnLst>
+            <p:seq concurrent="1" nextAc="seek">
+              <p:cTn id="2" dur="indefinite" nodeType="mainSeq">
+                <p:childTnLst>
+                  <p:par>
+                    <p:cTn id="3" fill="hold">
+                      <p:stCondLst>
+                        <p:cond delay="indefinite"/>
+                      </p:stCondLst>
+                      <p:childTnLst>
+                        <p:par>
+                          <p:cTn id="4" fill="hold">
+                            <p:stCondLst>
+                              <p:cond delay="0"/>
+                            </p:stCondLst>
+                            <p:childTnLst>
+                              <p:par>
+                                <p:cTn id="5" presetID="2" presetClass="entr" presetSubtype="4" fill="hold" grpId="0" nodeType="clickEffect">
+                                  <p:stCondLst>
+                                    <p:cond delay="0"/>
+                                  </p:stCondLst>
+                                  <p:childTnLst>
+                                    <p:set>
+                                      <p:cBhvr>
+                                        <p:cTn id="6" dur="1" fill="hold">
+                                          <p:stCondLst>
+                                            <p:cond delay="0"/>
+                                          </p:stCondLst>
+                                        </p:cTn>
+                                        <p:tgtEl>
+                                          <p:spTgt spid="3">
+                                            <p:txEl>
+                                              <p:pRg st="0" end="0"/>
+                                            </p:txEl>
+                                          </p:spTgt>
+                                        </p:tgtEl>
+                                        <p:attrNameLst>
+                                          <p:attrName>style.visibility</p:attrName>
+                                        </p:attrNameLst>
+                                      </p:cBhvr>
+                                      <p:to>
+                                        <p:strVal val="visible"/>
+                                      </p:to>
+                                    </p:set>
+                                    <p:anim calcmode="lin" valueType="num">
+                                      <p:cBhvr additive="base">
+                                        <p:cTn id="7" dur="500" fill="hold"/>
+                                        <p:tgtEl>
+                                          <p:spTgt spid="3">
+                                            <p:txEl>
+                                              <p:pRg st="0" end="0"/>
+                                            </p:txEl>
+                                          </p:spTgt>
+                                        </p:tgtEl>
+                                        <p:attrNameLst>
+                                          <p:attrName>ppt_x</p:attrName>
+                                        </p:attrNameLst>
+                                      </p:cBhvr>
+                                      <p:tavLst>
+                                        <p:tav tm="0">
+                                          <p:val>
+                                            <p:strVal val="#ppt_x"/>
+                                          </p:val>
+                                        </p:tav>
+                                        <p:tav tm="100000">
+                                          <p:val>
+                                            <p:strVal val="#ppt_x"/>
+                                          </p:val>
+                                        </p:tav>
+                                      </p:tavLst>
+                                    </p:anim>
+                                    <p:anim calcmode="lin" valueType="num">
+                                      <p:cBhvr additive="base">
+                                        <p:cTn id="8" dur="500" fill="hold"/>
+                                        <p:tgtEl>
+                                          <p:spTgt spid="3">
+                                            <p:txEl>
+                                              <p:pRg st="0" end="0"/>
+                                            </p:txEl>
+                                          </p:spTgt>
+                                        </p:tgtEl>
+                                        <p:attrNameLst>
+                                          <p:attrName>ppt_y</p:attrName>
+                                        </p:attrNameLst>
+                                      </p:cBhvr>
+                                      <p:tavLst>
+                                        <p:tav tm="0">
+                                          <p:val>
+                                            <p:strVal val="1+#ppt_h/2"/>
+                                          </p:val>
+                                        </p:tav>
+                                        <p:tav tm="100000">
+                                          <p:val>
+                                            <p:strVal val="#ppt_y"/>
+                                          </p:val>
+                                        </p:tav>
+                                      </p:tavLst>
+                                    </p:anim>
+                                  </p:childTnLst>
+                                </p:cTn>
+                              </p:par>
+                            </p:childTnLst>
+                          </p:cTn>
+                        </p:par>
+                      </p:childTnLst>
+                    </p:cTn>
+                  </p:par>
+                  <p:par>
+                    <p:cTn id="9" fill="hold">
+                      <p:stCondLst>
+                        <p:cond delay="indefinite"/>
+                      </p:stCondLst>
+                      <p:childTnLst>
+                        <p:par>
+                          <p:cTn id="10" fill="hold">
+                            <p:stCondLst>
+                              <p:cond delay="0"/>
+                            </p:stCondLst>
+                            <p:childTnLst>
+                              <p:par>
+                                <p:cTn id="11" presetID="2" presetClass="entr" presetSubtype="4" fill="hold" grpId="0" nodeType="clickEffect">
+                                  <p:stCondLst>
+                                    <p:cond delay="0"/>
+                                  </p:stCondLst>
+                                  <p:childTnLst>
+                                    <p:set>
+                                      <p:cBhvr>
+                                        <p:cTn id="12" dur="1" fill="hold">
+                                          <p:stCondLst>
+                                            <p:cond delay="0"/>
+                                          </p:stCondLst>
+                                        </p:cTn>
+                                        <p:tgtEl>
+                                          <p:spTgt spid="3">
+                                            <p:txEl>
+                                              <p:pRg st="1" end="1"/>
+                                            </p:txEl>
+                                          </p:spTgt>
+                                        </p:tgtEl>
+                                        <p:attrNameLst>
+                                          <p:attrName>style.visibility</p:attrName>
+                                        </p:attrNameLst>
+                                      </p:cBhvr>
+                                      <p:to>
+                                        <p:strVal val="visible"/>
+                                      </p:to>
+                                    </p:set>
+                                    <p:anim calcmode="lin" valueType="num">
+                                      <p:cBhvr additive="base">
+                                        <p:cTn id="13" dur="500" fill="hold"/>
+                                        <p:tgtEl>
+                                          <p:spTgt spid="3">
+                                            <p:txEl>
+                                              <p:pRg st="1" end="1"/>
+                                            </p:txEl>
+                                          </p:spTgt>
+                                        </p:tgtEl>
+                                        <p:attrNameLst>
+                                          <p:attrName>ppt_x</p:attrName>
+                                        </p:attrNameLst>
+                                      </p:cBhvr>
+                                      <p:tavLst>
+                                        <p:tav tm="0">
+                                          <p:val>
+                                            <p:strVal val="#ppt_x"/>
+                                          </p:val>
+                                        </p:tav>
+                                        <p:tav tm="100000">
+                                          <p:val>
+                                            <p:strVal val="#ppt_x"/>
+                                          </p:val>
+                                        </p:tav>
+                                      </p:tavLst>
+                                    </p:anim>
+                                    <p:anim calcmode="lin" valueType="num">
+                                      <p:cBhvr additive="base">
+                                        <p:cTn id="14" dur="500" fill="hold"/>
+                                        <p:tgtEl>
+                                          <p:spTgt spid="3">
+                                            <p:txEl>
+                                              <p:pRg st="1" end="1"/>
+                                            </p:txEl>
+                                          </p:spTgt>
+                                        </p:tgtEl>
+                                        <p:attrNameLst>
+                                          <p:attrName>ppt_y</p:attrName>
+                                        </p:attrNameLst>
+                                      </p:cBhvr>
+                                      <p:tavLst>
+                                        <p:tav tm="0">
+                                          <p:val>
+                                            <p:strVal val="1+#ppt_h/2"/>
+                                          </p:val>
+                                        </p:tav>
+                                        <p:tav tm="100000">
+                                          <p:val>
+                                            <p:strVal val="#ppt_y"/>
+                                          </p:val>
+                                        </p:tav>
+                                      </p:tavLst>
+                                    </p:anim>
+                                  </p:childTnLst>
+                                </p:cTn>
+                              </p:par>
+                            </p:childTnLst>
+                          </p:cTn>
+                        </p:par>
+                      </p:childTnLst>
+                    </p:cTn>
+                  </p:par>
+                </p:childTnLst>
+              </p:cTn>
+              <p:prevCondLst>
+                <p:cond evt="onPrev" delay="0">
+                  <p:tgtEl>
+                    <p:sldTgt/>
+                  </p:tgtEl>
+                </p:cond>
+              </p:prevCondLst>
+              <p:nextCondLst>
+                <p:cond evt="onNext" delay="0">
+                  <p:tgtEl>
+                    <p:sldTgt/>
+                  </p:tgtEl>
+                </p:cond>
+              </p:nextCondLst>
+            </p:seq>
+          </p:childTnLst>
+        </p:cTn>
+      </p:par>
+    </p:tnLst>
+    <p:bldLst>
+      <p:bldP spid="3" grpId="0" build="p"/>
+    </p:bldLst>
+  </p:timing>
+</p:sld>
+</file>
+
+<file path=ppt/slides/slide2.xml><?xml version="1.0" encoding="utf-8"?>
+<p:sld xmlns:a="http://schemas.openxmlformats.org/drawingml/2006/main" xmlns:r="http://schemas.openxmlformats.org/officeDocument/2006/relationships" xmlns:p="http://schemas.openxmlformats.org/presentationml/2006/main">
+  <p:cSld>
+    <p:spTree>
+      <p:nvGrpSpPr>
+        <p:cNvPr id="1" name=""/>
+        <p:cNvGrpSpPr/>
+        <p:nvPr/>
+      </p:nvGrpSpPr>
+      <p:grpSpPr>
+        <a:xfrm>
+          <a:off x="0" y="0"/>
+          <a:ext cx="0" cy="0"/>
+          <a:chOff x="0" y="0"/>
+          <a:chExt cx="0" cy="0"/>
+        </a:xfrm>
+      </p:grpSpPr>
+      <p:sp>
+        <p:nvSpPr>
+          <p:cNvPr id="2" name="Title 1"/>
+          <p:cNvSpPr>
+            <a:spLocks noGrp="1"/>
+          </p:cNvSpPr>
+          <p:nvPr>
+            <p:ph type="ctrTitle"/>
+          </p:nvPr>
+        </p:nvSpPr>
+        <p:spPr/>
+        <p:txBody>
+          <a:bodyPr/>
+          <a:lstStyle/>
+          <a:p>
+            <a:r>
+              <a:rPr lang="en-US" dirty="0" smtClean="0"/>
+              <a:t>What is F#?</a:t>
+            </a:r>
+            <a:endParaRPr lang="en-US" dirty="0"/>
+          </a:p>
+        </p:txBody>
+      </p:sp>
+      <p:sp>
+        <p:nvSpPr>
+          <p:cNvPr id="3" name="Subtitle 2"/>
+          <p:cNvSpPr>
+            <a:spLocks noGrp="1"/>
+          </p:cNvSpPr>
+          <p:nvPr>
+            <p:ph type="subTitle" idx="1"/>
+          </p:nvPr>
+        </p:nvSpPr>
+        <p:spPr/>
+        <p:txBody>
+          <a:bodyPr/>
+          <a:lstStyle/>
+          <a:p>
+            <a:r>
+              <a:rPr lang="en-US" dirty="0" smtClean="0"/>
+              <a:t>F# is a mature, open source, cross-platform, functional-first programming language. It empowers users and organizations to tackle complex computing problems with simple, maintainable and robust code.</a:t>
+            </a:r>
+            <a:endParaRPr lang="en-US" dirty="0"/>
+          </a:p>
+        </p:txBody>
+      </p:sp>
+      <p:sp>
+        <p:nvSpPr>
+          <p:cNvPr id="4" name="TextBox 3"/>
+          <p:cNvSpPr txBox="1"/>
+          <p:nvPr/>
+        </p:nvSpPr>
+        <p:spPr>
+          <a:xfrm>
+            <a:off x="5123688" y="1303703"/>
+            <a:ext cx="1944624" cy="369332"/>
+          </a:xfrm>
+          <a:prstGeom prst="rect">
+            <a:avLst/>
+          </a:prstGeom>
+          <a:noFill/>
+        </p:spPr>
+        <p:txBody>
+          <a:bodyPr wrap="square" rtlCol="0">
+            <a:spAutoFit/>
+          </a:bodyPr>
+          <a:lstStyle/>
+          <a:p>
+            <a:r>
+              <a:rPr lang="en-US" dirty="0" smtClean="0">
+                <a:hlinkClick r:id="rId3"/>
+              </a:rPr>
+              <a:t>http://fsharp.org/</a:t>
+            </a:r>
+            <a:r>
+              <a:rPr lang="en-US" dirty="0" smtClean="0"/>
+              <a:t> </a:t>
+            </a:r>
+            <a:endParaRPr lang="en-US" dirty="0"/>
+          </a:p>
+        </p:txBody>
+      </p:sp>
+    </p:spTree>
+    <p:extLst>
+      <p:ext uri="{BB962C8B-B14F-4D97-AF65-F5344CB8AC3E}">
+        <p14:creationId xmlns:p14="http://schemas.microsoft.com/office/powerpoint/2010/main" val="2403277700"/>
+      </p:ext>
+    </p:extLst>
+  </p:cSld>
+  <p:clrMapOvr>
+    <a:masterClrMapping/>
+  </p:clrMapOvr>
+  <p:timing>
+    <p:tnLst>
+      <p:par>
+        <p:cTn id="1" dur="indefinite" restart="never" nodeType="tmRoot"/>
+      </p:par>
+    </p:tnLst>
+  </p:timing>
+</p:sld>
+</file>
+
+<file path=ppt/slides/slide3.xml><?xml version="1.0" encoding="utf-8"?>
+<p:sld xmlns:a="http://schemas.openxmlformats.org/drawingml/2006/main" xmlns:r="http://schemas.openxmlformats.org/officeDocument/2006/relationships" xmlns:p="http://schemas.openxmlformats.org/presentationml/2006/main">
+  <p:cSld>
+    <p:spTree>
+      <p:nvGrpSpPr>
+        <p:cNvPr id="1" name=""/>
+        <p:cNvGrpSpPr/>
+        <p:nvPr/>
+      </p:nvGrpSpPr>
+      <p:grpSpPr>
+        <a:xfrm>
+          <a:off x="0" y="0"/>
+          <a:ext cx="0" cy="0"/>
+          <a:chOff x="0" y="0"/>
+          <a:chExt cx="0" cy="0"/>
+        </a:xfrm>
+      </p:grpSpPr>
+      <p:sp>
+        <p:nvSpPr>
+          <p:cNvPr id="2" name="Title 1"/>
+          <p:cNvSpPr>
+            <a:spLocks noGrp="1"/>
+          </p:cNvSpPr>
+          <p:nvPr>
+            <p:ph type="ctrTitle"/>
+          </p:nvPr>
+        </p:nvSpPr>
+        <p:spPr/>
+        <p:txBody>
+          <a:bodyPr/>
+          <a:lstStyle/>
+          <a:p>
+            <a:r>
+              <a:rPr lang="en-US" dirty="0" smtClean="0"/>
+              <a:t>Demo</a:t>
+            </a:r>
+            <a:endParaRPr lang="en-US" dirty="0"/>
+          </a:p>
+        </p:txBody>
+      </p:sp>
+      <p:sp>
+        <p:nvSpPr>
+          <p:cNvPr id="3" name="Subtitle 2"/>
+          <p:cNvSpPr>
+            <a:spLocks noGrp="1"/>
+          </p:cNvSpPr>
+          <p:nvPr>
+            <p:ph type="subTitle" idx="1"/>
+          </p:nvPr>
+        </p:nvSpPr>
+        <p:spPr/>
+        <p:txBody>
+          <a:bodyPr/>
+          <a:lstStyle/>
+          <a:p>
+            <a:r>
+              <a:rPr lang="en-US" dirty="0" smtClean="0"/>
+              <a:t>What does F# look like?</a:t>
+            </a:r>
+            <a:endParaRPr lang="en-US" dirty="0"/>
+          </a:p>
+        </p:txBody>
+      </p:sp>
+    </p:spTree>
+    <p:extLst>
+      <p:ext uri="{BB962C8B-B14F-4D97-AF65-F5344CB8AC3E}">
+        <p14:creationId xmlns:p14="http://schemas.microsoft.com/office/powerpoint/2010/main" val="3072843111"/>
+      </p:ext>
+    </p:extLst>
+  </p:cSld>
+  <p:clrMapOvr>
+    <a:masterClrMapping/>
+  </p:clrMapOvr>
+  <p:timing>
+    <p:tnLst>
+      <p:par>
+        <p:cTn id="1" dur="indefinite" restart="never" nodeType="tmRoot"/>
+      </p:par>
+    </p:tnLst>
+  </p:timing>
+</p:sld>
+</file>
+
+<file path=ppt/slides/slide4.xml><?xml version="1.0" encoding="utf-8"?>
+<p:sld xmlns:a="http://schemas.openxmlformats.org/drawingml/2006/main" xmlns:r="http://schemas.openxmlformats.org/officeDocument/2006/relationships" xmlns:p="http://schemas.openxmlformats.org/presentationml/2006/main">
+  <p:cSld>
+    <p:spTree>
+      <p:nvGrpSpPr>
+        <p:cNvPr id="1" name=""/>
+        <p:cNvGrpSpPr/>
+        <p:nvPr/>
+      </p:nvGrpSpPr>
+      <p:grpSpPr>
+        <a:xfrm>
+          <a:off x="0" y="0"/>
+          <a:ext cx="0" cy="0"/>
+          <a:chOff x="0" y="0"/>
+          <a:chExt cx="0" cy="0"/>
+        </a:xfrm>
+      </p:grpSpPr>
+      <p:sp>
+        <p:nvSpPr>
+          <p:cNvPr id="2" name="Title 1"/>
+          <p:cNvSpPr>
+            <a:spLocks noGrp="1"/>
+          </p:cNvSpPr>
+          <p:nvPr>
+            <p:ph type="ctrTitle"/>
+          </p:nvPr>
+        </p:nvSpPr>
+        <p:spPr/>
+        <p:txBody>
+          <a:bodyPr/>
+          <a:lstStyle/>
+          <a:p>
+            <a:r>
+              <a:rPr lang="en-US" dirty="0" smtClean="0"/>
+              <a:t>Demo</a:t>
+            </a:r>
+            <a:endParaRPr lang="en-US" dirty="0"/>
+          </a:p>
+        </p:txBody>
+      </p:sp>
+      <p:sp>
+        <p:nvSpPr>
+          <p:cNvPr id="3" name="Subtitle 2"/>
+          <p:cNvSpPr>
+            <a:spLocks noGrp="1"/>
+          </p:cNvSpPr>
+          <p:nvPr>
+            <p:ph type="subTitle" idx="1"/>
+          </p:nvPr>
+        </p:nvSpPr>
+        <p:spPr/>
+        <p:txBody>
+          <a:bodyPr/>
+          <a:lstStyle/>
+          <a:p>
+            <a:r>
+              <a:rPr lang="en-US" dirty="0" smtClean="0"/>
+              <a:t>A simple application to send messages to people.  Names are loaded from a file, then a message is output to the console for each name.  Same application used in the C# </a:t>
+            </a:r>
+            <a:r>
+              <a:rPr lang="en-US" dirty="0" err="1" smtClean="0"/>
+              <a:t>Ninject</a:t>
+            </a:r>
+            <a:r>
+              <a:rPr lang="en-US" dirty="0" smtClean="0"/>
+              <a:t> talk.</a:t>
+            </a:r>
+            <a:endParaRPr lang="en-US" dirty="0"/>
+          </a:p>
+        </p:txBody>
+      </p:sp>
+    </p:spTree>
+    <p:extLst>
+      <p:ext uri="{BB962C8B-B14F-4D97-AF65-F5344CB8AC3E}">
+        <p14:creationId xmlns:p14="http://schemas.microsoft.com/office/powerpoint/2010/main" val="698164954"/>
+      </p:ext>
+    </p:extLst>
+  </p:cSld>
+  <p:clrMapOvr>
+    <a:masterClrMapping/>
+  </p:clrMapOvr>
+  <p:timing>
+    <p:tnLst>
+      <p:par>
+        <p:cTn id="1" dur="indefinite" restart="never" nodeType="tmRoot"/>
+      </p:par>
+    </p:tnLst>
+  </p:timing>
+</p:sld>
+</file>
+
+<file path=ppt/slides/slide5.xml><?xml version="1.0" encoding="utf-8"?>
+<p:sld xmlns:a="http://schemas.openxmlformats.org/drawingml/2006/main" xmlns:r="http://schemas.openxmlformats.org/officeDocument/2006/relationships" xmlns:p="http://schemas.openxmlformats.org/presentationml/2006/main">
+  <p:cSld>
+    <p:spTree>
+      <p:nvGrpSpPr>
+        <p:cNvPr id="1" name=""/>
+        <p:cNvGrpSpPr/>
+        <p:nvPr/>
+      </p:nvGrpSpPr>
+      <p:grpSpPr>
+        <a:xfrm>
+          <a:off x="0" y="0"/>
+          <a:ext cx="0" cy="0"/>
+          <a:chOff x="0" y="0"/>
+          <a:chExt cx="0" cy="0"/>
+        </a:xfrm>
+      </p:grpSpPr>
+      <p:sp>
+        <p:nvSpPr>
+          <p:cNvPr id="2" name="Title 1"/>
+          <p:cNvSpPr>
+            <a:spLocks noGrp="1"/>
+          </p:cNvSpPr>
+          <p:nvPr>
+            <p:ph type="title"/>
+          </p:nvPr>
+        </p:nvSpPr>
+        <p:spPr/>
+        <p:txBody>
+          <a:bodyPr/>
+          <a:lstStyle/>
+          <a:p>
+            <a:r>
+              <a:rPr lang="en-US" dirty="0" smtClean="0"/>
+              <a:t>Step 1 – Translate C# directly into F#</a:t>
+            </a:r>
+            <a:endParaRPr lang="en-US" dirty="0"/>
+          </a:p>
+        </p:txBody>
+      </p:sp>
+      <p:sp>
+        <p:nvSpPr>
+          <p:cNvPr id="3" name="Content Placeholder 2"/>
+          <p:cNvSpPr>
+            <a:spLocks noGrp="1"/>
+          </p:cNvSpPr>
+          <p:nvPr>
+            <p:ph idx="1"/>
+          </p:nvPr>
+        </p:nvSpPr>
+        <p:spPr/>
+        <p:txBody>
+          <a:bodyPr/>
+          <a:lstStyle/>
+          <a:p>
+            <a:r>
+              <a:rPr lang="en-US" dirty="0" smtClean="0"/>
+              <a:t>Translate Step 1 of the C# code into F# using OOP</a:t>
+            </a:r>
+          </a:p>
+          <a:p>
+            <a:pPr marL="0" indent="0">
+              <a:buNone/>
+            </a:pPr>
+            <a:endParaRPr lang="en-US" dirty="0" smtClean="0"/>
+          </a:p>
+          <a:p>
+            <a:r>
+              <a:rPr lang="en-US" dirty="0" smtClean="0"/>
+              <a:t>Compare F# code to C#</a:t>
+            </a:r>
+          </a:p>
+          <a:p>
+            <a:pPr lvl="1"/>
+            <a:r>
+              <a:rPr lang="en-US" dirty="0" smtClean="0"/>
+              <a:t>Less ceremony</a:t>
+            </a:r>
+          </a:p>
+          <a:p>
+            <a:pPr lvl="1"/>
+            <a:r>
+              <a:rPr lang="en-US" dirty="0" smtClean="0"/>
+              <a:t>Very terse in comparison</a:t>
+            </a:r>
+            <a:endParaRPr lang="en-US" dirty="0"/>
+          </a:p>
+        </p:txBody>
+      </p:sp>
+    </p:spTree>
+    <p:extLst>
+      <p:ext uri="{BB962C8B-B14F-4D97-AF65-F5344CB8AC3E}">
+        <p14:creationId xmlns:p14="http://schemas.microsoft.com/office/powerpoint/2010/main" val="587640384"/>
+      </p:ext>
+    </p:extLst>
+  </p:cSld>
+  <p:clrMapOvr>
+    <a:masterClrMapping/>
+  </p:clrMapOvr>
+  <p:timing>
+    <p:tnLst>
+      <p:par>
+        <p:cTn id="1" dur="indefinite" restart="never" nodeType="tmRoot">
+          <p:childTnLst>
+            <p:seq concurrent="1" nextAc="seek">
+              <p:cTn id="2" dur="indefinite" nodeType="mainSeq">
+                <p:childTnLst>
+                  <p:par>
+                    <p:cTn id="3" fill="hold">
+                      <p:stCondLst>
+                        <p:cond delay="indefinite"/>
+                      </p:stCondLst>
+                      <p:childTnLst>
+                        <p:par>
+                          <p:cTn id="4" fill="hold">
+                            <p:stCondLst>
+                              <p:cond delay="0"/>
+                            </p:stCondLst>
+                            <p:childTnLst>
+                              <p:par>
+                                <p:cTn id="5" presetID="1" presetClass="entr" presetSubtype="0" fill="hold" nodeType="clickEffect">
+                                  <p:stCondLst>
+                                    <p:cond delay="0"/>
+                                  </p:stCondLst>
+                                  <p:childTnLst>
+                                    <p:set>
+                                      <p:cBhvr>
+                                        <p:cTn id="6" dur="1" fill="hold">
+                                          <p:stCondLst>
+                                            <p:cond delay="0"/>
+                                          </p:stCondLst>
+                                        </p:cTn>
+                                        <p:tgtEl>
+                                          <p:spTgt spid="3">
+                                            <p:txEl>
+                                              <p:pRg st="0" end="0"/>
+                                            </p:txEl>
+                                          </p:spTgt>
+                                        </p:tgtEl>
+                                        <p:attrNameLst>
+                                          <p:attrName>style.visibility</p:attrName>
+                                        </p:attrNameLst>
+                                      </p:cBhvr>
+                                      <p:to>
+                                        <p:strVal val="visible"/>
+                                      </p:to>
+                                    </p:set>
+                                  </p:childTnLst>
+                                </p:cTn>
+                              </p:par>
+                            </p:childTnLst>
+                          </p:cTn>
+                        </p:par>
+                      </p:childTnLst>
+                    </p:cTn>
+                  </p:par>
+                  <p:par>
+                    <p:cTn id="7" fill="hold">
+                      <p:stCondLst>
+                        <p:cond delay="indefinite"/>
+                      </p:stCondLst>
+                      <p:childTnLst>
+                        <p:par>
+                          <p:cTn id="8" fill="hold">
+                            <p:stCondLst>
+                              <p:cond delay="0"/>
+                            </p:stCondLst>
+                            <p:childTnLst>
+                              <p:par>
+                                <p:cTn id="9" presetID="2" presetClass="entr" presetSubtype="4" fill="hold" nodeType="clickEffect">
+                                  <p:stCondLst>
+                                    <p:cond delay="0"/>
+                                  </p:stCondLst>
+                                  <p:childTnLst>
+                                    <p:set>
+                                      <p:cBhvr>
+                                        <p:cTn id="10" dur="1" fill="hold">
+                                          <p:stCondLst>
+                                            <p:cond delay="0"/>
+                                          </p:stCondLst>
+                                        </p:cTn>
+                                        <p:tgtEl>
+                                          <p:spTgt spid="3">
+                                            <p:txEl>
+                                              <p:pRg st="2" end="2"/>
+                                            </p:txEl>
+                                          </p:spTgt>
+                                        </p:tgtEl>
+                                        <p:attrNameLst>
+                                          <p:attrName>style.visibility</p:attrName>
+                                        </p:attrNameLst>
+                                      </p:cBhvr>
+                                      <p:to>
+                                        <p:strVal val="visible"/>
+                                      </p:to>
+                                    </p:set>
+                                    <p:anim calcmode="lin" valueType="num">
+                                      <p:cBhvr additive="base">
+                                        <p:cTn id="11" dur="500" fill="hold"/>
+                                        <p:tgtEl>
+                                          <p:spTgt spid="3">
+                                            <p:txEl>
+                                              <p:pRg st="2" end="2"/>
+                                            </p:txEl>
+                                          </p:spTgt>
+                                        </p:tgtEl>
+                                        <p:attrNameLst>
+                                          <p:attrName>ppt_x</p:attrName>
+                                        </p:attrNameLst>
+                                      </p:cBhvr>
+                                      <p:tavLst>
+                                        <p:tav tm="0">
+                                          <p:val>
+                                            <p:strVal val="#ppt_x"/>
+                                          </p:val>
+                                        </p:tav>
+                                        <p:tav tm="100000">
+                                          <p:val>
+                                            <p:strVal val="#ppt_x"/>
+                                          </p:val>
+                                        </p:tav>
+                                      </p:tavLst>
+                                    </p:anim>
+                                    <p:anim calcmode="lin" valueType="num">
+                                      <p:cBhvr additive="base">
+                                        <p:cTn id="12" dur="500" fill="hold"/>
+                                        <p:tgtEl>
+                                          <p:spTgt spid="3">
+                                            <p:txEl>
+                                              <p:pRg st="2" end="2"/>
+                                            </p:txEl>
+                                          </p:spTgt>
+                                        </p:tgtEl>
+                                        <p:attrNameLst>
+                                          <p:attrName>ppt_y</p:attrName>
+                                        </p:attrNameLst>
+                                      </p:cBhvr>
+                                      <p:tavLst>
+                                        <p:tav tm="0">
+                                          <p:val>
+                                            <p:strVal val="1+#ppt_h/2"/>
+                                          </p:val>
+                                        </p:tav>
+                                        <p:tav tm="100000">
+                                          <p:val>
+                                            <p:strVal val="#ppt_y"/>
+                                          </p:val>
+                                        </p:tav>
+                                      </p:tavLst>
+                                    </p:anim>
+                                  </p:childTnLst>
+                                </p:cTn>
+                              </p:par>
+                              <p:par>
+                                <p:cTn id="13" presetID="2" presetClass="entr" presetSubtype="4" fill="hold" nodeType="withEffect">
+                                  <p:stCondLst>
+                                    <p:cond delay="0"/>
+                                  </p:stCondLst>
+                                  <p:childTnLst>
+                                    <p:set>
+                                      <p:cBhvr>
+                                        <p:cTn id="14" dur="1" fill="hold">
+                                          <p:stCondLst>
+                                            <p:cond delay="0"/>
+                                          </p:stCondLst>
+                                        </p:cTn>
+                                        <p:tgtEl>
+                                          <p:spTgt spid="3">
+                                            <p:txEl>
+                                              <p:pRg st="3" end="3"/>
+                                            </p:txEl>
+                                          </p:spTgt>
+                                        </p:tgtEl>
+                                        <p:attrNameLst>
+                                          <p:attrName>style.visibility</p:attrName>
+                                        </p:attrNameLst>
+                                      </p:cBhvr>
+                                      <p:to>
+                                        <p:strVal val="visible"/>
+                                      </p:to>
+                                    </p:set>
+                                    <p:anim calcmode="lin" valueType="num">
+                                      <p:cBhvr additive="base">
+                                        <p:cTn id="15" dur="500" fill="hold"/>
+                                        <p:tgtEl>
+                                          <p:spTgt spid="3">
+                                            <p:txEl>
+                                              <p:pRg st="3" end="3"/>
+                                            </p:txEl>
+                                          </p:spTgt>
+                                        </p:tgtEl>
+                                        <p:attrNameLst>
+                                          <p:attrName>ppt_x</p:attrName>
+                                        </p:attrNameLst>
+                                      </p:cBhvr>
+                                      <p:tavLst>
+                                        <p:tav tm="0">
+                                          <p:val>
+                                            <p:strVal val="#ppt_x"/>
+                                          </p:val>
+                                        </p:tav>
+                                        <p:tav tm="100000">
+                                          <p:val>
+                                            <p:strVal val="#ppt_x"/>
+                                          </p:val>
+                                        </p:tav>
+                                      </p:tavLst>
+                                    </p:anim>
+                                    <p:anim calcmode="lin" valueType="num">
+                                      <p:cBhvr additive="base">
+                                        <p:cTn id="16" dur="500" fill="hold"/>
+                                        <p:tgtEl>
+                                          <p:spTgt spid="3">
+                                            <p:txEl>
+                                              <p:pRg st="3" end="3"/>
+                                            </p:txEl>
+                                          </p:spTgt>
+                                        </p:tgtEl>
+                                        <p:attrNameLst>
+                                          <p:attrName>ppt_y</p:attrName>
+                                        </p:attrNameLst>
+                                      </p:cBhvr>
+                                      <p:tavLst>
+                                        <p:tav tm="0">
+                                          <p:val>
+                                            <p:strVal val="1+#ppt_h/2"/>
+                                          </p:val>
+                                        </p:tav>
+                                        <p:tav tm="100000">
+                                          <p:val>
+                                            <p:strVal val="#ppt_y"/>
+                                          </p:val>
+                                        </p:tav>
+                                      </p:tavLst>
+                                    </p:anim>
+                                  </p:childTnLst>
+                                </p:cTn>
+                              </p:par>
+                              <p:par>
+                                <p:cTn id="17" presetID="2" presetClass="entr" presetSubtype="4" fill="hold" nodeType="withEffect">
+                                  <p:stCondLst>
+                                    <p:cond delay="0"/>
+                                  </p:stCondLst>
+                                  <p:childTnLst>
+                                    <p:set>
+                                      <p:cBhvr>
+                                        <p:cTn id="18" dur="1" fill="hold">
+                                          <p:stCondLst>
+                                            <p:cond delay="0"/>
+                                          </p:stCondLst>
+                                        </p:cTn>
+                                        <p:tgtEl>
+                                          <p:spTgt spid="3">
+                                            <p:txEl>
+                                              <p:pRg st="4" end="4"/>
+                                            </p:txEl>
+                                          </p:spTgt>
+                                        </p:tgtEl>
+                                        <p:attrNameLst>
+                                          <p:attrName>style.visibility</p:attrName>
+                                        </p:attrNameLst>
+                                      </p:cBhvr>
+                                      <p:to>
+                                        <p:strVal val="visible"/>
+                                      </p:to>
+                                    </p:set>
+                                    <p:anim calcmode="lin" valueType="num">
+                                      <p:cBhvr additive="base">
+                                        <p:cTn id="19" dur="500" fill="hold"/>
+                                        <p:tgtEl>
+                                          <p:spTgt spid="3">
+                                            <p:txEl>
+                                              <p:pRg st="4" end="4"/>
+                                            </p:txEl>
+                                          </p:spTgt>
+                                        </p:tgtEl>
+                                        <p:attrNameLst>
+                                          <p:attrName>ppt_x</p:attrName>
+                                        </p:attrNameLst>
+                                      </p:cBhvr>
+                                      <p:tavLst>
+                                        <p:tav tm="0">
+                                          <p:val>
+                                            <p:strVal val="#ppt_x"/>
+                                          </p:val>
+                                        </p:tav>
+                                        <p:tav tm="100000">
+                                          <p:val>
+                                            <p:strVal val="#ppt_x"/>
+                                          </p:val>
+                                        </p:tav>
+                                      </p:tavLst>
+                                    </p:anim>
+                                    <p:anim calcmode="lin" valueType="num">
+                                      <p:cBhvr additive="base">
+                                        <p:cTn id="20" dur="500" fill="hold"/>
+                                        <p:tgtEl>
+                                          <p:spTgt spid="3">
+                                            <p:txEl>
+                                              <p:pRg st="4" end="4"/>
+                                            </p:txEl>
+                                          </p:spTgt>
+                                        </p:tgtEl>
+                                        <p:attrNameLst>
+                                          <p:attrName>ppt_y</p:attrName>
+                                        </p:attrNameLst>
+                                      </p:cBhvr>
+                                      <p:tavLst>
+                                        <p:tav tm="0">
+                                          <p:val>
+                                            <p:strVal val="1+#ppt_h/2"/>
+                                          </p:val>
+                                        </p:tav>
+                                        <p:tav tm="100000">
+                                          <p:val>
+                                            <p:strVal val="#ppt_y"/>
+                                          </p:val>
+                                        </p:tav>
+                                      </p:tavLst>
+                                    </p:anim>
+                                  </p:childTnLst>
+                                </p:cTn>
+                              </p:par>
+                            </p:childTnLst>
+                          </p:cTn>
+                        </p:par>
+                      </p:childTnLst>
+                    </p:cTn>
+                  </p:par>
+                </p:childTnLst>
+              </p:cTn>
+              <p:prevCondLst>
+                <p:cond evt="onPrev" delay="0">
+                  <p:tgtEl>
+                    <p:sldTgt/>
+                  </p:tgtEl>
+                </p:cond>
+              </p:prevCondLst>
+              <p:nextCondLst>
+                <p:cond evt="onNext" delay="0">
+                  <p:tgtEl>
+                    <p:sldTgt/>
+                  </p:tgtEl>
+                </p:cond>
+              </p:nextCondLst>
+            </p:seq>
+          </p:childTnLst>
+        </p:cTn>
+      </p:par>
+    </p:tnLst>
+  </p:timing>
+</p:sld>
+</file>
+
+<file path=ppt/slides/slide6.xml><?xml version="1.0" encoding="utf-8"?>
+<p:sld xmlns:a="http://schemas.openxmlformats.org/drawingml/2006/main" xmlns:r="http://schemas.openxmlformats.org/officeDocument/2006/relationships" xmlns:p="http://schemas.openxmlformats.org/presentationml/2006/main">
+  <p:cSld>
+    <p:spTree>
+      <p:nvGrpSpPr>
+        <p:cNvPr id="1" name=""/>
+        <p:cNvGrpSpPr/>
+        <p:nvPr/>
+      </p:nvGrpSpPr>
+      <p:grpSpPr>
+        <a:xfrm>
+          <a:off x="0" y="0"/>
+          <a:ext cx="0" cy="0"/>
+          <a:chOff x="0" y="0"/>
+          <a:chExt cx="0" cy="0"/>
+        </a:xfrm>
+      </p:grpSpPr>
+      <p:sp>
+        <p:nvSpPr>
+          <p:cNvPr id="2" name="Title 1"/>
+          <p:cNvSpPr>
+            <a:spLocks noGrp="1"/>
+          </p:cNvSpPr>
+          <p:nvPr>
+            <p:ph type="title"/>
+          </p:nvPr>
+        </p:nvSpPr>
+        <p:spPr/>
+        <p:txBody>
+          <a:bodyPr/>
+          <a:lstStyle/>
+          <a:p>
+            <a:r>
+              <a:rPr lang="en-US" dirty="0" smtClean="0"/>
+              <a:t>Step 2 – Translate OO to functional style</a:t>
+            </a:r>
+            <a:endParaRPr lang="en-US" dirty="0"/>
+          </a:p>
+        </p:txBody>
+      </p:sp>
+      <p:sp>
+        <p:nvSpPr>
+          <p:cNvPr id="3" name="Content Placeholder 2"/>
+          <p:cNvSpPr>
+            <a:spLocks noGrp="1"/>
+          </p:cNvSpPr>
+          <p:nvPr>
+            <p:ph idx="1"/>
+          </p:nvPr>
+        </p:nvSpPr>
+        <p:spPr/>
+        <p:txBody>
+          <a:bodyPr>
+            <a:normAutofit/>
+          </a:bodyPr>
+          <a:lstStyle/>
+          <a:p>
+            <a:r>
+              <a:rPr lang="en-US" dirty="0" smtClean="0"/>
+              <a:t>Demo – Remove the class</a:t>
+            </a:r>
+          </a:p>
+          <a:p>
+            <a:pPr lvl="1"/>
+            <a:r>
+              <a:rPr lang="en-US" dirty="0" smtClean="0"/>
+              <a:t>Modules provide encapsulation instead of classes</a:t>
+            </a:r>
+          </a:p>
+          <a:p>
+            <a:pPr marL="0" indent="0">
+              <a:buNone/>
+            </a:pPr>
+            <a:endParaRPr lang="en-US" dirty="0"/>
+          </a:p>
+        </p:txBody>
+      </p:sp>
+    </p:spTree>
+    <p:extLst>
+      <p:ext uri="{BB962C8B-B14F-4D97-AF65-F5344CB8AC3E}">
+        <p14:creationId xmlns:p14="http://schemas.microsoft.com/office/powerpoint/2010/main" val="1436788765"/>
+      </p:ext>
+    </p:extLst>
+  </p:cSld>
+  <p:clrMapOvr>
+    <a:masterClrMapping/>
+  </p:clrMapOvr>
+  <mc:AlternateContent xmlns:mc="http://schemas.openxmlformats.org/markup-compatibility/2006" xmlns:p14="http://schemas.microsoft.com/office/powerpoint/2010/main">
+    <mc:Choice Requires="p14">
+      <p:transition spd="med" p14:dur="700">
+        <p:fade/>
+      </p:transition>
+    </mc:Choice>
+    <mc:Fallback xmlns="">
+      <p:transition spd="med">
+        <p:fade/>
+      </p:transition>
+    </mc:Fallback>
+  </mc:AlternateContent>
+  <p:timing>
+    <p:tnLst>
+      <p:par>
+        <p:cTn id="1" dur="indefinite" restart="never" nodeType="tmRoot">
+          <p:childTnLst>
+            <p:seq concurrent="1" nextAc="seek">
+              <p:cTn id="2" dur="indefinite" nodeType="mainSeq">
+                <p:childTnLst>
+                  <p:par>
+                    <p:cTn id="3" fill="hold">
+                      <p:stCondLst>
+                        <p:cond delay="indefinite"/>
+                      </p:stCondLst>
+                      <p:childTnLst>
+                        <p:par>
+                          <p:cTn id="4" fill="hold">
+                            <p:stCondLst>
+                              <p:cond delay="0"/>
+                            </p:stCondLst>
+                            <p:childTnLst>
+                              <p:par>
+                                <p:cTn id="5" presetID="2" presetClass="entr" presetSubtype="4" fill="hold" nodeType="clickEffect">
+                                  <p:stCondLst>
+                                    <p:cond delay="0"/>
+                                  </p:stCondLst>
+                                  <p:childTnLst>
+                                    <p:set>
+                                      <p:cBhvr>
+                                        <p:cTn id="6" dur="1" fill="hold">
+                                          <p:stCondLst>
+                                            <p:cond delay="0"/>
+                                          </p:stCondLst>
+                                        </p:cTn>
+                                        <p:tgtEl>
+                                          <p:spTgt spid="3">
+                                            <p:txEl>
+                                              <p:pRg st="1" end="1"/>
+                                            </p:txEl>
+                                          </p:spTgt>
+                                        </p:tgtEl>
+                                        <p:attrNameLst>
+                                          <p:attrName>style.visibility</p:attrName>
+                                        </p:attrNameLst>
+                                      </p:cBhvr>
+                                      <p:to>
+                                        <p:strVal val="visible"/>
+                                      </p:to>
+                                    </p:set>
+                                    <p:anim calcmode="lin" valueType="num">
+                                      <p:cBhvr additive="base">
+                                        <p:cTn id="7" dur="500" fill="hold"/>
+                                        <p:tgtEl>
+                                          <p:spTgt spid="3">
+                                            <p:txEl>
+                                              <p:pRg st="1" end="1"/>
+                                            </p:txEl>
+                                          </p:spTgt>
+                                        </p:tgtEl>
+                                        <p:attrNameLst>
+                                          <p:attrName>ppt_x</p:attrName>
+                                        </p:attrNameLst>
+                                      </p:cBhvr>
+                                      <p:tavLst>
+                                        <p:tav tm="0">
+                                          <p:val>
+                                            <p:strVal val="#ppt_x"/>
+                                          </p:val>
+                                        </p:tav>
+                                        <p:tav tm="100000">
+                                          <p:val>
+                                            <p:strVal val="#ppt_x"/>
+                                          </p:val>
+                                        </p:tav>
+                                      </p:tavLst>
+                                    </p:anim>
+                                    <p:anim calcmode="lin" valueType="num">
+                                      <p:cBhvr additive="base">
+                                        <p:cTn id="8" dur="500" fill="hold"/>
+                                        <p:tgtEl>
+                                          <p:spTgt spid="3">
+                                            <p:txEl>
+                                              <p:pRg st="1" end="1"/>
+                                            </p:txEl>
+                                          </p:spTgt>
+                                        </p:tgtEl>
+                                        <p:attrNameLst>
+                                          <p:attrName>ppt_y</p:attrName>
+                                        </p:attrNameLst>
+                                      </p:cBhvr>
+                                      <p:tavLst>
+                                        <p:tav tm="0">
+                                          <p:val>
+                                            <p:strVal val="1+#ppt_h/2"/>
+                                          </p:val>
+                                        </p:tav>
+                                        <p:tav tm="100000">
+                                          <p:val>
+                                            <p:strVal val="#ppt_y"/>
+                                          </p:val>
+                                        </p:tav>
+                                      </p:tavLst>
+                                    </p:anim>
+                                  </p:childTnLst>
+                                </p:cTn>
+                              </p:par>
+                            </p:childTnLst>
+                          </p:cTn>
+                        </p:par>
+                      </p:childTnLst>
+                    </p:cTn>
+                  </p:par>
+                </p:childTnLst>
+              </p:cTn>
+              <p:prevCondLst>
+                <p:cond evt="onPrev" delay="0">
+                  <p:tgtEl>
+                    <p:sldTgt/>
+                  </p:tgtEl>
+                </p:cond>
+              </p:prevCondLst>
+              <p:nextCondLst>
+                <p:cond evt="onNext" delay="0">
+                  <p:tgtEl>
+                    <p:sldTgt/>
+                  </p:tgtEl>
+                </p:cond>
+              </p:nextCondLst>
+            </p:seq>
+          </p:childTnLst>
+        </p:cTn>
+      </p:par>
+    </p:tnLst>
+  </p:timing>
+</p:sld>
+</file>
+
+<file path=ppt/slides/slide7.xml><?xml version="1.0" encoding="utf-8"?>
+<p:sld xmlns:a="http://schemas.openxmlformats.org/drawingml/2006/main" xmlns:r="http://schemas.openxmlformats.org/officeDocument/2006/relationships" xmlns:p="http://schemas.openxmlformats.org/presentationml/2006/main">
+  <p:cSld>
+    <p:spTree>
+      <p:nvGrpSpPr>
+        <p:cNvPr id="1" name=""/>
+        <p:cNvGrpSpPr/>
+        <p:nvPr/>
+      </p:nvGrpSpPr>
+      <p:grpSpPr>
+        <a:xfrm>
+          <a:off x="0" y="0"/>
+          <a:ext cx="0" cy="0"/>
+          <a:chOff x="0" y="0"/>
+          <a:chExt cx="0" cy="0"/>
+        </a:xfrm>
+      </p:grpSpPr>
+      <p:sp>
+        <p:nvSpPr>
+          <p:cNvPr id="2" name="Title 1"/>
+          <p:cNvSpPr>
+            <a:spLocks noGrp="1"/>
+          </p:cNvSpPr>
+          <p:nvPr>
+            <p:ph type="title"/>
+          </p:nvPr>
+        </p:nvSpPr>
+        <p:spPr/>
+        <p:txBody>
+          <a:bodyPr/>
+          <a:lstStyle/>
+          <a:p>
+            <a:r>
+              <a:rPr lang="en-US" dirty="0" smtClean="0"/>
+              <a:t>Step 2 – Translate OO to functional style</a:t>
+            </a:r>
+            <a:endParaRPr lang="en-US" dirty="0"/>
+          </a:p>
+        </p:txBody>
+      </p:sp>
+      <p:sp>
+        <p:nvSpPr>
+          <p:cNvPr id="3" name="Content Placeholder 2"/>
+          <p:cNvSpPr>
+            <a:spLocks noGrp="1"/>
+          </p:cNvSpPr>
+          <p:nvPr>
+            <p:ph idx="1"/>
+          </p:nvPr>
+        </p:nvSpPr>
+        <p:spPr/>
+        <p:txBody>
+          <a:bodyPr>
+            <a:normAutofit/>
+          </a:bodyPr>
+          <a:lstStyle/>
+          <a:p>
+            <a:r>
+              <a:rPr lang="en-US" dirty="0" smtClean="0"/>
+              <a:t>Demo – Remove the class</a:t>
+            </a:r>
+          </a:p>
+          <a:p>
+            <a:pPr lvl="1"/>
+            <a:r>
+              <a:rPr lang="en-US" dirty="0" smtClean="0"/>
+              <a:t>Modules provide encapsulation instead of classes</a:t>
+            </a:r>
+          </a:p>
+          <a:p>
+            <a:r>
+              <a:rPr lang="en-US" dirty="0" smtClean="0"/>
+              <a:t>Demo – Introduce composition</a:t>
+            </a:r>
+          </a:p>
+          <a:p>
+            <a:pPr lvl="1"/>
+            <a:r>
+              <a:rPr lang="en-US" dirty="0" smtClean="0"/>
+              <a:t>Compose small functions together to build complex </a:t>
+            </a:r>
+            <a:r>
+              <a:rPr lang="en-US" dirty="0" smtClean="0"/>
+              <a:t>functionality</a:t>
+            </a:r>
+            <a:endParaRPr lang="en-US" dirty="0" smtClean="0"/>
+          </a:p>
+        </p:txBody>
+      </p:sp>
+    </p:spTree>
+    <p:extLst>
+      <p:ext uri="{BB962C8B-B14F-4D97-AF65-F5344CB8AC3E}">
+        <p14:creationId xmlns:p14="http://schemas.microsoft.com/office/powerpoint/2010/main" val="760195589"/>
+      </p:ext>
+    </p:extLst>
+  </p:cSld>
+  <p:clrMapOvr>
+    <a:masterClrMapping/>
+  </p:clrMapOvr>
+  <mc:AlternateContent xmlns:mc="http://schemas.openxmlformats.org/markup-compatibility/2006">
+    <mc:Choice xmlns:p14="http://schemas.microsoft.com/office/powerpoint/2010/main" Requires="p14">
+      <p:transition p14:dur="0"/>
+    </mc:Choice>
+    <mc:Fallback>
+      <p:transition/>
+    </mc:Fallback>
+  </mc:AlternateContent>
+  <p:timing>
+    <p:tnLst>
+      <p:par>
+        <p:cTn id="1" dur="indefinite" restart="never" nodeType="tmRoot">
+          <p:childTnLst>
+            <p:seq concurrent="1" nextAc="seek">
+              <p:cTn id="2" dur="indefinite" nodeType="mainSeq">
+                <p:childTnLst>
+                  <p:par>
+                    <p:cTn id="3" fill="hold">
+                      <p:stCondLst>
+                        <p:cond delay="indefinite"/>
+                      </p:stCondLst>
+                      <p:childTnLst>
+                        <p:par>
+                          <p:cTn id="4" fill="hold">
+                            <p:stCondLst>
+                              <p:cond delay="0"/>
+                            </p:stCondLst>
+                            <p:childTnLst>
+                              <p:par>
+                                <p:cTn id="5" presetID="2" presetClass="entr" presetSubtype="4" fill="hold" nodeType="clickEffect">
+                                  <p:stCondLst>
+                                    <p:cond delay="0"/>
+                                  </p:stCondLst>
+                                  <p:childTnLst>
+                                    <p:set>
+                                      <p:cBhvr>
+                                        <p:cTn id="6" dur="1" fill="hold">
+                                          <p:stCondLst>
+                                            <p:cond delay="0"/>
+                                          </p:stCondLst>
+                                        </p:cTn>
+                                        <p:tgtEl>
+                                          <p:spTgt spid="3">
+                                            <p:txEl>
+                                              <p:pRg st="3" end="3"/>
+                                            </p:txEl>
+                                          </p:spTgt>
+                                        </p:tgtEl>
+                                        <p:attrNameLst>
+                                          <p:attrName>style.visibility</p:attrName>
+                                        </p:attrNameLst>
+                                      </p:cBhvr>
+                                      <p:to>
+                                        <p:strVal val="visible"/>
+                                      </p:to>
+                                    </p:set>
+                                    <p:anim calcmode="lin" valueType="num">
+                                      <p:cBhvr additive="base">
+                                        <p:cTn id="7" dur="500" fill="hold"/>
+                                        <p:tgtEl>
+                                          <p:spTgt spid="3">
+                                            <p:txEl>
+                                              <p:pRg st="3" end="3"/>
+                                            </p:txEl>
+                                          </p:spTgt>
+                                        </p:tgtEl>
+                                        <p:attrNameLst>
+                                          <p:attrName>ppt_x</p:attrName>
+                                        </p:attrNameLst>
+                                      </p:cBhvr>
+                                      <p:tavLst>
+                                        <p:tav tm="0">
+                                          <p:val>
+                                            <p:strVal val="#ppt_x"/>
+                                          </p:val>
+                                        </p:tav>
+                                        <p:tav tm="100000">
+                                          <p:val>
+                                            <p:strVal val="#ppt_x"/>
+                                          </p:val>
+                                        </p:tav>
+                                      </p:tavLst>
+                                    </p:anim>
+                                    <p:anim calcmode="lin" valueType="num">
+                                      <p:cBhvr additive="base">
+                                        <p:cTn id="8" dur="500" fill="hold"/>
+                                        <p:tgtEl>
+                                          <p:spTgt spid="3">
+                                            <p:txEl>
+                                              <p:pRg st="3" end="3"/>
+                                            </p:txEl>
+                                          </p:spTgt>
+                                        </p:tgtEl>
+                                        <p:attrNameLst>
+                                          <p:attrName>ppt_y</p:attrName>
+                                        </p:attrNameLst>
+                                      </p:cBhvr>
+                                      <p:tavLst>
+                                        <p:tav tm="0">
+                                          <p:val>
+                                            <p:strVal val="1+#ppt_h/2"/>
+                                          </p:val>
+                                        </p:tav>
+                                        <p:tav tm="100000">
+                                          <p:val>
+                                            <p:strVal val="#ppt_y"/>
+                                          </p:val>
+                                        </p:tav>
+                                      </p:tavLst>
+                                    </p:anim>
+                                  </p:childTnLst>
+                                </p:cTn>
+                              </p:par>
+                            </p:childTnLst>
+                          </p:cTn>
+                        </p:par>
+                      </p:childTnLst>
+                    </p:cTn>
+                  </p:par>
+                </p:childTnLst>
+              </p:cTn>
+              <p:prevCondLst>
+                <p:cond evt="onPrev" delay="0">
+                  <p:tgtEl>
+                    <p:sldTgt/>
+                  </p:tgtEl>
+                </p:cond>
+              </p:prevCondLst>
+              <p:nextCondLst>
+                <p:cond evt="onNext" delay="0">
+                  <p:tgtEl>
+                    <p:sldTgt/>
+                  </p:tgtEl>
+                </p:cond>
+              </p:nextCondLst>
+            </p:seq>
+          </p:childTnLst>
+        </p:cTn>
+      </p:par>
+    </p:tnLst>
+  </p:timing>
+</p:sld>
+</file>
+
 <file path=ppt/slides/slide8.xml><?xml version="1.0" encoding="utf-8"?>
 <p:sld xmlns:a="http://schemas.openxmlformats.org/drawingml/2006/main" xmlns:r="http://schemas.openxmlformats.org/officeDocument/2006/relationships" xmlns:p="http://schemas.openxmlformats.org/presentationml/2006/main">
   <p:cSld>
@@ -9137,7 +9344,7 @@
           <a:p>
             <a:r>
               <a:rPr lang="en-US" dirty="0" smtClean="0"/>
-              <a:t>Step 4 - ROP</a:t>
+              <a:t>Step 2 – Translate OO to functional style</a:t>
             </a:r>
             <a:endParaRPr lang="en-US" dirty="0"/>
           </a:p>
@@ -9155,72 +9362,208 @@
         </p:nvSpPr>
         <p:spPr/>
         <p:txBody>
-          <a:bodyPr/>
+          <a:bodyPr>
+            <a:normAutofit/>
+          </a:bodyPr>
           <a:lstStyle/>
           <a:p>
             <a:r>
               <a:rPr lang="en-US" dirty="0" smtClean="0"/>
-              <a:t>Very simple to make a DSL in F#, ROP is an example</a:t>
-            </a:r>
-          </a:p>
-          <a:p>
+              <a:t>Demo – Remove the class</a:t>
+            </a:r>
+          </a:p>
+          <a:p>
+            <a:pPr lvl="1"/>
             <a:r>
               <a:rPr lang="en-US" dirty="0" smtClean="0"/>
-              <a:t>Railway Orientated Programing is a Design Pattern coined by Scott </a:t>
-            </a:r>
-            <a:r>
-              <a:rPr lang="en-US" dirty="0" err="1" smtClean="0"/>
-              <a:t>Wlashchin</a:t>
-            </a:r>
+              <a:t>Modules provide encapsulation instead of classes</a:t>
+            </a:r>
+          </a:p>
+          <a:p>
             <a:r>
               <a:rPr lang="en-US" dirty="0" smtClean="0"/>
-              <a:t> </a:t>
-            </a:r>
-            <a:r>
-              <a:rPr lang="en-US" dirty="0" smtClean="0">
-                <a:hlinkClick r:id="rId3"/>
-              </a:rPr>
-              <a:t>http://fsharpforfunandprofit.com/</a:t>
-            </a:r>
+              <a:t>Demo – Introduce composition</a:t>
+            </a:r>
+          </a:p>
+          <a:p>
+            <a:pPr lvl="1"/>
             <a:r>
               <a:rPr lang="en-US" dirty="0" smtClean="0"/>
-              <a:t> </a:t>
+              <a:t>Compose small functions together to build complex functionality</a:t>
             </a:r>
           </a:p>
           <a:p>
             <a:r>
               <a:rPr lang="en-US" dirty="0" smtClean="0"/>
-              <a:t>Helps with things like validation, logging, and errors</a:t>
-            </a:r>
-          </a:p>
-          <a:p>
+              <a:t>Demo – Move composition up to the application root</a:t>
+            </a:r>
+          </a:p>
+          <a:p>
+            <a:pPr lvl="1"/>
             <a:r>
               <a:rPr lang="en-US" dirty="0" smtClean="0"/>
-              <a:t>Very approachable</a:t>
-            </a:r>
-          </a:p>
-          <a:p>
+              <a:t>Type signatures instead of </a:t>
+            </a:r>
             <a:r>
               <a:rPr lang="en-US" dirty="0" smtClean="0"/>
-              <a:t>This example is very simple, ROP is much more powerful than described here</a:t>
-            </a:r>
+              <a:t>interfaces</a:t>
+            </a:r>
+            <a:endParaRPr lang="en-US" dirty="0" smtClean="0"/>
           </a:p>
         </p:txBody>
       </p:sp>
     </p:spTree>
     <p:extLst>
       <p:ext uri="{BB962C8B-B14F-4D97-AF65-F5344CB8AC3E}">
-        <p14:creationId xmlns:p14="http://schemas.microsoft.com/office/powerpoint/2010/main" val="2351686128"/>
+        <p14:creationId xmlns:p14="http://schemas.microsoft.com/office/powerpoint/2010/main" val="3399989542"/>
       </p:ext>
     </p:extLst>
   </p:cSld>
   <p:clrMapOvr>
     <a:masterClrMapping/>
   </p:clrMapOvr>
+  <mc:AlternateContent xmlns:mc="http://schemas.openxmlformats.org/markup-compatibility/2006" xmlns:p14="http://schemas.microsoft.com/office/powerpoint/2010/main">
+    <mc:Choice Requires="p14">
+      <p:transition spd="med" p14:dur="700">
+        <p:fade/>
+      </p:transition>
+    </mc:Choice>
+    <mc:Fallback xmlns="">
+      <p:transition spd="med">
+        <p:fade/>
+      </p:transition>
+    </mc:Fallback>
+  </mc:AlternateContent>
   <p:timing>
     <p:tnLst>
       <p:par>
-        <p:cTn id="1" dur="indefinite" restart="never" nodeType="tmRoot"/>
+        <p:cTn id="1" dur="indefinite" restart="never" nodeType="tmRoot">
+          <p:childTnLst>
+            <p:seq concurrent="1" nextAc="seek">
+              <p:cTn id="2" dur="indefinite" nodeType="mainSeq">
+                <p:childTnLst>
+                  <p:par>
+                    <p:cTn id="3" fill="hold">
+                      <p:stCondLst>
+                        <p:cond delay="indefinite"/>
+                      </p:stCondLst>
+                      <p:childTnLst>
+                        <p:par>
+                          <p:cTn id="4" fill="hold">
+                            <p:stCondLst>
+                              <p:cond delay="0"/>
+                            </p:stCondLst>
+                            <p:childTnLst>
+                              <p:par>
+                                <p:cTn id="5" presetID="2" presetClass="entr" presetSubtype="4" fill="hold" nodeType="clickEffect">
+                                  <p:stCondLst>
+                                    <p:cond delay="0"/>
+                                  </p:stCondLst>
+                                  <p:childTnLst>
+                                    <p:set>
+                                      <p:cBhvr>
+                                        <p:cTn id="6" dur="1" fill="hold">
+                                          <p:stCondLst>
+                                            <p:cond delay="0"/>
+                                          </p:stCondLst>
+                                        </p:cTn>
+                                        <p:tgtEl>
+                                          <p:spTgt spid="3">
+                                            <p:txEl>
+                                              <p:pRg st="5" end="5"/>
+                                            </p:txEl>
+                                          </p:spTgt>
+                                        </p:tgtEl>
+                                        <p:attrNameLst>
+                                          <p:attrName>style.visibility</p:attrName>
+                                        </p:attrNameLst>
+                                      </p:cBhvr>
+                                      <p:to>
+                                        <p:strVal val="visible"/>
+                                      </p:to>
+                                    </p:set>
+                                    <p:anim calcmode="lin" valueType="num">
+                                      <p:cBhvr additive="base">
+                                        <p:cTn id="7" dur="500" fill="hold"/>
+                                        <p:tgtEl>
+                                          <p:spTgt spid="3">
+                                            <p:txEl>
+                                              <p:pRg st="5" end="5"/>
+                                            </p:txEl>
+                                          </p:spTgt>
+                                        </p:tgtEl>
+                                        <p:attrNameLst>
+                                          <p:attrName>ppt_x</p:attrName>
+                                        </p:attrNameLst>
+                                      </p:cBhvr>
+                                      <p:tavLst>
+                                        <p:tav tm="0">
+                                          <p:val>
+                                            <p:strVal val="#ppt_x"/>
+                                          </p:val>
+                                        </p:tav>
+                                        <p:tav tm="100000">
+                                          <p:val>
+                                            <p:strVal val="#ppt_x"/>
+                                          </p:val>
+                                        </p:tav>
+                                      </p:tavLst>
+                                    </p:anim>
+                                    <p:anim calcmode="lin" valueType="num">
+                                      <p:cBhvr additive="base">
+                                        <p:cTn id="8" dur="500" fill="hold"/>
+                                        <p:tgtEl>
+                                          <p:spTgt spid="3">
+                                            <p:txEl>
+                                              <p:pRg st="5" end="5"/>
+                                            </p:txEl>
+                                          </p:spTgt>
+                                        </p:tgtEl>
+                                        <p:attrNameLst>
+                                          <p:attrName>ppt_y</p:attrName>
+                                        </p:attrNameLst>
+                                      </p:cBhvr>
+                                      <p:tavLst>
+                                        <p:tav tm="0">
+                                          <p:val>
+                                            <p:strVal val="1+#ppt_h/2"/>
+                                          </p:val>
+                                        </p:tav>
+                                        <p:tav tm="100000">
+                                          <p:val>
+                                            <p:strVal val="#ppt_y"/>
+                                          </p:val>
+                                        </p:tav>
+                                      </p:tavLst>
+                                    </p:anim>
+                                  </p:childTnLst>
+                                </p:cTn>
+                              </p:par>
+                            </p:childTnLst>
+                          </p:cTn>
+                        </p:par>
+                      </p:childTnLst>
+                    </p:cTn>
+                  </p:par>
+                </p:childTnLst>
+              </p:cTn>
+              <p:prevCondLst>
+                <p:cond evt="onPrev" delay="0">
+                  <p:tgtEl>
+                    <p:sldTgt/>
+                  </p:tgtEl>
+                </p:cond>
+              </p:prevCondLst>
+              <p:nextCondLst>
+                <p:cond evt="onNext" delay="0">
+                  <p:tgtEl>
+                    <p:sldTgt/>
+                  </p:tgtEl>
+                </p:cond>
+              </p:nextCondLst>
+            </p:seq>
+          </p:childTnLst>
+        </p:cTn>
       </p:par>
     </p:tnLst>
   </p:timing>
@@ -9261,7 +9604,7 @@
           <a:p>
             <a:r>
               <a:rPr lang="en-US" dirty="0" smtClean="0"/>
-              <a:t>Some Highlights</a:t>
+              <a:t>Step 2 – Translate OO to functional style</a:t>
             </a:r>
             <a:endParaRPr lang="en-US" dirty="0"/>
           </a:p>
@@ -9279,9 +9622,44 @@
         </p:nvSpPr>
         <p:spPr/>
         <p:txBody>
-          <a:bodyPr/>
+          <a:bodyPr>
+            <a:normAutofit lnSpcReduction="10000"/>
+          </a:bodyPr>
           <a:lstStyle/>
           <a:p>
+            <a:r>
+              <a:rPr lang="en-US" dirty="0" smtClean="0"/>
+              <a:t>Demo – Remove the class</a:t>
+            </a:r>
+          </a:p>
+          <a:p>
+            <a:pPr lvl="1"/>
+            <a:r>
+              <a:rPr lang="en-US" dirty="0" smtClean="0"/>
+              <a:t>Modules provide encapsulation instead of classes</a:t>
+            </a:r>
+          </a:p>
+          <a:p>
+            <a:r>
+              <a:rPr lang="en-US" dirty="0" smtClean="0"/>
+              <a:t>Demo – Introduce composition</a:t>
+            </a:r>
+          </a:p>
+          <a:p>
+            <a:pPr lvl="1"/>
+            <a:r>
+              <a:rPr lang="en-US" dirty="0" smtClean="0"/>
+              <a:t>Compose small functions together to build complex functionality</a:t>
+            </a:r>
+          </a:p>
+          <a:p>
+            <a:r>
+              <a:rPr lang="en-US" dirty="0" smtClean="0"/>
+              <a:t>Demo – Move composition up to the application root</a:t>
+            </a:r>
+          </a:p>
+          <a:p>
+            <a:pPr lvl="1"/>
             <a:r>
               <a:rPr lang="en-US" dirty="0" smtClean="0"/>
               <a:t>Type signatures instead of interfaces</a:t>
@@ -9290,61 +9668,357 @@
           <a:p>
             <a:r>
               <a:rPr lang="en-US" dirty="0" smtClean="0"/>
-              <a:t>Much less code which is generic by default and highly reusable</a:t>
-            </a:r>
-          </a:p>
-          <a:p>
+              <a:t>Demo – A more functional approach</a:t>
+            </a:r>
+          </a:p>
+          <a:p>
+            <a:pPr lvl="1"/>
             <a:r>
               <a:rPr lang="en-US" dirty="0" smtClean="0"/>
-              <a:t>Composition is very powerful, core use cases become trivial to understand</a:t>
-            </a:r>
-          </a:p>
-          <a:p>
+              <a:t>Parameter order matters in your functions as it dictates composability</a:t>
+            </a:r>
+          </a:p>
+          <a:p>
+            <a:pPr lvl="1"/>
             <a:r>
               <a:rPr lang="en-US" dirty="0" smtClean="0"/>
-              <a:t>F# is a hybrid language.  Very good at OOP or Functional programming.  They can be and often are combined.</a:t>
-            </a:r>
-          </a:p>
-          <a:p>
+              <a:t>Small composable functions are more reusable</a:t>
+            </a:r>
+          </a:p>
+          <a:p>
+            <a:pPr lvl="1"/>
             <a:r>
               <a:rPr lang="en-US" dirty="0" smtClean="0"/>
-              <a:t>ROP is a good place to start when looking for best practices</a:t>
-            </a:r>
-          </a:p>
-          <a:p>
-            <a:r>
-              <a:rPr lang="en-US" dirty="0" smtClean="0">
-                <a:hlinkClick r:id="rId3"/>
-              </a:rPr>
-              <a:t>http://fsharpforfunandprofit.com/</a:t>
-            </a:r>
-            <a:endParaRPr lang="en-US" dirty="0" smtClean="0"/>
-          </a:p>
-          <a:p>
-            <a:r>
-              <a:rPr lang="en-US" dirty="0" smtClean="0">
-                <a:hlinkClick r:id="rId4"/>
-              </a:rPr>
-              <a:t>http://fsharp.org/</a:t>
-            </a:r>
-            <a:endParaRPr lang="en-US" dirty="0" smtClean="0"/>
+              <a:t>Dependency Injection via partial application</a:t>
+            </a:r>
+          </a:p>
+          <a:p>
+            <a:endParaRPr lang="en-US" dirty="0"/>
           </a:p>
         </p:txBody>
       </p:sp>
     </p:spTree>
     <p:extLst>
       <p:ext uri="{BB962C8B-B14F-4D97-AF65-F5344CB8AC3E}">
-        <p14:creationId xmlns:p14="http://schemas.microsoft.com/office/powerpoint/2010/main" val="884966732"/>
+        <p14:creationId xmlns:p14="http://schemas.microsoft.com/office/powerpoint/2010/main" val="4100149018"/>
       </p:ext>
     </p:extLst>
   </p:cSld>
   <p:clrMapOvr>
     <a:masterClrMapping/>
   </p:clrMapOvr>
+  <mc:AlternateContent xmlns:mc="http://schemas.openxmlformats.org/markup-compatibility/2006" xmlns:p14="http://schemas.microsoft.com/office/powerpoint/2010/main">
+    <mc:Choice Requires="p14">
+      <p:transition spd="med" p14:dur="700">
+        <p:fade/>
+      </p:transition>
+    </mc:Choice>
+    <mc:Fallback xmlns="">
+      <p:transition spd="med">
+        <p:fade/>
+      </p:transition>
+    </mc:Fallback>
+  </mc:AlternateContent>
   <p:timing>
     <p:tnLst>
       <p:par>
-        <p:cTn id="1" dur="indefinite" restart="never" nodeType="tmRoot"/>
+        <p:cTn id="1" dur="indefinite" restart="never" nodeType="tmRoot">
+          <p:childTnLst>
+            <p:seq concurrent="1" nextAc="seek">
+              <p:cTn id="2" dur="indefinite" nodeType="mainSeq">
+                <p:childTnLst>
+                  <p:par>
+                    <p:cTn id="3" fill="hold">
+                      <p:stCondLst>
+                        <p:cond delay="indefinite"/>
+                      </p:stCondLst>
+                      <p:childTnLst>
+                        <p:par>
+                          <p:cTn id="4" fill="hold">
+                            <p:stCondLst>
+                              <p:cond delay="0"/>
+                            </p:stCondLst>
+                            <p:childTnLst>
+                              <p:par>
+                                <p:cTn id="5" presetID="2" presetClass="entr" presetSubtype="4" fill="hold" nodeType="clickEffect">
+                                  <p:stCondLst>
+                                    <p:cond delay="0"/>
+                                  </p:stCondLst>
+                                  <p:childTnLst>
+                                    <p:set>
+                                      <p:cBhvr>
+                                        <p:cTn id="6" dur="1" fill="hold">
+                                          <p:stCondLst>
+                                            <p:cond delay="0"/>
+                                          </p:stCondLst>
+                                        </p:cTn>
+                                        <p:tgtEl>
+                                          <p:spTgt spid="3">
+                                            <p:txEl>
+                                              <p:pRg st="7" end="7"/>
+                                            </p:txEl>
+                                          </p:spTgt>
+                                        </p:tgtEl>
+                                        <p:attrNameLst>
+                                          <p:attrName>style.visibility</p:attrName>
+                                        </p:attrNameLst>
+                                      </p:cBhvr>
+                                      <p:to>
+                                        <p:strVal val="visible"/>
+                                      </p:to>
+                                    </p:set>
+                                    <p:anim calcmode="lin" valueType="num">
+                                      <p:cBhvr additive="base">
+                                        <p:cTn id="7" dur="500" fill="hold"/>
+                                        <p:tgtEl>
+                                          <p:spTgt spid="3">
+                                            <p:txEl>
+                                              <p:pRg st="7" end="7"/>
+                                            </p:txEl>
+                                          </p:spTgt>
+                                        </p:tgtEl>
+                                        <p:attrNameLst>
+                                          <p:attrName>ppt_x</p:attrName>
+                                        </p:attrNameLst>
+                                      </p:cBhvr>
+                                      <p:tavLst>
+                                        <p:tav tm="0">
+                                          <p:val>
+                                            <p:strVal val="#ppt_x"/>
+                                          </p:val>
+                                        </p:tav>
+                                        <p:tav tm="100000">
+                                          <p:val>
+                                            <p:strVal val="#ppt_x"/>
+                                          </p:val>
+                                        </p:tav>
+                                      </p:tavLst>
+                                    </p:anim>
+                                    <p:anim calcmode="lin" valueType="num">
+                                      <p:cBhvr additive="base">
+                                        <p:cTn id="8" dur="500" fill="hold"/>
+                                        <p:tgtEl>
+                                          <p:spTgt spid="3">
+                                            <p:txEl>
+                                              <p:pRg st="7" end="7"/>
+                                            </p:txEl>
+                                          </p:spTgt>
+                                        </p:tgtEl>
+                                        <p:attrNameLst>
+                                          <p:attrName>ppt_y</p:attrName>
+                                        </p:attrNameLst>
+                                      </p:cBhvr>
+                                      <p:tavLst>
+                                        <p:tav tm="0">
+                                          <p:val>
+                                            <p:strVal val="1+#ppt_h/2"/>
+                                          </p:val>
+                                        </p:tav>
+                                        <p:tav tm="100000">
+                                          <p:val>
+                                            <p:strVal val="#ppt_y"/>
+                                          </p:val>
+                                        </p:tav>
+                                      </p:tavLst>
+                                    </p:anim>
+                                  </p:childTnLst>
+                                </p:cTn>
+                              </p:par>
+                              <p:par>
+                                <p:cTn id="9" presetID="2" presetClass="entr" presetSubtype="4" fill="hold" nodeType="withEffect">
+                                  <p:stCondLst>
+                                    <p:cond delay="0"/>
+                                  </p:stCondLst>
+                                  <p:childTnLst>
+                                    <p:set>
+                                      <p:cBhvr>
+                                        <p:cTn id="10" dur="1" fill="hold">
+                                          <p:stCondLst>
+                                            <p:cond delay="0"/>
+                                          </p:stCondLst>
+                                        </p:cTn>
+                                        <p:tgtEl>
+                                          <p:spTgt spid="3">
+                                            <p:txEl>
+                                              <p:pRg st="8" end="8"/>
+                                            </p:txEl>
+                                          </p:spTgt>
+                                        </p:tgtEl>
+                                        <p:attrNameLst>
+                                          <p:attrName>style.visibility</p:attrName>
+                                        </p:attrNameLst>
+                                      </p:cBhvr>
+                                      <p:to>
+                                        <p:strVal val="visible"/>
+                                      </p:to>
+                                    </p:set>
+                                    <p:anim calcmode="lin" valueType="num">
+                                      <p:cBhvr additive="base">
+                                        <p:cTn id="11" dur="500" fill="hold"/>
+                                        <p:tgtEl>
+                                          <p:spTgt spid="3">
+                                            <p:txEl>
+                                              <p:pRg st="8" end="8"/>
+                                            </p:txEl>
+                                          </p:spTgt>
+                                        </p:tgtEl>
+                                        <p:attrNameLst>
+                                          <p:attrName>ppt_x</p:attrName>
+                                        </p:attrNameLst>
+                                      </p:cBhvr>
+                                      <p:tavLst>
+                                        <p:tav tm="0">
+                                          <p:val>
+                                            <p:strVal val="#ppt_x"/>
+                                          </p:val>
+                                        </p:tav>
+                                        <p:tav tm="100000">
+                                          <p:val>
+                                            <p:strVal val="#ppt_x"/>
+                                          </p:val>
+                                        </p:tav>
+                                      </p:tavLst>
+                                    </p:anim>
+                                    <p:anim calcmode="lin" valueType="num">
+                                      <p:cBhvr additive="base">
+                                        <p:cTn id="12" dur="500" fill="hold"/>
+                                        <p:tgtEl>
+                                          <p:spTgt spid="3">
+                                            <p:txEl>
+                                              <p:pRg st="8" end="8"/>
+                                            </p:txEl>
+                                          </p:spTgt>
+                                        </p:tgtEl>
+                                        <p:attrNameLst>
+                                          <p:attrName>ppt_y</p:attrName>
+                                        </p:attrNameLst>
+                                      </p:cBhvr>
+                                      <p:tavLst>
+                                        <p:tav tm="0">
+                                          <p:val>
+                                            <p:strVal val="1+#ppt_h/2"/>
+                                          </p:val>
+                                        </p:tav>
+                                        <p:tav tm="100000">
+                                          <p:val>
+                                            <p:strVal val="#ppt_y"/>
+                                          </p:val>
+                                        </p:tav>
+                                      </p:tavLst>
+                                    </p:anim>
+                                  </p:childTnLst>
+                                </p:cTn>
+                              </p:par>
+                              <p:par>
+                                <p:cTn id="13" presetID="2" presetClass="entr" presetSubtype="4" fill="hold" nodeType="withEffect">
+                                  <p:stCondLst>
+                                    <p:cond delay="0"/>
+                                  </p:stCondLst>
+                                  <p:childTnLst>
+                                    <p:set>
+                                      <p:cBhvr>
+                                        <p:cTn id="14" dur="1" fill="hold">
+                                          <p:stCondLst>
+                                            <p:cond delay="0"/>
+                                          </p:stCondLst>
+                                        </p:cTn>
+                                        <p:tgtEl>
+                                          <p:spTgt spid="3">
+                                            <p:txEl>
+                                              <p:pRg st="9" end="9"/>
+                                            </p:txEl>
+                                          </p:spTgt>
+                                        </p:tgtEl>
+                                        <p:attrNameLst>
+                                          <p:attrName>style.visibility</p:attrName>
+                                        </p:attrNameLst>
+                                      </p:cBhvr>
+                                      <p:to>
+                                        <p:strVal val="visible"/>
+                                      </p:to>
+                                    </p:set>
+                                    <p:anim calcmode="lin" valueType="num">
+                                      <p:cBhvr additive="base">
+                                        <p:cTn id="15" dur="500" fill="hold"/>
+                                        <p:tgtEl>
+                                          <p:spTgt spid="3">
+                                            <p:txEl>
+                                              <p:pRg st="9" end="9"/>
+                                            </p:txEl>
+                                          </p:spTgt>
+                                        </p:tgtEl>
+                                        <p:attrNameLst>
+                                          <p:attrName>ppt_x</p:attrName>
+                                        </p:attrNameLst>
+                                      </p:cBhvr>
+                                      <p:tavLst>
+                                        <p:tav tm="0">
+                                          <p:val>
+                                            <p:strVal val="#ppt_x"/>
+                                          </p:val>
+                                        </p:tav>
+                                        <p:tav tm="100000">
+                                          <p:val>
+                                            <p:strVal val="#ppt_x"/>
+                                          </p:val>
+                                        </p:tav>
+                                      </p:tavLst>
+                                    </p:anim>
+                                    <p:anim calcmode="lin" valueType="num">
+                                      <p:cBhvr additive="base">
+                                        <p:cTn id="16" dur="500" fill="hold"/>
+                                        <p:tgtEl>
+                                          <p:spTgt spid="3">
+                                            <p:txEl>
+                                              <p:pRg st="9" end="9"/>
+                                            </p:txEl>
+                                          </p:spTgt>
+                                        </p:tgtEl>
+                                        <p:attrNameLst>
+                                          <p:attrName>ppt_y</p:attrName>
+                                        </p:attrNameLst>
+                                      </p:cBhvr>
+                                      <p:tavLst>
+                                        <p:tav tm="0">
+                                          <p:val>
+                                            <p:strVal val="1+#ppt_h/2"/>
+                                          </p:val>
+                                        </p:tav>
+                                        <p:tav tm="100000">
+                                          <p:val>
+                                            <p:strVal val="#ppt_y"/>
+                                          </p:val>
+                                        </p:tav>
+                                      </p:tavLst>
+                                    </p:anim>
+                                  </p:childTnLst>
+                                </p:cTn>
+                              </p:par>
+                            </p:childTnLst>
+                          </p:cTn>
+                        </p:par>
+                      </p:childTnLst>
+                    </p:cTn>
+                  </p:par>
+                </p:childTnLst>
+              </p:cTn>
+              <p:prevCondLst>
+                <p:cond evt="onPrev" delay="0">
+                  <p:tgtEl>
+                    <p:sldTgt/>
+                  </p:tgtEl>
+                </p:cond>
+              </p:prevCondLst>
+              <p:nextCondLst>
+                <p:cond evt="onNext" delay="0">
+                  <p:tgtEl>
+                    <p:sldTgt/>
+                  </p:tgtEl>
+                </p:cond>
+              </p:nextCondLst>
+            </p:seq>
+          </p:childTnLst>
+        </p:cTn>
       </p:par>
     </p:tnLst>
   </p:timing>
